--- a/SSYB,SSGB Six Sigma Yellow Belt or Six Sigma Green Belt/SSGB questions and answers with explanation (SSYB as well).pptx
+++ b/SSYB,SSGB Six Sigma Yellow Belt or Six Sigma Green Belt/SSGB questions and answers with explanation (SSYB as well).pptx
@@ -12,11 +12,11 @@
     <p:sldId id="257" r:id="rId3"/>
     <p:sldId id="289" r:id="rId4"/>
     <p:sldId id="293" r:id="rId5"/>
-    <p:sldId id="294" r:id="rId6"/>
-    <p:sldId id="287" r:id="rId7"/>
-    <p:sldId id="258" r:id="rId8"/>
-    <p:sldId id="286" r:id="rId9"/>
-    <p:sldId id="295" r:id="rId10"/>
+    <p:sldId id="258" r:id="rId6"/>
+    <p:sldId id="294" r:id="rId7"/>
+    <p:sldId id="287" r:id="rId8"/>
+    <p:sldId id="295" r:id="rId9"/>
+    <p:sldId id="286" r:id="rId10"/>
     <p:sldId id="297" r:id="rId11"/>
     <p:sldId id="261" r:id="rId12"/>
     <p:sldId id="296" r:id="rId13"/>
@@ -230,7 +230,7 @@
           <a:p>
             <a:fld id="{9C7B61CF-AD2F-4770-AF4A-AC6FDCF4D5B5}" type="datetimeFigureOut">
               <a:rPr lang="en-US" smtClean="0"/>
-              <a:t>7/23/2018</a:t>
+              <a:t>7/28/2018</a:t>
             </a:fld>
             <a:endParaRPr lang="en-US"/>
           </a:p>
@@ -3095,7 +3095,15 @@
           <a:bodyPr/>
           <a:lstStyle/>
           <a:p>
-            <a:endParaRPr lang="en-US" dirty="0"/>
+            <a:endParaRPr lang="en-US" sz="1200" b="0" i="0" kern="1200" dirty="0" smtClean="0">
+              <a:solidFill>
+                <a:schemeClr val="tx1"/>
+              </a:solidFill>
+              <a:effectLst/>
+              <a:latin typeface="+mn-lt"/>
+              <a:ea typeface="+mn-ea"/>
+              <a:cs typeface="+mn-cs"/>
+            </a:endParaRPr>
           </a:p>
         </p:txBody>
       </p:sp>
@@ -3125,7 +3133,7 @@
     </p:spTree>
     <p:extLst>
       <p:ext uri="{BB962C8B-B14F-4D97-AF65-F5344CB8AC3E}">
-        <p14:creationId xmlns:p14="http://schemas.microsoft.com/office/powerpoint/2010/main" val="2269552085"/>
+        <p14:creationId xmlns:p14="http://schemas.microsoft.com/office/powerpoint/2010/main" val="1710759136"/>
       </p:ext>
     </p:extLst>
   </p:cSld>
@@ -3209,7 +3217,7 @@
     </p:spTree>
     <p:extLst>
       <p:ext uri="{BB962C8B-B14F-4D97-AF65-F5344CB8AC3E}">
-        <p14:creationId xmlns:p14="http://schemas.microsoft.com/office/powerpoint/2010/main" val="3968073499"/>
+        <p14:creationId xmlns:p14="http://schemas.microsoft.com/office/powerpoint/2010/main" val="2269552085"/>
       </p:ext>
     </p:extLst>
   </p:cSld>
@@ -3263,15 +3271,7 @@
           <a:bodyPr/>
           <a:lstStyle/>
           <a:p>
-            <a:endParaRPr lang="en-US" sz="1200" b="0" i="0" kern="1200" dirty="0" smtClean="0">
-              <a:solidFill>
-                <a:schemeClr val="tx1"/>
-              </a:solidFill>
-              <a:effectLst/>
-              <a:latin typeface="+mn-lt"/>
-              <a:ea typeface="+mn-ea"/>
-              <a:cs typeface="+mn-cs"/>
-            </a:endParaRPr>
+            <a:endParaRPr lang="en-US" dirty="0"/>
           </a:p>
         </p:txBody>
       </p:sp>
@@ -3301,7 +3301,7 @@
     </p:spTree>
     <p:extLst>
       <p:ext uri="{BB962C8B-B14F-4D97-AF65-F5344CB8AC3E}">
-        <p14:creationId xmlns:p14="http://schemas.microsoft.com/office/powerpoint/2010/main" val="1710759136"/>
+        <p14:creationId xmlns:p14="http://schemas.microsoft.com/office/powerpoint/2010/main" val="3968073499"/>
       </p:ext>
     </p:extLst>
   </p:cSld>
@@ -3393,7 +3393,7 @@
     </p:spTree>
     <p:extLst>
       <p:ext uri="{BB962C8B-B14F-4D97-AF65-F5344CB8AC3E}">
-        <p14:creationId xmlns:p14="http://schemas.microsoft.com/office/powerpoint/2010/main" val="2429565095"/>
+        <p14:creationId xmlns:p14="http://schemas.microsoft.com/office/powerpoint/2010/main" val="3026611513"/>
       </p:ext>
     </p:extLst>
   </p:cSld>
@@ -3485,7 +3485,7 @@
     </p:spTree>
     <p:extLst>
       <p:ext uri="{BB962C8B-B14F-4D97-AF65-F5344CB8AC3E}">
-        <p14:creationId xmlns:p14="http://schemas.microsoft.com/office/powerpoint/2010/main" val="3026611513"/>
+        <p14:creationId xmlns:p14="http://schemas.microsoft.com/office/powerpoint/2010/main" val="2429565095"/>
       </p:ext>
     </p:extLst>
   </p:cSld>
@@ -3797,7 +3797,7 @@
           <a:p>
             <a:fld id="{F2B7C803-E72F-4B88-834D-BFB303F90182}" type="datetimeFigureOut">
               <a:rPr lang="en-US" smtClean="0"/>
-              <a:t>7/23/2018</a:t>
+              <a:t>7/28/2018</a:t>
             </a:fld>
             <a:endParaRPr lang="en-US"/>
           </a:p>
@@ -3967,7 +3967,7 @@
           <a:p>
             <a:fld id="{F2B7C803-E72F-4B88-834D-BFB303F90182}" type="datetimeFigureOut">
               <a:rPr lang="en-US" smtClean="0"/>
-              <a:t>7/23/2018</a:t>
+              <a:t>7/28/2018</a:t>
             </a:fld>
             <a:endParaRPr lang="en-US"/>
           </a:p>
@@ -4147,7 +4147,7 @@
           <a:p>
             <a:fld id="{F2B7C803-E72F-4B88-834D-BFB303F90182}" type="datetimeFigureOut">
               <a:rPr lang="en-US" smtClean="0"/>
-              <a:t>7/23/2018</a:t>
+              <a:t>7/28/2018</a:t>
             </a:fld>
             <a:endParaRPr lang="en-US"/>
           </a:p>
@@ -4317,7 +4317,7 @@
           <a:p>
             <a:fld id="{F2B7C803-E72F-4B88-834D-BFB303F90182}" type="datetimeFigureOut">
               <a:rPr lang="en-US" smtClean="0"/>
-              <a:t>7/23/2018</a:t>
+              <a:t>7/28/2018</a:t>
             </a:fld>
             <a:endParaRPr lang="en-US"/>
           </a:p>
@@ -4563,7 +4563,7 @@
           <a:p>
             <a:fld id="{F2B7C803-E72F-4B88-834D-BFB303F90182}" type="datetimeFigureOut">
               <a:rPr lang="en-US" smtClean="0"/>
-              <a:t>7/23/2018</a:t>
+              <a:t>7/28/2018</a:t>
             </a:fld>
             <a:endParaRPr lang="en-US"/>
           </a:p>
@@ -4795,7 +4795,7 @@
           <a:p>
             <a:fld id="{F2B7C803-E72F-4B88-834D-BFB303F90182}" type="datetimeFigureOut">
               <a:rPr lang="en-US" smtClean="0"/>
-              <a:t>7/23/2018</a:t>
+              <a:t>7/28/2018</a:t>
             </a:fld>
             <a:endParaRPr lang="en-US"/>
           </a:p>
@@ -5162,7 +5162,7 @@
           <a:p>
             <a:fld id="{F2B7C803-E72F-4B88-834D-BFB303F90182}" type="datetimeFigureOut">
               <a:rPr lang="en-US" smtClean="0"/>
-              <a:t>7/23/2018</a:t>
+              <a:t>7/28/2018</a:t>
             </a:fld>
             <a:endParaRPr lang="en-US"/>
           </a:p>
@@ -5280,7 +5280,7 @@
           <a:p>
             <a:fld id="{F2B7C803-E72F-4B88-834D-BFB303F90182}" type="datetimeFigureOut">
               <a:rPr lang="en-US" smtClean="0"/>
-              <a:t>7/23/2018</a:t>
+              <a:t>7/28/2018</a:t>
             </a:fld>
             <a:endParaRPr lang="en-US"/>
           </a:p>
@@ -5375,7 +5375,7 @@
           <a:p>
             <a:fld id="{F2B7C803-E72F-4B88-834D-BFB303F90182}" type="datetimeFigureOut">
               <a:rPr lang="en-US" smtClean="0"/>
-              <a:t>7/23/2018</a:t>
+              <a:t>7/28/2018</a:t>
             </a:fld>
             <a:endParaRPr lang="en-US"/>
           </a:p>
@@ -5652,7 +5652,7 @@
           <a:p>
             <a:fld id="{F2B7C803-E72F-4B88-834D-BFB303F90182}" type="datetimeFigureOut">
               <a:rPr lang="en-US" smtClean="0"/>
-              <a:t>7/23/2018</a:t>
+              <a:t>7/28/2018</a:t>
             </a:fld>
             <a:endParaRPr lang="en-US"/>
           </a:p>
@@ -5905,7 +5905,7 @@
           <a:p>
             <a:fld id="{F2B7C803-E72F-4B88-834D-BFB303F90182}" type="datetimeFigureOut">
               <a:rPr lang="en-US" smtClean="0"/>
-              <a:t>7/23/2018</a:t>
+              <a:t>7/28/2018</a:t>
             </a:fld>
             <a:endParaRPr lang="en-US"/>
           </a:p>
@@ -6132,7 +6132,7 @@
           <a:p>
             <a:fld id="{F2B7C803-E72F-4B88-834D-BFB303F90182}" type="datetimeFigureOut">
               <a:rPr lang="en-US" smtClean="0"/>
-              <a:t>7/23/2018</a:t>
+              <a:t>7/28/2018</a:t>
             </a:fld>
             <a:endParaRPr lang="en-US"/>
           </a:p>
@@ -20325,853 +20325,6 @@
         </p:nvSpPr>
         <p:spPr>
           <a:xfrm>
-            <a:off x="838200" y="661425"/>
-            <a:ext cx="10515600" cy="2349304"/>
-          </a:xfrm>
-        </p:spPr>
-        <p:txBody>
-          <a:bodyPr>
-            <a:noAutofit/>
-          </a:bodyPr>
-          <a:lstStyle/>
-          <a:p>
-            <a:r>
-              <a:rPr lang="en-US" sz="2800" b="1" u="sng" dirty="0" smtClean="0"/>
-              <a:t>Question: </a:t>
-            </a:r>
-            <a:r>
-              <a:rPr lang="en-US" sz="2800" b="1" dirty="0" smtClean="0"/>
-              <a:t/>
-            </a:r>
-            <a:br>
-              <a:rPr lang="en-US" sz="2800" b="1" dirty="0" smtClean="0"/>
-            </a:br>
-            <a:r>
-              <a:rPr lang="en-US" sz="2800" b="1" dirty="0">
-                <a:solidFill>
-                  <a:srgbClr val="00B050"/>
-                </a:solidFill>
-              </a:rPr>
-              <a:t>You are a Project Manager wanting to compare on time delivery (%) of Team Leads across 4 teams, your choice of technique would be?</a:t>
-            </a:r>
-            <a:r>
-              <a:rPr lang="en-US" sz="2800" dirty="0"/>
-              <a:t/>
-            </a:r>
-            <a:br>
-              <a:rPr lang="en-US" sz="2800" dirty="0"/>
-            </a:br>
-            <a:r>
-              <a:rPr lang="en-US" sz="2800" dirty="0" smtClean="0"/>
-              <a:t>	Hypothesis </a:t>
-            </a:r>
-            <a:r>
-              <a:rPr lang="en-US" sz="2800" dirty="0"/>
-              <a:t>Testing</a:t>
-            </a:r>
-            <a:br>
-              <a:rPr lang="en-US" sz="2800" dirty="0"/>
-            </a:br>
-            <a:r>
-              <a:rPr lang="en-US" sz="2800" dirty="0" smtClean="0"/>
-              <a:t>	Histograms</a:t>
-            </a:r>
-            <a:r>
-              <a:rPr lang="en-US" sz="2800" dirty="0"/>
-              <a:t/>
-            </a:r>
-            <a:br>
-              <a:rPr lang="en-US" sz="2800" dirty="0"/>
-            </a:br>
-            <a:r>
-              <a:rPr lang="en-US" sz="2800" dirty="0" smtClean="0"/>
-              <a:t>	Pareto </a:t>
-            </a:r>
-            <a:r>
-              <a:rPr lang="en-US" sz="2800" dirty="0"/>
-              <a:t>chart</a:t>
-            </a:r>
-            <a:br>
-              <a:rPr lang="en-US" sz="2800" dirty="0"/>
-            </a:br>
-            <a:r>
-              <a:rPr lang="en-US" sz="2800" dirty="0" smtClean="0"/>
-              <a:t>	Box Plots</a:t>
-            </a:r>
-            <a:endParaRPr lang="en-US" sz="2800" dirty="0"/>
-          </a:p>
-        </p:txBody>
-      </p:sp>
-      <p:sp>
-        <p:nvSpPr>
-          <p:cNvPr id="3" name="Content Placeholder 2"/>
-          <p:cNvSpPr>
-            <a:spLocks noGrp="1"/>
-          </p:cNvSpPr>
-          <p:nvPr>
-            <p:ph idx="1"/>
-          </p:nvPr>
-        </p:nvSpPr>
-        <p:spPr>
-          <a:xfrm>
-            <a:off x="838200" y="3657060"/>
-            <a:ext cx="10515600" cy="2335237"/>
-          </a:xfrm>
-        </p:spPr>
-        <p:txBody>
-          <a:bodyPr>
-            <a:normAutofit/>
-          </a:bodyPr>
-          <a:lstStyle/>
-          <a:p>
-            <a:pPr marL="0" indent="0">
-              <a:buNone/>
-            </a:pPr>
-            <a:r>
-              <a:rPr lang="en-US" sz="2400" b="1" u="sng" dirty="0" smtClean="0"/>
-              <a:t>Answer:</a:t>
-            </a:r>
-            <a:r>
-              <a:rPr lang="en-US" sz="2400" b="1" dirty="0" smtClean="0"/>
-              <a:t> 	4</a:t>
-            </a:r>
-            <a:endParaRPr lang="en-US" sz="2400" dirty="0" smtClean="0"/>
-          </a:p>
-          <a:p>
-            <a:pPr marL="0" indent="0">
-              <a:buNone/>
-            </a:pPr>
-            <a:r>
-              <a:rPr lang="en-US" sz="2400" b="1" u="sng" dirty="0" smtClean="0"/>
-              <a:t>Explanation: </a:t>
-            </a:r>
-          </a:p>
-          <a:p>
-            <a:pPr marL="0" indent="0">
-              <a:buNone/>
-            </a:pPr>
-            <a:endParaRPr lang="en-US" sz="2400" dirty="0"/>
-          </a:p>
-        </p:txBody>
-      </p:sp>
-      <p:sp>
-        <p:nvSpPr>
-          <p:cNvPr id="4" name="Rectangle 3"/>
-          <p:cNvSpPr/>
-          <p:nvPr/>
-        </p:nvSpPr>
-        <p:spPr>
-          <a:xfrm>
-            <a:off x="838200" y="5992297"/>
-            <a:ext cx="10515600" cy="646331"/>
-          </a:xfrm>
-          <a:prstGeom prst="rect">
-            <a:avLst/>
-          </a:prstGeom>
-          <a:blipFill>
-            <a:blip r:embed="rId3"/>
-            <a:tile tx="0" ty="0" sx="100000" sy="100000" flip="none" algn="tl"/>
-          </a:blipFill>
-          <a:effectLst>
-            <a:outerShdw blurRad="50800" dist="38100" dir="13500000" algn="br" rotWithShape="0">
-              <a:prstClr val="black">
-                <a:alpha val="40000"/>
-              </a:prstClr>
-            </a:outerShdw>
-          </a:effectLst>
-        </p:spPr>
-        <p:txBody>
-          <a:bodyPr wrap="square">
-            <a:spAutoFit/>
-          </a:bodyPr>
-          <a:lstStyle/>
-          <a:p>
-            <a:pPr algn="ctr"/>
-            <a:r>
-              <a:rPr lang="en-US" sz="3600" dirty="0" smtClean="0">
-                <a:ln w="0"/>
-                <a:effectLst>
-                  <a:outerShdw blurRad="38100" dist="19050" dir="2700000" algn="tl" rotWithShape="0">
-                    <a:schemeClr val="dk1">
-                      <a:alpha val="40000"/>
-                    </a:schemeClr>
-                  </a:outerShdw>
-                </a:effectLst>
-              </a:rPr>
-              <a:t>Data Visualization</a:t>
-            </a:r>
-            <a:endParaRPr lang="en-US" sz="3600" dirty="0">
-              <a:ln w="0"/>
-              <a:effectLst>
-                <a:outerShdw blurRad="38100" dist="19050" dir="2700000" algn="tl" rotWithShape="0">
-                  <a:schemeClr val="dk1">
-                    <a:alpha val="40000"/>
-                  </a:schemeClr>
-                </a:outerShdw>
-              </a:effectLst>
-            </a:endParaRPr>
-          </a:p>
-        </p:txBody>
-      </p:sp>
-      <p:pic>
-        <p:nvPicPr>
-          <p:cNvPr id="5" name="Picture 4"/>
-          <p:cNvPicPr>
-            <a:picLocks noChangeAspect="1"/>
-          </p:cNvPicPr>
-          <p:nvPr/>
-        </p:nvPicPr>
-        <p:blipFill>
-          <a:blip r:embed="rId4"/>
-          <a:stretch>
-            <a:fillRect/>
-          </a:stretch>
-        </p:blipFill>
-        <p:spPr>
-          <a:xfrm>
-            <a:off x="4056611" y="1438738"/>
-            <a:ext cx="8135389" cy="5419262"/>
-          </a:xfrm>
-          <a:prstGeom prst="rect">
-            <a:avLst/>
-          </a:prstGeom>
-        </p:spPr>
-      </p:pic>
-    </p:spTree>
-    <p:extLst>
-      <p:ext uri="{BB962C8B-B14F-4D97-AF65-F5344CB8AC3E}">
-        <p14:creationId xmlns:p14="http://schemas.microsoft.com/office/powerpoint/2010/main" val="668839384"/>
-      </p:ext>
-    </p:extLst>
-  </p:cSld>
-  <p:clrMapOvr>
-    <a:masterClrMapping/>
-  </p:clrMapOvr>
-  <p:timing>
-    <p:tnLst>
-      <p:par>
-        <p:cTn id="1" dur="indefinite" restart="never" nodeType="tmRoot">
-          <p:childTnLst>
-            <p:seq concurrent="1" nextAc="seek">
-              <p:cTn id="2" dur="indefinite" nodeType="mainSeq">
-                <p:childTnLst>
-                  <p:par>
-                    <p:cTn id="3" fill="hold">
-                      <p:stCondLst>
-                        <p:cond delay="indefinite"/>
-                      </p:stCondLst>
-                      <p:childTnLst>
-                        <p:par>
-                          <p:cTn id="4" fill="hold">
-                            <p:stCondLst>
-                              <p:cond delay="0"/>
-                            </p:stCondLst>
-                            <p:childTnLst>
-                              <p:par>
-                                <p:cTn id="5" presetID="22" presetClass="entr" presetSubtype="4" fill="hold" grpId="0" nodeType="clickEffect">
-                                  <p:stCondLst>
-                                    <p:cond delay="0"/>
-                                  </p:stCondLst>
-                                  <p:childTnLst>
-                                    <p:set>
-                                      <p:cBhvr>
-                                        <p:cTn id="6" dur="1" fill="hold">
-                                          <p:stCondLst>
-                                            <p:cond delay="0"/>
-                                          </p:stCondLst>
-                                        </p:cTn>
-                                        <p:tgtEl>
-                                          <p:spTgt spid="3">
-                                            <p:txEl>
-                                              <p:pRg st="0" end="0"/>
-                                            </p:txEl>
-                                          </p:spTgt>
-                                        </p:tgtEl>
-                                        <p:attrNameLst>
-                                          <p:attrName>style.visibility</p:attrName>
-                                        </p:attrNameLst>
-                                      </p:cBhvr>
-                                      <p:to>
-                                        <p:strVal val="visible"/>
-                                      </p:to>
-                                    </p:set>
-                                    <p:animEffect transition="in" filter="wipe(down)">
-                                      <p:cBhvr>
-                                        <p:cTn id="7" dur="500"/>
-                                        <p:tgtEl>
-                                          <p:spTgt spid="3">
-                                            <p:txEl>
-                                              <p:pRg st="0" end="0"/>
-                                            </p:txEl>
-                                          </p:spTgt>
-                                        </p:tgtEl>
-                                      </p:cBhvr>
-                                    </p:animEffect>
-                                  </p:childTnLst>
-                                </p:cTn>
-                              </p:par>
-                              <p:par>
-                                <p:cTn id="8" presetID="22" presetClass="entr" presetSubtype="4" fill="hold" grpId="0" nodeType="withEffect">
-                                  <p:stCondLst>
-                                    <p:cond delay="0"/>
-                                  </p:stCondLst>
-                                  <p:childTnLst>
-                                    <p:set>
-                                      <p:cBhvr>
-                                        <p:cTn id="9" dur="1" fill="hold">
-                                          <p:stCondLst>
-                                            <p:cond delay="0"/>
-                                          </p:stCondLst>
-                                        </p:cTn>
-                                        <p:tgtEl>
-                                          <p:spTgt spid="3">
-                                            <p:txEl>
-                                              <p:pRg st="1" end="1"/>
-                                            </p:txEl>
-                                          </p:spTgt>
-                                        </p:tgtEl>
-                                        <p:attrNameLst>
-                                          <p:attrName>style.visibility</p:attrName>
-                                        </p:attrNameLst>
-                                      </p:cBhvr>
-                                      <p:to>
-                                        <p:strVal val="visible"/>
-                                      </p:to>
-                                    </p:set>
-                                    <p:animEffect transition="in" filter="wipe(down)">
-                                      <p:cBhvr>
-                                        <p:cTn id="10" dur="500"/>
-                                        <p:tgtEl>
-                                          <p:spTgt spid="3">
-                                            <p:txEl>
-                                              <p:pRg st="1" end="1"/>
-                                            </p:txEl>
-                                          </p:spTgt>
-                                        </p:tgtEl>
-                                      </p:cBhvr>
-                                    </p:animEffect>
-                                  </p:childTnLst>
-                                </p:cTn>
-                              </p:par>
-                            </p:childTnLst>
-                          </p:cTn>
-                        </p:par>
-                      </p:childTnLst>
-                    </p:cTn>
-                  </p:par>
-                  <p:par>
-                    <p:cTn id="11" fill="hold">
-                      <p:stCondLst>
-                        <p:cond delay="indefinite"/>
-                      </p:stCondLst>
-                      <p:childTnLst>
-                        <p:par>
-                          <p:cTn id="12" fill="hold">
-                            <p:stCondLst>
-                              <p:cond delay="0"/>
-                            </p:stCondLst>
-                            <p:childTnLst>
-                              <p:par>
-                                <p:cTn id="13" presetID="22" presetClass="entr" presetSubtype="4" fill="hold" nodeType="clickEffect">
-                                  <p:stCondLst>
-                                    <p:cond delay="0"/>
-                                  </p:stCondLst>
-                                  <p:childTnLst>
-                                    <p:set>
-                                      <p:cBhvr>
-                                        <p:cTn id="14" dur="1" fill="hold">
-                                          <p:stCondLst>
-                                            <p:cond delay="0"/>
-                                          </p:stCondLst>
-                                        </p:cTn>
-                                        <p:tgtEl>
-                                          <p:spTgt spid="5"/>
-                                        </p:tgtEl>
-                                        <p:attrNameLst>
-                                          <p:attrName>style.visibility</p:attrName>
-                                        </p:attrNameLst>
-                                      </p:cBhvr>
-                                      <p:to>
-                                        <p:strVal val="visible"/>
-                                      </p:to>
-                                    </p:set>
-                                    <p:animEffect transition="in" filter="wipe(down)">
-                                      <p:cBhvr>
-                                        <p:cTn id="15" dur="500"/>
-                                        <p:tgtEl>
-                                          <p:spTgt spid="5"/>
-                                        </p:tgtEl>
-                                      </p:cBhvr>
-                                    </p:animEffect>
-                                  </p:childTnLst>
-                                </p:cTn>
-                              </p:par>
-                            </p:childTnLst>
-                          </p:cTn>
-                        </p:par>
-                      </p:childTnLst>
-                    </p:cTn>
-                  </p:par>
-                </p:childTnLst>
-              </p:cTn>
-              <p:prevCondLst>
-                <p:cond evt="onPrev" delay="0">
-                  <p:tgtEl>
-                    <p:sldTgt/>
-                  </p:tgtEl>
-                </p:cond>
-              </p:prevCondLst>
-              <p:nextCondLst>
-                <p:cond evt="onNext" delay="0">
-                  <p:tgtEl>
-                    <p:sldTgt/>
-                  </p:tgtEl>
-                </p:cond>
-              </p:nextCondLst>
-            </p:seq>
-          </p:childTnLst>
-        </p:cTn>
-      </p:par>
-    </p:tnLst>
-    <p:bldLst>
-      <p:bldP spid="3" grpId="0" uiExpand="1" build="p"/>
-    </p:bldLst>
-  </p:timing>
-</p:sld>
-</file>
-
-<file path=ppt/slides/slide6.xml><?xml version="1.0" encoding="utf-8"?>
-<p:sld xmlns:a="http://schemas.openxmlformats.org/drawingml/2006/main" xmlns:r="http://schemas.openxmlformats.org/officeDocument/2006/relationships" xmlns:p="http://schemas.openxmlformats.org/presentationml/2006/main">
-  <p:cSld>
-    <p:spTree>
-      <p:nvGrpSpPr>
-        <p:cNvPr id="1" name=""/>
-        <p:cNvGrpSpPr/>
-        <p:nvPr/>
-      </p:nvGrpSpPr>
-      <p:grpSpPr>
-        <a:xfrm>
-          <a:off x="0" y="0"/>
-          <a:ext cx="0" cy="0"/>
-          <a:chOff x="0" y="0"/>
-          <a:chExt cx="0" cy="0"/>
-        </a:xfrm>
-      </p:grpSpPr>
-      <p:sp>
-        <p:nvSpPr>
-          <p:cNvPr id="2" name="Title 1"/>
-          <p:cNvSpPr>
-            <a:spLocks noGrp="1"/>
-          </p:cNvSpPr>
-          <p:nvPr>
-            <p:ph type="title"/>
-          </p:nvPr>
-        </p:nvSpPr>
-        <p:spPr>
-          <a:xfrm>
-            <a:off x="838200" y="401200"/>
-            <a:ext cx="10515600" cy="2349304"/>
-          </a:xfrm>
-        </p:spPr>
-        <p:txBody>
-          <a:bodyPr>
-            <a:noAutofit/>
-          </a:bodyPr>
-          <a:lstStyle/>
-          <a:p>
-            <a:r>
-              <a:rPr lang="en-US" sz="2400" b="1" u="sng" dirty="0" smtClean="0"/>
-              <a:t>Question: </a:t>
-            </a:r>
-            <a:r>
-              <a:rPr lang="en-US" sz="2400" b="1" dirty="0" smtClean="0"/>
-              <a:t/>
-            </a:r>
-            <a:br>
-              <a:rPr lang="en-US" sz="2400" b="1" dirty="0" smtClean="0"/>
-            </a:br>
-            <a:r>
-              <a:rPr lang="en-US" sz="2400" b="1" dirty="0" smtClean="0">
-                <a:solidFill>
-                  <a:srgbClr val="7030A0"/>
-                </a:solidFill>
-              </a:rPr>
-              <a:t>What </a:t>
-            </a:r>
-            <a:r>
-              <a:rPr lang="en-US" sz="2400" b="1" dirty="0">
-                <a:solidFill>
-                  <a:srgbClr val="7030A0"/>
-                </a:solidFill>
-              </a:rPr>
-              <a:t>kind of Graph would help us to analyze stability of non parametric distribution of data points</a:t>
-            </a:r>
-            <a:r>
-              <a:rPr lang="en-US" sz="2400" dirty="0">
-                <a:solidFill>
-                  <a:srgbClr val="7030A0"/>
-                </a:solidFill>
-              </a:rPr>
-              <a:t/>
-            </a:r>
-            <a:br>
-              <a:rPr lang="en-US" sz="2400" dirty="0">
-                <a:solidFill>
-                  <a:srgbClr val="7030A0"/>
-                </a:solidFill>
-              </a:rPr>
-            </a:br>
-            <a:r>
-              <a:rPr lang="en-US" sz="2400" dirty="0" smtClean="0"/>
-              <a:t>	P </a:t>
-            </a:r>
-            <a:r>
-              <a:rPr lang="en-US" sz="2400" dirty="0"/>
-              <a:t>Chart</a:t>
-            </a:r>
-            <a:br>
-              <a:rPr lang="en-US" sz="2400" dirty="0"/>
-            </a:br>
-            <a:r>
-              <a:rPr lang="en-US" sz="2400" dirty="0" smtClean="0"/>
-              <a:t>	I-</a:t>
-            </a:r>
-            <a:r>
-              <a:rPr lang="en-US" sz="2400" dirty="0" err="1" smtClean="0"/>
-              <a:t>mR</a:t>
-            </a:r>
-            <a:r>
-              <a:rPr lang="en-US" sz="2400" dirty="0" smtClean="0"/>
-              <a:t> </a:t>
-            </a:r>
-            <a:r>
-              <a:rPr lang="en-US" sz="2400" dirty="0"/>
-              <a:t>Chart</a:t>
-            </a:r>
-            <a:br>
-              <a:rPr lang="en-US" sz="2400" dirty="0"/>
-            </a:br>
-            <a:r>
-              <a:rPr lang="en-US" sz="2400" dirty="0" smtClean="0"/>
-              <a:t>	C </a:t>
-            </a:r>
-            <a:r>
-              <a:rPr lang="en-US" sz="2400" dirty="0"/>
-              <a:t>Chart</a:t>
-            </a:r>
-            <a:br>
-              <a:rPr lang="en-US" sz="2400" dirty="0"/>
-            </a:br>
-            <a:r>
-              <a:rPr lang="en-US" sz="2400" dirty="0" smtClean="0"/>
-              <a:t>	Box Plot</a:t>
-            </a:r>
-            <a:endParaRPr lang="en-US" sz="2400" dirty="0"/>
-          </a:p>
-        </p:txBody>
-      </p:sp>
-      <p:sp>
-        <p:nvSpPr>
-          <p:cNvPr id="3" name="Content Placeholder 2"/>
-          <p:cNvSpPr>
-            <a:spLocks noGrp="1"/>
-          </p:cNvSpPr>
-          <p:nvPr>
-            <p:ph idx="1"/>
-          </p:nvPr>
-        </p:nvSpPr>
-        <p:spPr>
-          <a:xfrm>
-            <a:off x="838200" y="3052689"/>
-            <a:ext cx="10515600" cy="2335237"/>
-          </a:xfrm>
-        </p:spPr>
-        <p:txBody>
-          <a:bodyPr>
-            <a:normAutofit/>
-          </a:bodyPr>
-          <a:lstStyle/>
-          <a:p>
-            <a:pPr marL="0" indent="0">
-              <a:buNone/>
-            </a:pPr>
-            <a:r>
-              <a:rPr lang="en-US" sz="2400" b="1" u="sng" dirty="0" smtClean="0"/>
-              <a:t>Answer:</a:t>
-            </a:r>
-            <a:r>
-              <a:rPr lang="en-US" sz="2400" b="1" dirty="0" smtClean="0"/>
-              <a:t> </a:t>
-            </a:r>
-            <a:r>
-              <a:rPr lang="en-US" sz="2400" dirty="0" smtClean="0"/>
-              <a:t>Box Plot</a:t>
-            </a:r>
-          </a:p>
-          <a:p>
-            <a:pPr marL="0" indent="0">
-              <a:buNone/>
-            </a:pPr>
-            <a:r>
-              <a:rPr lang="en-US" sz="2400" b="1" u="sng" dirty="0" smtClean="0"/>
-              <a:t>Explanation: </a:t>
-            </a:r>
-            <a:r>
-              <a:rPr lang="en-US" sz="2400" dirty="0"/>
-              <a:t>Assumption free/ distribution free </a:t>
-            </a:r>
-            <a:r>
-              <a:rPr lang="en-US" sz="2400" dirty="0" smtClean="0"/>
-              <a:t>data</a:t>
-            </a:r>
-            <a:endParaRPr lang="en-US" sz="2400" b="1" u="sng" dirty="0" smtClean="0"/>
-          </a:p>
-          <a:p>
-            <a:pPr marL="0" indent="0">
-              <a:buNone/>
-            </a:pPr>
-            <a:endParaRPr lang="en-US" sz="2400" dirty="0"/>
-          </a:p>
-        </p:txBody>
-      </p:sp>
-      <p:sp>
-        <p:nvSpPr>
-          <p:cNvPr id="4" name="Rectangle 3"/>
-          <p:cNvSpPr/>
-          <p:nvPr/>
-        </p:nvSpPr>
-        <p:spPr>
-          <a:xfrm>
-            <a:off x="838200" y="5992297"/>
-            <a:ext cx="10515600" cy="646331"/>
-          </a:xfrm>
-          <a:prstGeom prst="rect">
-            <a:avLst/>
-          </a:prstGeom>
-          <a:blipFill>
-            <a:blip r:embed="rId3"/>
-            <a:tile tx="0" ty="0" sx="100000" sy="100000" flip="none" algn="tl"/>
-          </a:blipFill>
-          <a:effectLst>
-            <a:outerShdw blurRad="50800" dist="38100" dir="13500000" algn="br" rotWithShape="0">
-              <a:prstClr val="black">
-                <a:alpha val="40000"/>
-              </a:prstClr>
-            </a:outerShdw>
-          </a:effectLst>
-        </p:spPr>
-        <p:txBody>
-          <a:bodyPr wrap="square">
-            <a:spAutoFit/>
-          </a:bodyPr>
-          <a:lstStyle/>
-          <a:p>
-            <a:pPr algn="ctr"/>
-            <a:r>
-              <a:rPr lang="en-US" sz="3600" dirty="0" smtClean="0">
-                <a:ln w="0"/>
-                <a:effectLst>
-                  <a:outerShdw blurRad="38100" dist="19050" dir="2700000" algn="tl" rotWithShape="0">
-                    <a:schemeClr val="dk1">
-                      <a:alpha val="40000"/>
-                    </a:schemeClr>
-                  </a:outerShdw>
-                </a:effectLst>
-              </a:rPr>
-              <a:t>Data Visualization</a:t>
-            </a:r>
-            <a:endParaRPr lang="en-US" sz="3600" dirty="0">
-              <a:ln w="0"/>
-              <a:effectLst>
-                <a:outerShdw blurRad="38100" dist="19050" dir="2700000" algn="tl" rotWithShape="0">
-                  <a:schemeClr val="dk1">
-                    <a:alpha val="40000"/>
-                  </a:schemeClr>
-                </a:outerShdw>
-              </a:effectLst>
-            </a:endParaRPr>
-          </a:p>
-        </p:txBody>
-      </p:sp>
-    </p:spTree>
-    <p:extLst>
-      <p:ext uri="{BB962C8B-B14F-4D97-AF65-F5344CB8AC3E}">
-        <p14:creationId xmlns:p14="http://schemas.microsoft.com/office/powerpoint/2010/main" val="2825648368"/>
-      </p:ext>
-    </p:extLst>
-  </p:cSld>
-  <p:clrMapOvr>
-    <a:masterClrMapping/>
-  </p:clrMapOvr>
-  <p:timing>
-    <p:tnLst>
-      <p:par>
-        <p:cTn id="1" dur="indefinite" restart="never" nodeType="tmRoot">
-          <p:childTnLst>
-            <p:seq concurrent="1" nextAc="seek">
-              <p:cTn id="2" dur="indefinite" nodeType="mainSeq">
-                <p:childTnLst>
-                  <p:par>
-                    <p:cTn id="3" fill="hold">
-                      <p:stCondLst>
-                        <p:cond delay="indefinite"/>
-                      </p:stCondLst>
-                      <p:childTnLst>
-                        <p:par>
-                          <p:cTn id="4" fill="hold">
-                            <p:stCondLst>
-                              <p:cond delay="0"/>
-                            </p:stCondLst>
-                            <p:childTnLst>
-                              <p:par>
-                                <p:cTn id="5" presetID="22" presetClass="entr" presetSubtype="4" fill="hold" grpId="0" nodeType="clickEffect">
-                                  <p:stCondLst>
-                                    <p:cond delay="0"/>
-                                  </p:stCondLst>
-                                  <p:childTnLst>
-                                    <p:set>
-                                      <p:cBhvr>
-                                        <p:cTn id="6" dur="1" fill="hold">
-                                          <p:stCondLst>
-                                            <p:cond delay="0"/>
-                                          </p:stCondLst>
-                                        </p:cTn>
-                                        <p:tgtEl>
-                                          <p:spTgt spid="3">
-                                            <p:txEl>
-                                              <p:pRg st="0" end="0"/>
-                                            </p:txEl>
-                                          </p:spTgt>
-                                        </p:tgtEl>
-                                        <p:attrNameLst>
-                                          <p:attrName>style.visibility</p:attrName>
-                                        </p:attrNameLst>
-                                      </p:cBhvr>
-                                      <p:to>
-                                        <p:strVal val="visible"/>
-                                      </p:to>
-                                    </p:set>
-                                    <p:animEffect transition="in" filter="wipe(down)">
-                                      <p:cBhvr>
-                                        <p:cTn id="7" dur="500"/>
-                                        <p:tgtEl>
-                                          <p:spTgt spid="3">
-                                            <p:txEl>
-                                              <p:pRg st="0" end="0"/>
-                                            </p:txEl>
-                                          </p:spTgt>
-                                        </p:tgtEl>
-                                      </p:cBhvr>
-                                    </p:animEffect>
-                                  </p:childTnLst>
-                                </p:cTn>
-                              </p:par>
-                              <p:par>
-                                <p:cTn id="8" presetID="22" presetClass="entr" presetSubtype="4" fill="hold" grpId="0" nodeType="withEffect">
-                                  <p:stCondLst>
-                                    <p:cond delay="0"/>
-                                  </p:stCondLst>
-                                  <p:childTnLst>
-                                    <p:set>
-                                      <p:cBhvr>
-                                        <p:cTn id="9" dur="1" fill="hold">
-                                          <p:stCondLst>
-                                            <p:cond delay="0"/>
-                                          </p:stCondLst>
-                                        </p:cTn>
-                                        <p:tgtEl>
-                                          <p:spTgt spid="3">
-                                            <p:txEl>
-                                              <p:pRg st="1" end="1"/>
-                                            </p:txEl>
-                                          </p:spTgt>
-                                        </p:tgtEl>
-                                        <p:attrNameLst>
-                                          <p:attrName>style.visibility</p:attrName>
-                                        </p:attrNameLst>
-                                      </p:cBhvr>
-                                      <p:to>
-                                        <p:strVal val="visible"/>
-                                      </p:to>
-                                    </p:set>
-                                    <p:animEffect transition="in" filter="wipe(down)">
-                                      <p:cBhvr>
-                                        <p:cTn id="10" dur="500"/>
-                                        <p:tgtEl>
-                                          <p:spTgt spid="3">
-                                            <p:txEl>
-                                              <p:pRg st="1" end="1"/>
-                                            </p:txEl>
-                                          </p:spTgt>
-                                        </p:tgtEl>
-                                      </p:cBhvr>
-                                    </p:animEffect>
-                                  </p:childTnLst>
-                                </p:cTn>
-                              </p:par>
-                            </p:childTnLst>
-                          </p:cTn>
-                        </p:par>
-                      </p:childTnLst>
-                    </p:cTn>
-                  </p:par>
-                </p:childTnLst>
-              </p:cTn>
-              <p:prevCondLst>
-                <p:cond evt="onPrev" delay="0">
-                  <p:tgtEl>
-                    <p:sldTgt/>
-                  </p:tgtEl>
-                </p:cond>
-              </p:prevCondLst>
-              <p:nextCondLst>
-                <p:cond evt="onNext" delay="0">
-                  <p:tgtEl>
-                    <p:sldTgt/>
-                  </p:tgtEl>
-                </p:cond>
-              </p:nextCondLst>
-            </p:seq>
-          </p:childTnLst>
-        </p:cTn>
-      </p:par>
-    </p:tnLst>
-    <p:bldLst>
-      <p:bldP spid="3" grpId="0" uiExpand="1" build="p"/>
-    </p:bldLst>
-  </p:timing>
-</p:sld>
-</file>
-
-<file path=ppt/slides/slide7.xml><?xml version="1.0" encoding="utf-8"?>
-<p:sld xmlns:a="http://schemas.openxmlformats.org/drawingml/2006/main" xmlns:r="http://schemas.openxmlformats.org/officeDocument/2006/relationships" xmlns:p="http://schemas.openxmlformats.org/presentationml/2006/main">
-  <p:cSld>
-    <p:spTree>
-      <p:nvGrpSpPr>
-        <p:cNvPr id="1" name=""/>
-        <p:cNvGrpSpPr/>
-        <p:nvPr/>
-      </p:nvGrpSpPr>
-      <p:grpSpPr>
-        <a:xfrm>
-          <a:off x="0" y="0"/>
-          <a:ext cx="0" cy="0"/>
-          <a:chOff x="0" y="0"/>
-          <a:chExt cx="0" cy="0"/>
-        </a:xfrm>
-      </p:grpSpPr>
-      <p:sp>
-        <p:nvSpPr>
-          <p:cNvPr id="2" name="Title 1"/>
-          <p:cNvSpPr>
-            <a:spLocks noGrp="1"/>
-          </p:cNvSpPr>
-          <p:nvPr>
-            <p:ph type="title"/>
-          </p:nvPr>
-        </p:nvSpPr>
-        <p:spPr>
-          <a:xfrm>
             <a:off x="838200" y="401200"/>
             <a:ext cx="10515600" cy="2651489"/>
           </a:xfrm>
@@ -21505,7 +20658,7 @@
                             </p:stCondLst>
                             <p:childTnLst>
                               <p:par>
-                                <p:cTn id="13" presetID="22" presetClass="entr" presetSubtype="8" fill="hold" grpId="0" nodeType="clickEffect">
+                                <p:cTn id="13" presetID="10" presetClass="entr" presetSubtype="0" fill="hold" grpId="0" nodeType="clickEffect">
                                   <p:stCondLst>
                                     <p:cond delay="0"/>
                                   </p:stCondLst>
@@ -21532,7 +20685,7 @@
                                         <p:strVal val="visible"/>
                                       </p:to>
                                     </p:set>
-                                    <p:animEffect transition="in" filter="wipe(left)">
+                                    <p:animEffect transition="in" filter="fade">
                                       <p:cBhvr>
                                         <p:cTn id="15" dur="500"/>
                                         <p:tgtEl>
@@ -21547,15 +20700,33 @@
                                   </p:childTnLst>
                                 </p:cTn>
                               </p:par>
+                            </p:childTnLst>
+                          </p:cTn>
+                        </p:par>
+                      </p:childTnLst>
+                    </p:cTn>
+                  </p:par>
+                  <p:par>
+                    <p:cTn id="16" fill="hold">
+                      <p:stCondLst>
+                        <p:cond delay="indefinite"/>
+                      </p:stCondLst>
+                      <p:childTnLst>
+                        <p:par>
+                          <p:cTn id="17" fill="hold">
+                            <p:stCondLst>
+                              <p:cond delay="0"/>
+                            </p:stCondLst>
+                            <p:childTnLst>
                               <p:par>
-                                <p:cTn id="16" presetID="22" presetClass="entr" presetSubtype="8" fill="hold" grpId="0" nodeType="withEffect">
+                                <p:cTn id="18" presetID="10" presetClass="entr" presetSubtype="0" fill="hold" grpId="0" nodeType="clickEffect">
                                   <p:stCondLst>
                                     <p:cond delay="0"/>
                                   </p:stCondLst>
                                   <p:childTnLst>
                                     <p:set>
                                       <p:cBhvr>
-                                        <p:cTn id="17" dur="1" fill="hold">
+                                        <p:cTn id="19" dur="1" fill="hold">
                                           <p:stCondLst>
                                             <p:cond delay="0"/>
                                           </p:stCondLst>
@@ -21575,15 +20746,68 @@
                                         <p:strVal val="visible"/>
                                       </p:to>
                                     </p:set>
-                                    <p:animEffect transition="in" filter="wipe(left)">
-                                      <p:cBhvr>
-                                        <p:cTn id="18" dur="500"/>
+                                    <p:animEffect transition="in" filter="fade">
+                                      <p:cBhvr>
+                                        <p:cTn id="20" dur="500"/>
                                         <p:tgtEl>
                                           <p:spTgt spid="3">
                                             <p:txEl>
                                               <p:pRg st="1" end="1"/>
                                             </p:txEl>
                                           </p:spTgt>
+                                        </p:tgtEl>
+                                      </p:cBhvr>
+                                    </p:animEffect>
+                                  </p:childTnLst>
+                                </p:cTn>
+                              </p:par>
+                            </p:childTnLst>
+                          </p:cTn>
+                        </p:par>
+                      </p:childTnLst>
+                    </p:cTn>
+                  </p:par>
+                  <p:par>
+                    <p:cTn id="21" fill="hold">
+                      <p:stCondLst>
+                        <p:cond delay="indefinite"/>
+                      </p:stCondLst>
+                      <p:childTnLst>
+                        <p:par>
+                          <p:cTn id="22" fill="hold">
+                            <p:stCondLst>
+                              <p:cond delay="0"/>
+                            </p:stCondLst>
+                            <p:childTnLst>
+                              <p:par>
+                                <p:cTn id="23" presetID="10" presetClass="entr" presetSubtype="0" fill="hold" nodeType="clickEffect">
+                                  <p:stCondLst>
+                                    <p:cond delay="0"/>
+                                  </p:stCondLst>
+                                  <p:childTnLst>
+                                    <p:set>
+                                      <p:cBhvr>
+                                        <p:cTn id="24" dur="1" fill="hold">
+                                          <p:stCondLst>
+                                            <p:cond delay="0"/>
+                                          </p:stCondLst>
+                                        </p:cTn>
+                                        <p:tgtEl>
+                                          <p:spTgt spid="6"/>
+                                        </p:tgtEl>
+                                        <p:attrNameLst>
+                                          <p:attrName>style.visibility</p:attrName>
+                                        </p:attrNameLst>
+                                      </p:cBhvr>
+                                      <p:to>
+                                        <p:strVal val="visible"/>
+                                      </p:to>
+                                    </p:set>
+                                    <p:animEffect transition="in" filter="fade">
+                                      <p:cBhvr>
+                                        <p:cTn id="25" dur="500"/>
+                                        <p:tgtEl>
+                                          <p:spTgt spid="6"/>
                                         </p:tgtEl>
                                       </p:cBhvr>
                                     </p:animEffect>
@@ -21619,14 +20843,1385 @@
     </p:tnLst>
     <p:bldLst>
       <p:bldP spid="2" grpId="0"/>
-      <p:bldP spid="3" grpId="0" uiExpand="1" build="p"/>
+      <p:bldP spid="3" grpId="0" build="p"/>
       <p:bldP spid="4" grpId="0" animBg="1"/>
     </p:bldLst>
   </p:timing>
 </p:sld>
 </file>
 
+<file path=ppt/slides/slide6.xml><?xml version="1.0" encoding="utf-8"?>
+<p:sld xmlns:a="http://schemas.openxmlformats.org/drawingml/2006/main" xmlns:r="http://schemas.openxmlformats.org/officeDocument/2006/relationships" xmlns:p="http://schemas.openxmlformats.org/presentationml/2006/main">
+  <p:cSld>
+    <p:spTree>
+      <p:nvGrpSpPr>
+        <p:cNvPr id="1" name=""/>
+        <p:cNvGrpSpPr/>
+        <p:nvPr/>
+      </p:nvGrpSpPr>
+      <p:grpSpPr>
+        <a:xfrm>
+          <a:off x="0" y="0"/>
+          <a:ext cx="0" cy="0"/>
+          <a:chOff x="0" y="0"/>
+          <a:chExt cx="0" cy="0"/>
+        </a:xfrm>
+      </p:grpSpPr>
+      <p:sp>
+        <p:nvSpPr>
+          <p:cNvPr id="2" name="Title 1"/>
+          <p:cNvSpPr>
+            <a:spLocks noGrp="1"/>
+          </p:cNvSpPr>
+          <p:nvPr>
+            <p:ph type="title"/>
+          </p:nvPr>
+        </p:nvSpPr>
+        <p:spPr>
+          <a:xfrm>
+            <a:off x="838200" y="661425"/>
+            <a:ext cx="10515600" cy="2349304"/>
+          </a:xfrm>
+        </p:spPr>
+        <p:txBody>
+          <a:bodyPr>
+            <a:noAutofit/>
+          </a:bodyPr>
+          <a:lstStyle/>
+          <a:p>
+            <a:r>
+              <a:rPr lang="en-US" sz="2800" b="1" u="sng" dirty="0" smtClean="0"/>
+              <a:t>Question: </a:t>
+            </a:r>
+            <a:r>
+              <a:rPr lang="en-US" sz="2800" b="1" dirty="0" smtClean="0"/>
+              <a:t/>
+            </a:r>
+            <a:br>
+              <a:rPr lang="en-US" sz="2800" b="1" dirty="0" smtClean="0"/>
+            </a:br>
+            <a:r>
+              <a:rPr lang="en-US" sz="2800" b="1" dirty="0">
+                <a:solidFill>
+                  <a:srgbClr val="00B050"/>
+                </a:solidFill>
+              </a:rPr>
+              <a:t>You are a Project Manager wanting to compare on time delivery (%) of Team Leads across </a:t>
+            </a:r>
+            <a:r>
+              <a:rPr lang="en-US" sz="2800" b="1" dirty="0" smtClean="0">
+                <a:solidFill>
+                  <a:srgbClr val="00B050"/>
+                </a:solidFill>
+              </a:rPr>
+              <a:t>3 </a:t>
+            </a:r>
+            <a:r>
+              <a:rPr lang="en-US" sz="2800" b="1" dirty="0">
+                <a:solidFill>
+                  <a:srgbClr val="00B050"/>
+                </a:solidFill>
+              </a:rPr>
+              <a:t>teams, your choice of technique would be?</a:t>
+            </a:r>
+            <a:r>
+              <a:rPr lang="en-US" sz="2800" dirty="0"/>
+              <a:t/>
+            </a:r>
+            <a:br>
+              <a:rPr lang="en-US" sz="2800" dirty="0"/>
+            </a:br>
+            <a:r>
+              <a:rPr lang="en-US" sz="2800" dirty="0" smtClean="0"/>
+              <a:t>	Hypothesis </a:t>
+            </a:r>
+            <a:r>
+              <a:rPr lang="en-US" sz="2800" dirty="0"/>
+              <a:t>Testing</a:t>
+            </a:r>
+            <a:br>
+              <a:rPr lang="en-US" sz="2800" dirty="0"/>
+            </a:br>
+            <a:r>
+              <a:rPr lang="en-US" sz="2800" dirty="0" smtClean="0"/>
+              <a:t>	Histograms</a:t>
+            </a:r>
+            <a:r>
+              <a:rPr lang="en-US" sz="2800" dirty="0"/>
+              <a:t/>
+            </a:r>
+            <a:br>
+              <a:rPr lang="en-US" sz="2800" dirty="0"/>
+            </a:br>
+            <a:r>
+              <a:rPr lang="en-US" sz="2800" dirty="0" smtClean="0"/>
+              <a:t>	Pareto </a:t>
+            </a:r>
+            <a:r>
+              <a:rPr lang="en-US" sz="2800" dirty="0"/>
+              <a:t>chart</a:t>
+            </a:r>
+            <a:br>
+              <a:rPr lang="en-US" sz="2800" dirty="0"/>
+            </a:br>
+            <a:r>
+              <a:rPr lang="en-US" sz="2800" dirty="0" smtClean="0"/>
+              <a:t>	Box Plots</a:t>
+            </a:r>
+            <a:endParaRPr lang="en-US" sz="2800" dirty="0"/>
+          </a:p>
+        </p:txBody>
+      </p:sp>
+      <p:sp>
+        <p:nvSpPr>
+          <p:cNvPr id="3" name="Content Placeholder 2"/>
+          <p:cNvSpPr>
+            <a:spLocks noGrp="1"/>
+          </p:cNvSpPr>
+          <p:nvPr>
+            <p:ph idx="1"/>
+          </p:nvPr>
+        </p:nvSpPr>
+        <p:spPr>
+          <a:xfrm>
+            <a:off x="838200" y="3657060"/>
+            <a:ext cx="10515600" cy="2335237"/>
+          </a:xfrm>
+        </p:spPr>
+        <p:txBody>
+          <a:bodyPr>
+            <a:normAutofit/>
+          </a:bodyPr>
+          <a:lstStyle/>
+          <a:p>
+            <a:pPr marL="0" indent="0">
+              <a:buNone/>
+            </a:pPr>
+            <a:r>
+              <a:rPr lang="en-US" sz="2400" b="1" u="sng" dirty="0" smtClean="0"/>
+              <a:t>Answer:</a:t>
+            </a:r>
+            <a:r>
+              <a:rPr lang="en-US" sz="2400" b="1" dirty="0" smtClean="0"/>
+              <a:t> 	4</a:t>
+            </a:r>
+            <a:endParaRPr lang="en-US" sz="2400" dirty="0" smtClean="0"/>
+          </a:p>
+          <a:p>
+            <a:pPr marL="0" indent="0">
+              <a:buNone/>
+            </a:pPr>
+            <a:r>
+              <a:rPr lang="en-US" sz="2400" b="1" u="sng" dirty="0" smtClean="0"/>
+              <a:t>Explanation: </a:t>
+            </a:r>
+          </a:p>
+          <a:p>
+            <a:pPr marL="0" indent="0">
+              <a:buNone/>
+            </a:pPr>
+            <a:endParaRPr lang="en-US" sz="2400" dirty="0"/>
+          </a:p>
+        </p:txBody>
+      </p:sp>
+      <p:sp>
+        <p:nvSpPr>
+          <p:cNvPr id="4" name="Rectangle 3"/>
+          <p:cNvSpPr/>
+          <p:nvPr/>
+        </p:nvSpPr>
+        <p:spPr>
+          <a:xfrm>
+            <a:off x="838200" y="5992297"/>
+            <a:ext cx="10515600" cy="646331"/>
+          </a:xfrm>
+          <a:prstGeom prst="rect">
+            <a:avLst/>
+          </a:prstGeom>
+          <a:blipFill>
+            <a:blip r:embed="rId3"/>
+            <a:tile tx="0" ty="0" sx="100000" sy="100000" flip="none" algn="tl"/>
+          </a:blipFill>
+          <a:effectLst>
+            <a:outerShdw blurRad="50800" dist="38100" dir="13500000" algn="br" rotWithShape="0">
+              <a:prstClr val="black">
+                <a:alpha val="40000"/>
+              </a:prstClr>
+            </a:outerShdw>
+          </a:effectLst>
+        </p:spPr>
+        <p:txBody>
+          <a:bodyPr wrap="square">
+            <a:spAutoFit/>
+          </a:bodyPr>
+          <a:lstStyle/>
+          <a:p>
+            <a:pPr algn="ctr"/>
+            <a:r>
+              <a:rPr lang="en-US" sz="3600" dirty="0" smtClean="0">
+                <a:ln w="0"/>
+                <a:effectLst>
+                  <a:outerShdw blurRad="38100" dist="19050" dir="2700000" algn="tl" rotWithShape="0">
+                    <a:schemeClr val="dk1">
+                      <a:alpha val="40000"/>
+                    </a:schemeClr>
+                  </a:outerShdw>
+                </a:effectLst>
+              </a:rPr>
+              <a:t>Data Visualization</a:t>
+            </a:r>
+            <a:endParaRPr lang="en-US" sz="3600" dirty="0">
+              <a:ln w="0"/>
+              <a:effectLst>
+                <a:outerShdw blurRad="38100" dist="19050" dir="2700000" algn="tl" rotWithShape="0">
+                  <a:schemeClr val="dk1">
+                    <a:alpha val="40000"/>
+                  </a:schemeClr>
+                </a:outerShdw>
+              </a:effectLst>
+            </a:endParaRPr>
+          </a:p>
+        </p:txBody>
+      </p:sp>
+      <p:pic>
+        <p:nvPicPr>
+          <p:cNvPr id="5" name="Picture 4"/>
+          <p:cNvPicPr>
+            <a:picLocks noChangeAspect="1"/>
+          </p:cNvPicPr>
+          <p:nvPr/>
+        </p:nvPicPr>
+        <p:blipFill>
+          <a:blip r:embed="rId4"/>
+          <a:stretch>
+            <a:fillRect/>
+          </a:stretch>
+        </p:blipFill>
+        <p:spPr>
+          <a:xfrm>
+            <a:off x="4056611" y="1438738"/>
+            <a:ext cx="8135389" cy="5419262"/>
+          </a:xfrm>
+          <a:prstGeom prst="rect">
+            <a:avLst/>
+          </a:prstGeom>
+        </p:spPr>
+      </p:pic>
+    </p:spTree>
+    <p:extLst>
+      <p:ext uri="{BB962C8B-B14F-4D97-AF65-F5344CB8AC3E}">
+        <p14:creationId xmlns:p14="http://schemas.microsoft.com/office/powerpoint/2010/main" val="668839384"/>
+      </p:ext>
+    </p:extLst>
+  </p:cSld>
+  <p:clrMapOvr>
+    <a:masterClrMapping/>
+  </p:clrMapOvr>
+  <p:timing>
+    <p:tnLst>
+      <p:par>
+        <p:cTn id="1" dur="indefinite" restart="never" nodeType="tmRoot">
+          <p:childTnLst>
+            <p:seq concurrent="1" nextAc="seek">
+              <p:cTn id="2" dur="indefinite" nodeType="mainSeq">
+                <p:childTnLst>
+                  <p:par>
+                    <p:cTn id="3" fill="hold">
+                      <p:stCondLst>
+                        <p:cond delay="indefinite"/>
+                      </p:stCondLst>
+                      <p:childTnLst>
+                        <p:par>
+                          <p:cTn id="4" fill="hold">
+                            <p:stCondLst>
+                              <p:cond delay="0"/>
+                            </p:stCondLst>
+                            <p:childTnLst>
+                              <p:par>
+                                <p:cTn id="5" presetID="22" presetClass="entr" presetSubtype="4" fill="hold" grpId="0" nodeType="clickEffect">
+                                  <p:stCondLst>
+                                    <p:cond delay="0"/>
+                                  </p:stCondLst>
+                                  <p:childTnLst>
+                                    <p:set>
+                                      <p:cBhvr>
+                                        <p:cTn id="6" dur="1" fill="hold">
+                                          <p:stCondLst>
+                                            <p:cond delay="0"/>
+                                          </p:stCondLst>
+                                        </p:cTn>
+                                        <p:tgtEl>
+                                          <p:spTgt spid="3">
+                                            <p:txEl>
+                                              <p:pRg st="0" end="0"/>
+                                            </p:txEl>
+                                          </p:spTgt>
+                                        </p:tgtEl>
+                                        <p:attrNameLst>
+                                          <p:attrName>style.visibility</p:attrName>
+                                        </p:attrNameLst>
+                                      </p:cBhvr>
+                                      <p:to>
+                                        <p:strVal val="visible"/>
+                                      </p:to>
+                                    </p:set>
+                                    <p:animEffect transition="in" filter="wipe(down)">
+                                      <p:cBhvr>
+                                        <p:cTn id="7" dur="500"/>
+                                        <p:tgtEl>
+                                          <p:spTgt spid="3">
+                                            <p:txEl>
+                                              <p:pRg st="0" end="0"/>
+                                            </p:txEl>
+                                          </p:spTgt>
+                                        </p:tgtEl>
+                                      </p:cBhvr>
+                                    </p:animEffect>
+                                  </p:childTnLst>
+                                </p:cTn>
+                              </p:par>
+                              <p:par>
+                                <p:cTn id="8" presetID="22" presetClass="entr" presetSubtype="4" fill="hold" grpId="0" nodeType="withEffect">
+                                  <p:stCondLst>
+                                    <p:cond delay="0"/>
+                                  </p:stCondLst>
+                                  <p:childTnLst>
+                                    <p:set>
+                                      <p:cBhvr>
+                                        <p:cTn id="9" dur="1" fill="hold">
+                                          <p:stCondLst>
+                                            <p:cond delay="0"/>
+                                          </p:stCondLst>
+                                        </p:cTn>
+                                        <p:tgtEl>
+                                          <p:spTgt spid="3">
+                                            <p:txEl>
+                                              <p:pRg st="1" end="1"/>
+                                            </p:txEl>
+                                          </p:spTgt>
+                                        </p:tgtEl>
+                                        <p:attrNameLst>
+                                          <p:attrName>style.visibility</p:attrName>
+                                        </p:attrNameLst>
+                                      </p:cBhvr>
+                                      <p:to>
+                                        <p:strVal val="visible"/>
+                                      </p:to>
+                                    </p:set>
+                                    <p:animEffect transition="in" filter="wipe(down)">
+                                      <p:cBhvr>
+                                        <p:cTn id="10" dur="500"/>
+                                        <p:tgtEl>
+                                          <p:spTgt spid="3">
+                                            <p:txEl>
+                                              <p:pRg st="1" end="1"/>
+                                            </p:txEl>
+                                          </p:spTgt>
+                                        </p:tgtEl>
+                                      </p:cBhvr>
+                                    </p:animEffect>
+                                  </p:childTnLst>
+                                </p:cTn>
+                              </p:par>
+                            </p:childTnLst>
+                          </p:cTn>
+                        </p:par>
+                      </p:childTnLst>
+                    </p:cTn>
+                  </p:par>
+                  <p:par>
+                    <p:cTn id="11" fill="hold">
+                      <p:stCondLst>
+                        <p:cond delay="indefinite"/>
+                      </p:stCondLst>
+                      <p:childTnLst>
+                        <p:par>
+                          <p:cTn id="12" fill="hold">
+                            <p:stCondLst>
+                              <p:cond delay="0"/>
+                            </p:stCondLst>
+                            <p:childTnLst>
+                              <p:par>
+                                <p:cTn id="13" presetID="22" presetClass="entr" presetSubtype="4" fill="hold" nodeType="clickEffect">
+                                  <p:stCondLst>
+                                    <p:cond delay="0"/>
+                                  </p:stCondLst>
+                                  <p:childTnLst>
+                                    <p:set>
+                                      <p:cBhvr>
+                                        <p:cTn id="14" dur="1" fill="hold">
+                                          <p:stCondLst>
+                                            <p:cond delay="0"/>
+                                          </p:stCondLst>
+                                        </p:cTn>
+                                        <p:tgtEl>
+                                          <p:spTgt spid="5"/>
+                                        </p:tgtEl>
+                                        <p:attrNameLst>
+                                          <p:attrName>style.visibility</p:attrName>
+                                        </p:attrNameLst>
+                                      </p:cBhvr>
+                                      <p:to>
+                                        <p:strVal val="visible"/>
+                                      </p:to>
+                                    </p:set>
+                                    <p:animEffect transition="in" filter="wipe(down)">
+                                      <p:cBhvr>
+                                        <p:cTn id="15" dur="500"/>
+                                        <p:tgtEl>
+                                          <p:spTgt spid="5"/>
+                                        </p:tgtEl>
+                                      </p:cBhvr>
+                                    </p:animEffect>
+                                  </p:childTnLst>
+                                </p:cTn>
+                              </p:par>
+                            </p:childTnLst>
+                          </p:cTn>
+                        </p:par>
+                      </p:childTnLst>
+                    </p:cTn>
+                  </p:par>
+                </p:childTnLst>
+              </p:cTn>
+              <p:prevCondLst>
+                <p:cond evt="onPrev" delay="0">
+                  <p:tgtEl>
+                    <p:sldTgt/>
+                  </p:tgtEl>
+                </p:cond>
+              </p:prevCondLst>
+              <p:nextCondLst>
+                <p:cond evt="onNext" delay="0">
+                  <p:tgtEl>
+                    <p:sldTgt/>
+                  </p:tgtEl>
+                </p:cond>
+              </p:nextCondLst>
+            </p:seq>
+          </p:childTnLst>
+        </p:cTn>
+      </p:par>
+    </p:tnLst>
+    <p:bldLst>
+      <p:bldP spid="3" grpId="0" uiExpand="1" build="p"/>
+    </p:bldLst>
+  </p:timing>
+</p:sld>
+</file>
+
+<file path=ppt/slides/slide7.xml><?xml version="1.0" encoding="utf-8"?>
+<p:sld xmlns:a="http://schemas.openxmlformats.org/drawingml/2006/main" xmlns:r="http://schemas.openxmlformats.org/officeDocument/2006/relationships" xmlns:p="http://schemas.openxmlformats.org/presentationml/2006/main">
+  <p:cSld>
+    <p:spTree>
+      <p:nvGrpSpPr>
+        <p:cNvPr id="1" name=""/>
+        <p:cNvGrpSpPr/>
+        <p:nvPr/>
+      </p:nvGrpSpPr>
+      <p:grpSpPr>
+        <a:xfrm>
+          <a:off x="0" y="0"/>
+          <a:ext cx="0" cy="0"/>
+          <a:chOff x="0" y="0"/>
+          <a:chExt cx="0" cy="0"/>
+        </a:xfrm>
+      </p:grpSpPr>
+      <p:sp>
+        <p:nvSpPr>
+          <p:cNvPr id="2" name="Title 1"/>
+          <p:cNvSpPr>
+            <a:spLocks noGrp="1"/>
+          </p:cNvSpPr>
+          <p:nvPr>
+            <p:ph type="title"/>
+          </p:nvPr>
+        </p:nvSpPr>
+        <p:spPr>
+          <a:xfrm>
+            <a:off x="838200" y="401200"/>
+            <a:ext cx="10515600" cy="2349304"/>
+          </a:xfrm>
+        </p:spPr>
+        <p:txBody>
+          <a:bodyPr>
+            <a:noAutofit/>
+          </a:bodyPr>
+          <a:lstStyle/>
+          <a:p>
+            <a:r>
+              <a:rPr lang="en-US" sz="2400" b="1" u="sng" dirty="0" smtClean="0"/>
+              <a:t>Question: </a:t>
+            </a:r>
+            <a:r>
+              <a:rPr lang="en-US" sz="2400" b="1" dirty="0" smtClean="0"/>
+              <a:t/>
+            </a:r>
+            <a:br>
+              <a:rPr lang="en-US" sz="2400" b="1" dirty="0" smtClean="0"/>
+            </a:br>
+            <a:r>
+              <a:rPr lang="en-US" sz="2400" b="1" dirty="0" smtClean="0">
+                <a:solidFill>
+                  <a:srgbClr val="7030A0"/>
+                </a:solidFill>
+              </a:rPr>
+              <a:t>What </a:t>
+            </a:r>
+            <a:r>
+              <a:rPr lang="en-US" sz="2400" b="1" dirty="0">
+                <a:solidFill>
+                  <a:srgbClr val="7030A0"/>
+                </a:solidFill>
+              </a:rPr>
+              <a:t>kind of Graph would help us to analyze stability of non parametric </a:t>
+            </a:r>
+            <a:r>
+              <a:rPr lang="en-US" sz="2400" b="1" dirty="0" smtClean="0">
+                <a:solidFill>
+                  <a:srgbClr val="7030A0"/>
+                </a:solidFill>
+              </a:rPr>
+              <a:t>(NO </a:t>
+            </a:r>
+            <a:r>
+              <a:rPr lang="en-US" sz="2400" b="1" dirty="0" smtClean="0">
+                <a:solidFill>
+                  <a:srgbClr val="7030A0"/>
+                </a:solidFill>
+              </a:rPr>
+              <a:t>assumption) distribution </a:t>
+            </a:r>
+            <a:r>
+              <a:rPr lang="en-US" sz="2400" b="1" dirty="0">
+                <a:solidFill>
+                  <a:srgbClr val="7030A0"/>
+                </a:solidFill>
+              </a:rPr>
+              <a:t>of data points</a:t>
+            </a:r>
+            <a:r>
+              <a:rPr lang="en-US" sz="2400" dirty="0">
+                <a:solidFill>
+                  <a:srgbClr val="7030A0"/>
+                </a:solidFill>
+              </a:rPr>
+              <a:t/>
+            </a:r>
+            <a:br>
+              <a:rPr lang="en-US" sz="2400" dirty="0">
+                <a:solidFill>
+                  <a:srgbClr val="7030A0"/>
+                </a:solidFill>
+              </a:rPr>
+            </a:br>
+            <a:r>
+              <a:rPr lang="en-US" sz="2400" dirty="0" smtClean="0"/>
+              <a:t>	P </a:t>
+            </a:r>
+            <a:r>
+              <a:rPr lang="en-US" sz="2400" dirty="0"/>
+              <a:t>Chart</a:t>
+            </a:r>
+            <a:br>
+              <a:rPr lang="en-US" sz="2400" dirty="0"/>
+            </a:br>
+            <a:r>
+              <a:rPr lang="en-US" sz="2400" dirty="0" smtClean="0"/>
+              <a:t>	I-</a:t>
+            </a:r>
+            <a:r>
+              <a:rPr lang="en-US" sz="2400" dirty="0" err="1" smtClean="0"/>
+              <a:t>mR</a:t>
+            </a:r>
+            <a:r>
+              <a:rPr lang="en-US" sz="2400" dirty="0" smtClean="0"/>
+              <a:t> </a:t>
+            </a:r>
+            <a:r>
+              <a:rPr lang="en-US" sz="2400" dirty="0"/>
+              <a:t>Chart</a:t>
+            </a:r>
+            <a:br>
+              <a:rPr lang="en-US" sz="2400" dirty="0"/>
+            </a:br>
+            <a:r>
+              <a:rPr lang="en-US" sz="2400" dirty="0" smtClean="0"/>
+              <a:t>	C </a:t>
+            </a:r>
+            <a:r>
+              <a:rPr lang="en-US" sz="2400" dirty="0"/>
+              <a:t>Chart</a:t>
+            </a:r>
+            <a:br>
+              <a:rPr lang="en-US" sz="2400" dirty="0"/>
+            </a:br>
+            <a:r>
+              <a:rPr lang="en-US" sz="2400" dirty="0" smtClean="0"/>
+              <a:t>	Box Plot</a:t>
+            </a:r>
+            <a:endParaRPr lang="en-US" sz="2400" dirty="0"/>
+          </a:p>
+        </p:txBody>
+      </p:sp>
+      <p:sp>
+        <p:nvSpPr>
+          <p:cNvPr id="3" name="Content Placeholder 2"/>
+          <p:cNvSpPr>
+            <a:spLocks noGrp="1"/>
+          </p:cNvSpPr>
+          <p:nvPr>
+            <p:ph idx="1"/>
+          </p:nvPr>
+        </p:nvSpPr>
+        <p:spPr>
+          <a:xfrm>
+            <a:off x="838200" y="3052689"/>
+            <a:ext cx="10515600" cy="2335237"/>
+          </a:xfrm>
+        </p:spPr>
+        <p:txBody>
+          <a:bodyPr>
+            <a:normAutofit/>
+          </a:bodyPr>
+          <a:lstStyle/>
+          <a:p>
+            <a:pPr marL="0" indent="0">
+              <a:buNone/>
+            </a:pPr>
+            <a:r>
+              <a:rPr lang="en-US" sz="2400" b="1" u="sng" dirty="0" smtClean="0"/>
+              <a:t>Answer:</a:t>
+            </a:r>
+            <a:r>
+              <a:rPr lang="en-US" sz="2400" b="1" dirty="0" smtClean="0"/>
+              <a:t> </a:t>
+            </a:r>
+            <a:r>
+              <a:rPr lang="en-US" sz="2400" dirty="0" smtClean="0"/>
+              <a:t>Box Plot</a:t>
+            </a:r>
+          </a:p>
+          <a:p>
+            <a:pPr marL="0" indent="0">
+              <a:buNone/>
+            </a:pPr>
+            <a:r>
+              <a:rPr lang="en-US" sz="2400" b="1" u="sng" dirty="0" smtClean="0"/>
+              <a:t>Explanation: </a:t>
+            </a:r>
+            <a:r>
+              <a:rPr lang="en-US" sz="2400" dirty="0"/>
+              <a:t>Assumption free/ distribution free </a:t>
+            </a:r>
+            <a:r>
+              <a:rPr lang="en-US" sz="2400" dirty="0" smtClean="0"/>
+              <a:t>data</a:t>
+            </a:r>
+            <a:endParaRPr lang="en-US" sz="2400" b="1" u="sng" dirty="0" smtClean="0"/>
+          </a:p>
+          <a:p>
+            <a:pPr marL="0" indent="0">
+              <a:buNone/>
+            </a:pPr>
+            <a:endParaRPr lang="en-US" sz="2400" dirty="0"/>
+          </a:p>
+        </p:txBody>
+      </p:sp>
+      <p:sp>
+        <p:nvSpPr>
+          <p:cNvPr id="4" name="Rectangle 3"/>
+          <p:cNvSpPr/>
+          <p:nvPr/>
+        </p:nvSpPr>
+        <p:spPr>
+          <a:xfrm>
+            <a:off x="838200" y="5992297"/>
+            <a:ext cx="10515600" cy="646331"/>
+          </a:xfrm>
+          <a:prstGeom prst="rect">
+            <a:avLst/>
+          </a:prstGeom>
+          <a:blipFill>
+            <a:blip r:embed="rId3"/>
+            <a:tile tx="0" ty="0" sx="100000" sy="100000" flip="none" algn="tl"/>
+          </a:blipFill>
+          <a:effectLst>
+            <a:outerShdw blurRad="50800" dist="38100" dir="13500000" algn="br" rotWithShape="0">
+              <a:prstClr val="black">
+                <a:alpha val="40000"/>
+              </a:prstClr>
+            </a:outerShdw>
+          </a:effectLst>
+        </p:spPr>
+        <p:txBody>
+          <a:bodyPr wrap="square">
+            <a:spAutoFit/>
+          </a:bodyPr>
+          <a:lstStyle/>
+          <a:p>
+            <a:pPr algn="ctr"/>
+            <a:r>
+              <a:rPr lang="en-US" sz="3600" dirty="0" smtClean="0">
+                <a:ln w="0"/>
+                <a:effectLst>
+                  <a:outerShdw blurRad="38100" dist="19050" dir="2700000" algn="tl" rotWithShape="0">
+                    <a:schemeClr val="dk1">
+                      <a:alpha val="40000"/>
+                    </a:schemeClr>
+                  </a:outerShdw>
+                </a:effectLst>
+              </a:rPr>
+              <a:t>Data Visualization</a:t>
+            </a:r>
+            <a:endParaRPr lang="en-US" sz="3600" dirty="0">
+              <a:ln w="0"/>
+              <a:effectLst>
+                <a:outerShdw blurRad="38100" dist="19050" dir="2700000" algn="tl" rotWithShape="0">
+                  <a:schemeClr val="dk1">
+                    <a:alpha val="40000"/>
+                  </a:schemeClr>
+                </a:outerShdw>
+              </a:effectLst>
+            </a:endParaRPr>
+          </a:p>
+        </p:txBody>
+      </p:sp>
+    </p:spTree>
+    <p:extLst>
+      <p:ext uri="{BB962C8B-B14F-4D97-AF65-F5344CB8AC3E}">
+        <p14:creationId xmlns:p14="http://schemas.microsoft.com/office/powerpoint/2010/main" val="2825648368"/>
+      </p:ext>
+    </p:extLst>
+  </p:cSld>
+  <p:clrMapOvr>
+    <a:masterClrMapping/>
+  </p:clrMapOvr>
+  <p:timing>
+    <p:tnLst>
+      <p:par>
+        <p:cTn id="1" dur="indefinite" restart="never" nodeType="tmRoot">
+          <p:childTnLst>
+            <p:seq concurrent="1" nextAc="seek">
+              <p:cTn id="2" dur="indefinite" nodeType="mainSeq">
+                <p:childTnLst>
+                  <p:par>
+                    <p:cTn id="3" fill="hold">
+                      <p:stCondLst>
+                        <p:cond delay="indefinite"/>
+                      </p:stCondLst>
+                      <p:childTnLst>
+                        <p:par>
+                          <p:cTn id="4" fill="hold">
+                            <p:stCondLst>
+                              <p:cond delay="0"/>
+                            </p:stCondLst>
+                            <p:childTnLst>
+                              <p:par>
+                                <p:cTn id="5" presetID="22" presetClass="entr" presetSubtype="4" fill="hold" grpId="0" nodeType="clickEffect">
+                                  <p:stCondLst>
+                                    <p:cond delay="0"/>
+                                  </p:stCondLst>
+                                  <p:childTnLst>
+                                    <p:set>
+                                      <p:cBhvr>
+                                        <p:cTn id="6" dur="1" fill="hold">
+                                          <p:stCondLst>
+                                            <p:cond delay="0"/>
+                                          </p:stCondLst>
+                                        </p:cTn>
+                                        <p:tgtEl>
+                                          <p:spTgt spid="3">
+                                            <p:txEl>
+                                              <p:pRg st="0" end="0"/>
+                                            </p:txEl>
+                                          </p:spTgt>
+                                        </p:tgtEl>
+                                        <p:attrNameLst>
+                                          <p:attrName>style.visibility</p:attrName>
+                                        </p:attrNameLst>
+                                      </p:cBhvr>
+                                      <p:to>
+                                        <p:strVal val="visible"/>
+                                      </p:to>
+                                    </p:set>
+                                    <p:animEffect transition="in" filter="wipe(down)">
+                                      <p:cBhvr>
+                                        <p:cTn id="7" dur="500"/>
+                                        <p:tgtEl>
+                                          <p:spTgt spid="3">
+                                            <p:txEl>
+                                              <p:pRg st="0" end="0"/>
+                                            </p:txEl>
+                                          </p:spTgt>
+                                        </p:tgtEl>
+                                      </p:cBhvr>
+                                    </p:animEffect>
+                                  </p:childTnLst>
+                                </p:cTn>
+                              </p:par>
+                              <p:par>
+                                <p:cTn id="8" presetID="22" presetClass="entr" presetSubtype="4" fill="hold" grpId="0" nodeType="withEffect">
+                                  <p:stCondLst>
+                                    <p:cond delay="0"/>
+                                  </p:stCondLst>
+                                  <p:childTnLst>
+                                    <p:set>
+                                      <p:cBhvr>
+                                        <p:cTn id="9" dur="1" fill="hold">
+                                          <p:stCondLst>
+                                            <p:cond delay="0"/>
+                                          </p:stCondLst>
+                                        </p:cTn>
+                                        <p:tgtEl>
+                                          <p:spTgt spid="3">
+                                            <p:txEl>
+                                              <p:pRg st="1" end="1"/>
+                                            </p:txEl>
+                                          </p:spTgt>
+                                        </p:tgtEl>
+                                        <p:attrNameLst>
+                                          <p:attrName>style.visibility</p:attrName>
+                                        </p:attrNameLst>
+                                      </p:cBhvr>
+                                      <p:to>
+                                        <p:strVal val="visible"/>
+                                      </p:to>
+                                    </p:set>
+                                    <p:animEffect transition="in" filter="wipe(down)">
+                                      <p:cBhvr>
+                                        <p:cTn id="10" dur="500"/>
+                                        <p:tgtEl>
+                                          <p:spTgt spid="3">
+                                            <p:txEl>
+                                              <p:pRg st="1" end="1"/>
+                                            </p:txEl>
+                                          </p:spTgt>
+                                        </p:tgtEl>
+                                      </p:cBhvr>
+                                    </p:animEffect>
+                                  </p:childTnLst>
+                                </p:cTn>
+                              </p:par>
+                            </p:childTnLst>
+                          </p:cTn>
+                        </p:par>
+                      </p:childTnLst>
+                    </p:cTn>
+                  </p:par>
+                </p:childTnLst>
+              </p:cTn>
+              <p:prevCondLst>
+                <p:cond evt="onPrev" delay="0">
+                  <p:tgtEl>
+                    <p:sldTgt/>
+                  </p:tgtEl>
+                </p:cond>
+              </p:prevCondLst>
+              <p:nextCondLst>
+                <p:cond evt="onNext" delay="0">
+                  <p:tgtEl>
+                    <p:sldTgt/>
+                  </p:tgtEl>
+                </p:cond>
+              </p:nextCondLst>
+            </p:seq>
+          </p:childTnLst>
+        </p:cTn>
+      </p:par>
+    </p:tnLst>
+    <p:bldLst>
+      <p:bldP spid="3" grpId="0" uiExpand="1" build="p"/>
+    </p:bldLst>
+  </p:timing>
+</p:sld>
+</file>
+
 <file path=ppt/slides/slide8.xml><?xml version="1.0" encoding="utf-8"?>
+<p:sld xmlns:a="http://schemas.openxmlformats.org/drawingml/2006/main" xmlns:r="http://schemas.openxmlformats.org/officeDocument/2006/relationships" xmlns:p="http://schemas.openxmlformats.org/presentationml/2006/main">
+  <p:cSld>
+    <p:spTree>
+      <p:nvGrpSpPr>
+        <p:cNvPr id="1" name=""/>
+        <p:cNvGrpSpPr/>
+        <p:nvPr/>
+      </p:nvGrpSpPr>
+      <p:grpSpPr>
+        <a:xfrm>
+          <a:off x="0" y="0"/>
+          <a:ext cx="0" cy="0"/>
+          <a:chOff x="0" y="0"/>
+          <a:chExt cx="0" cy="0"/>
+        </a:xfrm>
+      </p:grpSpPr>
+      <p:sp>
+        <p:nvSpPr>
+          <p:cNvPr id="2" name="Title 1"/>
+          <p:cNvSpPr>
+            <a:spLocks noGrp="1"/>
+          </p:cNvSpPr>
+          <p:nvPr>
+            <p:ph type="title"/>
+          </p:nvPr>
+        </p:nvSpPr>
+        <p:spPr>
+          <a:xfrm>
+            <a:off x="838200" y="401200"/>
+            <a:ext cx="10515600" cy="2651489"/>
+          </a:xfrm>
+        </p:spPr>
+        <p:txBody>
+          <a:bodyPr>
+            <a:noAutofit/>
+          </a:bodyPr>
+          <a:lstStyle/>
+          <a:p>
+            <a:r>
+              <a:rPr lang="en-US" sz="2400" b="1" u="sng" dirty="0" smtClean="0"/>
+              <a:t>Question: </a:t>
+            </a:r>
+            <a:r>
+              <a:rPr lang="en-US" sz="2400" b="1" dirty="0" smtClean="0"/>
+              <a:t/>
+            </a:r>
+            <a:br>
+              <a:rPr lang="en-US" sz="2400" b="1" dirty="0" smtClean="0"/>
+            </a:br>
+            <a:r>
+              <a:rPr lang="en-US" sz="2400" b="1" dirty="0">
+                <a:solidFill>
+                  <a:srgbClr val="7030A0"/>
+                </a:solidFill>
+              </a:rPr>
+              <a:t>The distance between Quartile1 (Q1) and Quartile3 (Q3) is called as __________ and it helps to understand ___________ of process variation.</a:t>
+            </a:r>
+            <a:r>
+              <a:rPr lang="en-US" sz="2400" dirty="0">
+                <a:solidFill>
+                  <a:srgbClr val="7030A0"/>
+                </a:solidFill>
+              </a:rPr>
+              <a:t/>
+            </a:r>
+            <a:br>
+              <a:rPr lang="en-US" sz="2400" dirty="0">
+                <a:solidFill>
+                  <a:srgbClr val="7030A0"/>
+                </a:solidFill>
+              </a:rPr>
+            </a:br>
+            <a:r>
+              <a:rPr lang="en-US" sz="2400" dirty="0" smtClean="0">
+                <a:solidFill>
+                  <a:srgbClr val="7030A0"/>
+                </a:solidFill>
+              </a:rPr>
+              <a:t>	</a:t>
+            </a:r>
+            <a:r>
+              <a:rPr lang="en-US" sz="2400" dirty="0" smtClean="0"/>
+              <a:t>Inter </a:t>
+            </a:r>
+            <a:r>
+              <a:rPr lang="en-US" sz="2400" dirty="0"/>
+              <a:t>Quartile Range and Width</a:t>
+            </a:r>
+            <a:br>
+              <a:rPr lang="en-US" sz="2400" dirty="0"/>
+            </a:br>
+            <a:r>
+              <a:rPr lang="en-US" sz="2400" dirty="0" smtClean="0"/>
+              <a:t>	Quartile </a:t>
+            </a:r>
+            <a:r>
+              <a:rPr lang="en-US" sz="2400" dirty="0"/>
+              <a:t>Range and Height</a:t>
+            </a:r>
+            <a:br>
+              <a:rPr lang="en-US" sz="2400" dirty="0"/>
+            </a:br>
+            <a:r>
+              <a:rPr lang="en-US" sz="2400" dirty="0" smtClean="0"/>
+              <a:t>	Quartile </a:t>
+            </a:r>
+            <a:r>
+              <a:rPr lang="en-US" sz="2400" dirty="0"/>
+              <a:t>2 and Width</a:t>
+            </a:r>
+            <a:br>
+              <a:rPr lang="en-US" sz="2400" dirty="0"/>
+            </a:br>
+            <a:r>
+              <a:rPr lang="en-US" sz="2400" dirty="0" smtClean="0"/>
+              <a:t>	Median </a:t>
+            </a:r>
+            <a:r>
+              <a:rPr lang="en-US" sz="2400" dirty="0"/>
+              <a:t>and </a:t>
+            </a:r>
+            <a:r>
+              <a:rPr lang="en-US" sz="2400" dirty="0" smtClean="0"/>
+              <a:t>Width</a:t>
+            </a:r>
+            <a:endParaRPr lang="en-US" sz="2400" dirty="0"/>
+          </a:p>
+        </p:txBody>
+      </p:sp>
+      <p:sp>
+        <p:nvSpPr>
+          <p:cNvPr id="3" name="Content Placeholder 2"/>
+          <p:cNvSpPr>
+            <a:spLocks noGrp="1"/>
+          </p:cNvSpPr>
+          <p:nvPr>
+            <p:ph idx="1"/>
+          </p:nvPr>
+        </p:nvSpPr>
+        <p:spPr>
+          <a:xfrm>
+            <a:off x="838200" y="3052689"/>
+            <a:ext cx="10515600" cy="2335237"/>
+          </a:xfrm>
+        </p:spPr>
+        <p:txBody>
+          <a:bodyPr>
+            <a:normAutofit/>
+          </a:bodyPr>
+          <a:lstStyle/>
+          <a:p>
+            <a:pPr marL="0" indent="0">
+              <a:buNone/>
+            </a:pPr>
+            <a:r>
+              <a:rPr lang="en-US" sz="2400" b="1" u="sng" dirty="0" smtClean="0"/>
+              <a:t>Answer:</a:t>
+            </a:r>
+            <a:r>
+              <a:rPr lang="en-US" sz="2400" b="1" dirty="0" smtClean="0"/>
+              <a:t>	1</a:t>
+            </a:r>
+            <a:endParaRPr lang="en-US" sz="2400" dirty="0" smtClean="0"/>
+          </a:p>
+          <a:p>
+            <a:pPr marL="0" indent="0">
+              <a:buNone/>
+            </a:pPr>
+            <a:r>
+              <a:rPr lang="en-US" sz="2400" b="1" u="sng" dirty="0" smtClean="0"/>
+              <a:t>Explanation: </a:t>
+            </a:r>
+          </a:p>
+          <a:p>
+            <a:pPr marL="0" indent="0">
+              <a:buNone/>
+            </a:pPr>
+            <a:endParaRPr lang="en-US" sz="2400" dirty="0"/>
+          </a:p>
+        </p:txBody>
+      </p:sp>
+      <p:sp>
+        <p:nvSpPr>
+          <p:cNvPr id="4" name="Rectangle 3"/>
+          <p:cNvSpPr/>
+          <p:nvPr/>
+        </p:nvSpPr>
+        <p:spPr>
+          <a:xfrm>
+            <a:off x="838200" y="5992297"/>
+            <a:ext cx="10515600" cy="646331"/>
+          </a:xfrm>
+          <a:prstGeom prst="rect">
+            <a:avLst/>
+          </a:prstGeom>
+          <a:blipFill>
+            <a:blip r:embed="rId3"/>
+            <a:tile tx="0" ty="0" sx="100000" sy="100000" flip="none" algn="tl"/>
+          </a:blipFill>
+          <a:effectLst>
+            <a:outerShdw blurRad="50800" dist="38100" dir="13500000" algn="br" rotWithShape="0">
+              <a:prstClr val="black">
+                <a:alpha val="40000"/>
+              </a:prstClr>
+            </a:outerShdw>
+          </a:effectLst>
+        </p:spPr>
+        <p:txBody>
+          <a:bodyPr wrap="square">
+            <a:spAutoFit/>
+          </a:bodyPr>
+          <a:lstStyle/>
+          <a:p>
+            <a:pPr algn="ctr"/>
+            <a:r>
+              <a:rPr lang="en-US" sz="3600" dirty="0" smtClean="0">
+                <a:ln w="0"/>
+                <a:effectLst>
+                  <a:outerShdw blurRad="38100" dist="19050" dir="2700000" algn="tl" rotWithShape="0">
+                    <a:schemeClr val="dk1">
+                      <a:alpha val="40000"/>
+                    </a:schemeClr>
+                  </a:outerShdw>
+                </a:effectLst>
+              </a:rPr>
+              <a:t>Data Visualization</a:t>
+            </a:r>
+            <a:endParaRPr lang="en-US" sz="3600" dirty="0">
+              <a:ln w="0"/>
+              <a:effectLst>
+                <a:outerShdw blurRad="38100" dist="19050" dir="2700000" algn="tl" rotWithShape="0">
+                  <a:schemeClr val="dk1">
+                    <a:alpha val="40000"/>
+                  </a:schemeClr>
+                </a:outerShdw>
+              </a:effectLst>
+            </a:endParaRPr>
+          </a:p>
+        </p:txBody>
+      </p:sp>
+    </p:spTree>
+    <p:extLst>
+      <p:ext uri="{BB962C8B-B14F-4D97-AF65-F5344CB8AC3E}">
+        <p14:creationId xmlns:p14="http://schemas.microsoft.com/office/powerpoint/2010/main" val="4105680783"/>
+      </p:ext>
+    </p:extLst>
+  </p:cSld>
+  <p:clrMapOvr>
+    <a:masterClrMapping/>
+  </p:clrMapOvr>
+  <p:timing>
+    <p:tnLst>
+      <p:par>
+        <p:cTn id="1" dur="indefinite" restart="never" nodeType="tmRoot">
+          <p:childTnLst>
+            <p:seq concurrent="1" nextAc="seek">
+              <p:cTn id="2" dur="indefinite" nodeType="mainSeq">
+                <p:childTnLst>
+                  <p:par>
+                    <p:cTn id="3" fill="hold">
+                      <p:stCondLst>
+                        <p:cond delay="indefinite"/>
+                        <p:cond evt="onBegin" delay="0">
+                          <p:tn val="2"/>
+                        </p:cond>
+                      </p:stCondLst>
+                      <p:childTnLst>
+                        <p:par>
+                          <p:cTn id="4" fill="hold">
+                            <p:stCondLst>
+                              <p:cond delay="0"/>
+                            </p:stCondLst>
+                            <p:childTnLst>
+                              <p:par>
+                                <p:cTn id="5" presetID="22" presetClass="entr" presetSubtype="4" fill="hold" grpId="0" nodeType="withEffect">
+                                  <p:stCondLst>
+                                    <p:cond delay="0"/>
+                                  </p:stCondLst>
+                                  <p:childTnLst>
+                                    <p:set>
+                                      <p:cBhvr>
+                                        <p:cTn id="6" dur="1" fill="hold">
+                                          <p:stCondLst>
+                                            <p:cond delay="0"/>
+                                          </p:stCondLst>
+                                        </p:cTn>
+                                        <p:tgtEl>
+                                          <p:spTgt spid="4"/>
+                                        </p:tgtEl>
+                                        <p:attrNameLst>
+                                          <p:attrName>style.visibility</p:attrName>
+                                        </p:attrNameLst>
+                                      </p:cBhvr>
+                                      <p:to>
+                                        <p:strVal val="visible"/>
+                                      </p:to>
+                                    </p:set>
+                                    <p:animEffect transition="in" filter="wipe(down)">
+                                      <p:cBhvr>
+                                        <p:cTn id="7" dur="500"/>
+                                        <p:tgtEl>
+                                          <p:spTgt spid="4"/>
+                                        </p:tgtEl>
+                                      </p:cBhvr>
+                                    </p:animEffect>
+                                  </p:childTnLst>
+                                </p:cTn>
+                              </p:par>
+                              <p:par>
+                                <p:cTn id="8" presetID="10" presetClass="entr" presetSubtype="0" fill="hold" grpId="0" nodeType="withEffect">
+                                  <p:stCondLst>
+                                    <p:cond delay="0"/>
+                                  </p:stCondLst>
+                                  <p:childTnLst>
+                                    <p:set>
+                                      <p:cBhvr>
+                                        <p:cTn id="9" dur="1" fill="hold">
+                                          <p:stCondLst>
+                                            <p:cond delay="0"/>
+                                          </p:stCondLst>
+                                        </p:cTn>
+                                        <p:tgtEl>
+                                          <p:spTgt spid="2"/>
+                                        </p:tgtEl>
+                                        <p:attrNameLst>
+                                          <p:attrName>style.visibility</p:attrName>
+                                        </p:attrNameLst>
+                                      </p:cBhvr>
+                                      <p:to>
+                                        <p:strVal val="visible"/>
+                                      </p:to>
+                                    </p:set>
+                                    <p:animEffect transition="in" filter="fade">
+                                      <p:cBhvr>
+                                        <p:cTn id="10" dur="500"/>
+                                        <p:tgtEl>
+                                          <p:spTgt spid="2"/>
+                                        </p:tgtEl>
+                                      </p:cBhvr>
+                                    </p:animEffect>
+                                  </p:childTnLst>
+                                </p:cTn>
+                              </p:par>
+                            </p:childTnLst>
+                          </p:cTn>
+                        </p:par>
+                      </p:childTnLst>
+                    </p:cTn>
+                  </p:par>
+                  <p:par>
+                    <p:cTn id="11" fill="hold">
+                      <p:stCondLst>
+                        <p:cond delay="indefinite"/>
+                      </p:stCondLst>
+                      <p:childTnLst>
+                        <p:par>
+                          <p:cTn id="12" fill="hold">
+                            <p:stCondLst>
+                              <p:cond delay="0"/>
+                            </p:stCondLst>
+                            <p:childTnLst>
+                              <p:par>
+                                <p:cTn id="13" presetID="22" presetClass="entr" presetSubtype="8" fill="hold" grpId="0" nodeType="clickEffect">
+                                  <p:stCondLst>
+                                    <p:cond delay="0"/>
+                                  </p:stCondLst>
+                                  <p:childTnLst>
+                                    <p:set>
+                                      <p:cBhvr>
+                                        <p:cTn id="14" dur="1" fill="hold">
+                                          <p:stCondLst>
+                                            <p:cond delay="0"/>
+                                          </p:stCondLst>
+                                        </p:cTn>
+                                        <p:tgtEl>
+                                          <p:spTgt spid="3">
+                                            <p:txEl>
+                                              <p:pRg st="0" end="0"/>
+                                            </p:txEl>
+                                          </p:spTgt>
+                                        </p:tgtEl>
+                                        <p:attrNameLst>
+                                          <p:attrName>style.visibility</p:attrName>
+                                        </p:attrNameLst>
+                                      </p:cBhvr>
+                                      <p:to>
+                                        <p:strVal val="visible"/>
+                                      </p:to>
+                                    </p:set>
+                                    <p:animEffect transition="in" filter="wipe(left)">
+                                      <p:cBhvr>
+                                        <p:cTn id="15" dur="500"/>
+                                        <p:tgtEl>
+                                          <p:spTgt spid="3">
+                                            <p:txEl>
+                                              <p:pRg st="0" end="0"/>
+                                            </p:txEl>
+                                          </p:spTgt>
+                                        </p:tgtEl>
+                                      </p:cBhvr>
+                                    </p:animEffect>
+                                  </p:childTnLst>
+                                </p:cTn>
+                              </p:par>
+                              <p:par>
+                                <p:cTn id="16" presetID="22" presetClass="entr" presetSubtype="8" fill="hold" grpId="0" nodeType="withEffect">
+                                  <p:stCondLst>
+                                    <p:cond delay="0"/>
+                                  </p:stCondLst>
+                                  <p:childTnLst>
+                                    <p:set>
+                                      <p:cBhvr>
+                                        <p:cTn id="17" dur="1" fill="hold">
+                                          <p:stCondLst>
+                                            <p:cond delay="0"/>
+                                          </p:stCondLst>
+                                        </p:cTn>
+                                        <p:tgtEl>
+                                          <p:spTgt spid="3">
+                                            <p:txEl>
+                                              <p:pRg st="1" end="1"/>
+                                            </p:txEl>
+                                          </p:spTgt>
+                                        </p:tgtEl>
+                                        <p:attrNameLst>
+                                          <p:attrName>style.visibility</p:attrName>
+                                        </p:attrNameLst>
+                                      </p:cBhvr>
+                                      <p:to>
+                                        <p:strVal val="visible"/>
+                                      </p:to>
+                                    </p:set>
+                                    <p:animEffect transition="in" filter="wipe(left)">
+                                      <p:cBhvr>
+                                        <p:cTn id="18" dur="500"/>
+                                        <p:tgtEl>
+                                          <p:spTgt spid="3">
+                                            <p:txEl>
+                                              <p:pRg st="1" end="1"/>
+                                            </p:txEl>
+                                          </p:spTgt>
+                                        </p:tgtEl>
+                                      </p:cBhvr>
+                                    </p:animEffect>
+                                  </p:childTnLst>
+                                </p:cTn>
+                              </p:par>
+                            </p:childTnLst>
+                          </p:cTn>
+                        </p:par>
+                      </p:childTnLst>
+                    </p:cTn>
+                  </p:par>
+                </p:childTnLst>
+              </p:cTn>
+              <p:prevCondLst>
+                <p:cond evt="onPrev" delay="0">
+                  <p:tgtEl>
+                    <p:sldTgt/>
+                  </p:tgtEl>
+                </p:cond>
+              </p:prevCondLst>
+              <p:nextCondLst>
+                <p:cond evt="onNext" delay="0">
+                  <p:tgtEl>
+                    <p:sldTgt/>
+                  </p:tgtEl>
+                </p:cond>
+              </p:nextCondLst>
+            </p:seq>
+          </p:childTnLst>
+        </p:cTn>
+      </p:par>
+    </p:tnLst>
+    <p:bldLst>
+      <p:bldP spid="2" grpId="0"/>
+      <p:bldP spid="3" grpId="0" build="p"/>
+      <p:bldP spid="4" grpId="0" animBg="1"/>
+    </p:bldLst>
+  </p:timing>
+</p:sld>
+</file>
+
+<file path=ppt/slides/slide9.xml><?xml version="1.0" encoding="utf-8"?>
 <p:sld xmlns:a="http://schemas.openxmlformats.org/drawingml/2006/main" xmlns:r="http://schemas.openxmlformats.org/officeDocument/2006/relationships" xmlns:p="http://schemas.openxmlformats.org/presentationml/2006/main">
   <p:cSld>
     <p:spTree>
@@ -22137,490 +22732,6 @@
                                         <p:cTn id="23" dur="500"/>
                                         <p:tgtEl>
                                           <p:spTgt spid="5"/>
-                                        </p:tgtEl>
-                                      </p:cBhvr>
-                                    </p:animEffect>
-                                  </p:childTnLst>
-                                </p:cTn>
-                              </p:par>
-                            </p:childTnLst>
-                          </p:cTn>
-                        </p:par>
-                      </p:childTnLst>
-                    </p:cTn>
-                  </p:par>
-                </p:childTnLst>
-              </p:cTn>
-              <p:prevCondLst>
-                <p:cond evt="onPrev" delay="0">
-                  <p:tgtEl>
-                    <p:sldTgt/>
-                  </p:tgtEl>
-                </p:cond>
-              </p:prevCondLst>
-              <p:nextCondLst>
-                <p:cond evt="onNext" delay="0">
-                  <p:tgtEl>
-                    <p:sldTgt/>
-                  </p:tgtEl>
-                </p:cond>
-              </p:nextCondLst>
-            </p:seq>
-          </p:childTnLst>
-        </p:cTn>
-      </p:par>
-    </p:tnLst>
-    <p:bldLst>
-      <p:bldP spid="2" grpId="0"/>
-      <p:bldP spid="3" grpId="0" build="p"/>
-      <p:bldP spid="4" grpId="0" animBg="1"/>
-    </p:bldLst>
-  </p:timing>
-</p:sld>
-</file>
-
-<file path=ppt/slides/slide9.xml><?xml version="1.0" encoding="utf-8"?>
-<p:sld xmlns:a="http://schemas.openxmlformats.org/drawingml/2006/main" xmlns:r="http://schemas.openxmlformats.org/officeDocument/2006/relationships" xmlns:p="http://schemas.openxmlformats.org/presentationml/2006/main">
-  <p:cSld>
-    <p:spTree>
-      <p:nvGrpSpPr>
-        <p:cNvPr id="1" name=""/>
-        <p:cNvGrpSpPr/>
-        <p:nvPr/>
-      </p:nvGrpSpPr>
-      <p:grpSpPr>
-        <a:xfrm>
-          <a:off x="0" y="0"/>
-          <a:ext cx="0" cy="0"/>
-          <a:chOff x="0" y="0"/>
-          <a:chExt cx="0" cy="0"/>
-        </a:xfrm>
-      </p:grpSpPr>
-      <p:sp>
-        <p:nvSpPr>
-          <p:cNvPr id="2" name="Title 1"/>
-          <p:cNvSpPr>
-            <a:spLocks noGrp="1"/>
-          </p:cNvSpPr>
-          <p:nvPr>
-            <p:ph type="title"/>
-          </p:nvPr>
-        </p:nvSpPr>
-        <p:spPr>
-          <a:xfrm>
-            <a:off x="838200" y="401200"/>
-            <a:ext cx="10515600" cy="2651489"/>
-          </a:xfrm>
-        </p:spPr>
-        <p:txBody>
-          <a:bodyPr>
-            <a:noAutofit/>
-          </a:bodyPr>
-          <a:lstStyle/>
-          <a:p>
-            <a:r>
-              <a:rPr lang="en-US" sz="2400" b="1" u="sng" dirty="0" smtClean="0"/>
-              <a:t>Question: </a:t>
-            </a:r>
-            <a:r>
-              <a:rPr lang="en-US" sz="2400" b="1" dirty="0" smtClean="0"/>
-              <a:t/>
-            </a:r>
-            <a:br>
-              <a:rPr lang="en-US" sz="2400" b="1" dirty="0" smtClean="0"/>
-            </a:br>
-            <a:r>
-              <a:rPr lang="en-US" sz="2400" b="1" dirty="0">
-                <a:solidFill>
-                  <a:srgbClr val="7030A0"/>
-                </a:solidFill>
-              </a:rPr>
-              <a:t>The distance between Quartile1 (Q1) and Quartile3 (Q3) is called as __________ and it helps to understand ___________ of process variation.</a:t>
-            </a:r>
-            <a:r>
-              <a:rPr lang="en-US" sz="2400" dirty="0">
-                <a:solidFill>
-                  <a:srgbClr val="7030A0"/>
-                </a:solidFill>
-              </a:rPr>
-              <a:t/>
-            </a:r>
-            <a:br>
-              <a:rPr lang="en-US" sz="2400" dirty="0">
-                <a:solidFill>
-                  <a:srgbClr val="7030A0"/>
-                </a:solidFill>
-              </a:rPr>
-            </a:br>
-            <a:r>
-              <a:rPr lang="en-US" sz="2400" dirty="0" smtClean="0">
-                <a:solidFill>
-                  <a:srgbClr val="7030A0"/>
-                </a:solidFill>
-              </a:rPr>
-              <a:t>	</a:t>
-            </a:r>
-            <a:r>
-              <a:rPr lang="en-US" sz="2400" dirty="0" smtClean="0"/>
-              <a:t>Inter </a:t>
-            </a:r>
-            <a:r>
-              <a:rPr lang="en-US" sz="2400" dirty="0"/>
-              <a:t>Quartile Range and Width</a:t>
-            </a:r>
-            <a:br>
-              <a:rPr lang="en-US" sz="2400" dirty="0"/>
-            </a:br>
-            <a:r>
-              <a:rPr lang="en-US" sz="2400" dirty="0" smtClean="0"/>
-              <a:t>	Quartile </a:t>
-            </a:r>
-            <a:r>
-              <a:rPr lang="en-US" sz="2400" dirty="0"/>
-              <a:t>Range and Height</a:t>
-            </a:r>
-            <a:br>
-              <a:rPr lang="en-US" sz="2400" dirty="0"/>
-            </a:br>
-            <a:r>
-              <a:rPr lang="en-US" sz="2400" dirty="0" smtClean="0"/>
-              <a:t>	Quartile </a:t>
-            </a:r>
-            <a:r>
-              <a:rPr lang="en-US" sz="2400" dirty="0"/>
-              <a:t>2 and Width</a:t>
-            </a:r>
-            <a:br>
-              <a:rPr lang="en-US" sz="2400" dirty="0"/>
-            </a:br>
-            <a:r>
-              <a:rPr lang="en-US" sz="2400" dirty="0" smtClean="0"/>
-              <a:t>	Median </a:t>
-            </a:r>
-            <a:r>
-              <a:rPr lang="en-US" sz="2400" dirty="0"/>
-              <a:t>and </a:t>
-            </a:r>
-            <a:r>
-              <a:rPr lang="en-US" sz="2400" dirty="0" smtClean="0"/>
-              <a:t>Width</a:t>
-            </a:r>
-            <a:endParaRPr lang="en-US" sz="2400" dirty="0"/>
-          </a:p>
-        </p:txBody>
-      </p:sp>
-      <p:sp>
-        <p:nvSpPr>
-          <p:cNvPr id="3" name="Content Placeholder 2"/>
-          <p:cNvSpPr>
-            <a:spLocks noGrp="1"/>
-          </p:cNvSpPr>
-          <p:nvPr>
-            <p:ph idx="1"/>
-          </p:nvPr>
-        </p:nvSpPr>
-        <p:spPr>
-          <a:xfrm>
-            <a:off x="838200" y="3052689"/>
-            <a:ext cx="10515600" cy="2335237"/>
-          </a:xfrm>
-        </p:spPr>
-        <p:txBody>
-          <a:bodyPr>
-            <a:normAutofit/>
-          </a:bodyPr>
-          <a:lstStyle/>
-          <a:p>
-            <a:pPr marL="0" indent="0">
-              <a:buNone/>
-            </a:pPr>
-            <a:r>
-              <a:rPr lang="en-US" sz="2400" b="1" u="sng" dirty="0" smtClean="0"/>
-              <a:t>Answer:</a:t>
-            </a:r>
-            <a:r>
-              <a:rPr lang="en-US" sz="2400" b="1" dirty="0" smtClean="0"/>
-              <a:t>	1</a:t>
-            </a:r>
-            <a:endParaRPr lang="en-US" sz="2400" dirty="0" smtClean="0"/>
-          </a:p>
-          <a:p>
-            <a:pPr marL="0" indent="0">
-              <a:buNone/>
-            </a:pPr>
-            <a:r>
-              <a:rPr lang="en-US" sz="2400" b="1" u="sng" dirty="0" smtClean="0"/>
-              <a:t>Explanation: </a:t>
-            </a:r>
-          </a:p>
-          <a:p>
-            <a:pPr marL="0" indent="0">
-              <a:buNone/>
-            </a:pPr>
-            <a:endParaRPr lang="en-US" sz="2400" dirty="0"/>
-          </a:p>
-        </p:txBody>
-      </p:sp>
-      <p:sp>
-        <p:nvSpPr>
-          <p:cNvPr id="4" name="Rectangle 3"/>
-          <p:cNvSpPr/>
-          <p:nvPr/>
-        </p:nvSpPr>
-        <p:spPr>
-          <a:xfrm>
-            <a:off x="838200" y="5992297"/>
-            <a:ext cx="10515600" cy="646331"/>
-          </a:xfrm>
-          <a:prstGeom prst="rect">
-            <a:avLst/>
-          </a:prstGeom>
-          <a:blipFill>
-            <a:blip r:embed="rId3"/>
-            <a:tile tx="0" ty="0" sx="100000" sy="100000" flip="none" algn="tl"/>
-          </a:blipFill>
-          <a:effectLst>
-            <a:outerShdw blurRad="50800" dist="38100" dir="13500000" algn="br" rotWithShape="0">
-              <a:prstClr val="black">
-                <a:alpha val="40000"/>
-              </a:prstClr>
-            </a:outerShdw>
-          </a:effectLst>
-        </p:spPr>
-        <p:txBody>
-          <a:bodyPr wrap="square">
-            <a:spAutoFit/>
-          </a:bodyPr>
-          <a:lstStyle/>
-          <a:p>
-            <a:pPr algn="ctr"/>
-            <a:r>
-              <a:rPr lang="en-US" sz="3600" dirty="0" smtClean="0">
-                <a:ln w="0"/>
-                <a:effectLst>
-                  <a:outerShdw blurRad="38100" dist="19050" dir="2700000" algn="tl" rotWithShape="0">
-                    <a:schemeClr val="dk1">
-                      <a:alpha val="40000"/>
-                    </a:schemeClr>
-                  </a:outerShdw>
-                </a:effectLst>
-              </a:rPr>
-              <a:t>Data Visualization</a:t>
-            </a:r>
-            <a:endParaRPr lang="en-US" sz="3600" dirty="0">
-              <a:ln w="0"/>
-              <a:effectLst>
-                <a:outerShdw blurRad="38100" dist="19050" dir="2700000" algn="tl" rotWithShape="0">
-                  <a:schemeClr val="dk1">
-                    <a:alpha val="40000"/>
-                  </a:schemeClr>
-                </a:outerShdw>
-              </a:effectLst>
-            </a:endParaRPr>
-          </a:p>
-        </p:txBody>
-      </p:sp>
-    </p:spTree>
-    <p:extLst>
-      <p:ext uri="{BB962C8B-B14F-4D97-AF65-F5344CB8AC3E}">
-        <p14:creationId xmlns:p14="http://schemas.microsoft.com/office/powerpoint/2010/main" val="4105680783"/>
-      </p:ext>
-    </p:extLst>
-  </p:cSld>
-  <p:clrMapOvr>
-    <a:masterClrMapping/>
-  </p:clrMapOvr>
-  <p:timing>
-    <p:tnLst>
-      <p:par>
-        <p:cTn id="1" dur="indefinite" restart="never" nodeType="tmRoot">
-          <p:childTnLst>
-            <p:seq concurrent="1" nextAc="seek">
-              <p:cTn id="2" dur="indefinite" nodeType="mainSeq">
-                <p:childTnLst>
-                  <p:par>
-                    <p:cTn id="3" fill="hold">
-                      <p:stCondLst>
-                        <p:cond delay="indefinite"/>
-                        <p:cond evt="onBegin" delay="0">
-                          <p:tn val="2"/>
-                        </p:cond>
-                      </p:stCondLst>
-                      <p:childTnLst>
-                        <p:par>
-                          <p:cTn id="4" fill="hold">
-                            <p:stCondLst>
-                              <p:cond delay="0"/>
-                            </p:stCondLst>
-                            <p:childTnLst>
-                              <p:par>
-                                <p:cTn id="5" presetID="22" presetClass="entr" presetSubtype="4" fill="hold" grpId="0" nodeType="withEffect">
-                                  <p:stCondLst>
-                                    <p:cond delay="0"/>
-                                  </p:stCondLst>
-                                  <p:childTnLst>
-                                    <p:set>
-                                      <p:cBhvr>
-                                        <p:cTn id="6" dur="1" fill="hold">
-                                          <p:stCondLst>
-                                            <p:cond delay="0"/>
-                                          </p:stCondLst>
-                                        </p:cTn>
-                                        <p:tgtEl>
-                                          <p:spTgt spid="4"/>
-                                        </p:tgtEl>
-                                        <p:attrNameLst>
-                                          <p:attrName>style.visibility</p:attrName>
-                                        </p:attrNameLst>
-                                      </p:cBhvr>
-                                      <p:to>
-                                        <p:strVal val="visible"/>
-                                      </p:to>
-                                    </p:set>
-                                    <p:animEffect transition="in" filter="wipe(down)">
-                                      <p:cBhvr>
-                                        <p:cTn id="7" dur="500"/>
-                                        <p:tgtEl>
-                                          <p:spTgt spid="4"/>
-                                        </p:tgtEl>
-                                      </p:cBhvr>
-                                    </p:animEffect>
-                                  </p:childTnLst>
-                                </p:cTn>
-                              </p:par>
-                              <p:par>
-                                <p:cTn id="8" presetID="10" presetClass="entr" presetSubtype="0" fill="hold" grpId="0" nodeType="withEffect">
-                                  <p:stCondLst>
-                                    <p:cond delay="0"/>
-                                  </p:stCondLst>
-                                  <p:childTnLst>
-                                    <p:set>
-                                      <p:cBhvr>
-                                        <p:cTn id="9" dur="1" fill="hold">
-                                          <p:stCondLst>
-                                            <p:cond delay="0"/>
-                                          </p:stCondLst>
-                                        </p:cTn>
-                                        <p:tgtEl>
-                                          <p:spTgt spid="2"/>
-                                        </p:tgtEl>
-                                        <p:attrNameLst>
-                                          <p:attrName>style.visibility</p:attrName>
-                                        </p:attrNameLst>
-                                      </p:cBhvr>
-                                      <p:to>
-                                        <p:strVal val="visible"/>
-                                      </p:to>
-                                    </p:set>
-                                    <p:animEffect transition="in" filter="fade">
-                                      <p:cBhvr>
-                                        <p:cTn id="10" dur="500"/>
-                                        <p:tgtEl>
-                                          <p:spTgt spid="2"/>
-                                        </p:tgtEl>
-                                      </p:cBhvr>
-                                    </p:animEffect>
-                                  </p:childTnLst>
-                                </p:cTn>
-                              </p:par>
-                            </p:childTnLst>
-                          </p:cTn>
-                        </p:par>
-                      </p:childTnLst>
-                    </p:cTn>
-                  </p:par>
-                  <p:par>
-                    <p:cTn id="11" fill="hold">
-                      <p:stCondLst>
-                        <p:cond delay="indefinite"/>
-                      </p:stCondLst>
-                      <p:childTnLst>
-                        <p:par>
-                          <p:cTn id="12" fill="hold">
-                            <p:stCondLst>
-                              <p:cond delay="0"/>
-                            </p:stCondLst>
-                            <p:childTnLst>
-                              <p:par>
-                                <p:cTn id="13" presetID="22" presetClass="entr" presetSubtype="8" fill="hold" grpId="0" nodeType="clickEffect">
-                                  <p:stCondLst>
-                                    <p:cond delay="0"/>
-                                  </p:stCondLst>
-                                  <p:childTnLst>
-                                    <p:set>
-                                      <p:cBhvr>
-                                        <p:cTn id="14" dur="1" fill="hold">
-                                          <p:stCondLst>
-                                            <p:cond delay="0"/>
-                                          </p:stCondLst>
-                                        </p:cTn>
-                                        <p:tgtEl>
-                                          <p:spTgt spid="3">
-                                            <p:txEl>
-                                              <p:pRg st="0" end="0"/>
-                                            </p:txEl>
-                                          </p:spTgt>
-                                        </p:tgtEl>
-                                        <p:attrNameLst>
-                                          <p:attrName>style.visibility</p:attrName>
-                                        </p:attrNameLst>
-                                      </p:cBhvr>
-                                      <p:to>
-                                        <p:strVal val="visible"/>
-                                      </p:to>
-                                    </p:set>
-                                    <p:animEffect transition="in" filter="wipe(left)">
-                                      <p:cBhvr>
-                                        <p:cTn id="15" dur="500"/>
-                                        <p:tgtEl>
-                                          <p:spTgt spid="3">
-                                            <p:txEl>
-                                              <p:pRg st="0" end="0"/>
-                                            </p:txEl>
-                                          </p:spTgt>
-                                        </p:tgtEl>
-                                      </p:cBhvr>
-                                    </p:animEffect>
-                                  </p:childTnLst>
-                                </p:cTn>
-                              </p:par>
-                              <p:par>
-                                <p:cTn id="16" presetID="22" presetClass="entr" presetSubtype="8" fill="hold" grpId="0" nodeType="withEffect">
-                                  <p:stCondLst>
-                                    <p:cond delay="0"/>
-                                  </p:stCondLst>
-                                  <p:childTnLst>
-                                    <p:set>
-                                      <p:cBhvr>
-                                        <p:cTn id="17" dur="1" fill="hold">
-                                          <p:stCondLst>
-                                            <p:cond delay="0"/>
-                                          </p:stCondLst>
-                                        </p:cTn>
-                                        <p:tgtEl>
-                                          <p:spTgt spid="3">
-                                            <p:txEl>
-                                              <p:pRg st="1" end="1"/>
-                                            </p:txEl>
-                                          </p:spTgt>
-                                        </p:tgtEl>
-                                        <p:attrNameLst>
-                                          <p:attrName>style.visibility</p:attrName>
-                                        </p:attrNameLst>
-                                      </p:cBhvr>
-                                      <p:to>
-                                        <p:strVal val="visible"/>
-                                      </p:to>
-                                    </p:set>
-                                    <p:animEffect transition="in" filter="wipe(left)">
-                                      <p:cBhvr>
-                                        <p:cTn id="18" dur="500"/>
-                                        <p:tgtEl>
-                                          <p:spTgt spid="3">
-                                            <p:txEl>
-                                              <p:pRg st="1" end="1"/>
-                                            </p:txEl>
-                                          </p:spTgt>
                                         </p:tgtEl>
                                       </p:cBhvr>
                                     </p:animEffect>

--- a/SSYB,SSGB Six Sigma Yellow Belt or Six Sigma Green Belt/SSGB questions and answers with explanation (SSYB as well).pptx
+++ b/SSYB,SSGB Six Sigma Yellow Belt or Six Sigma Green Belt/SSGB questions and answers with explanation (SSYB as well).pptx
@@ -5,43 +5,42 @@
     <p:sldMasterId id="2147483648" r:id="rId1"/>
   </p:sldMasterIdLst>
   <p:notesMasterIdLst>
-    <p:notesMasterId r:id="rId36"/>
+    <p:notesMasterId r:id="rId35"/>
   </p:notesMasterIdLst>
   <p:sldIdLst>
     <p:sldId id="256" r:id="rId2"/>
-    <p:sldId id="257" r:id="rId3"/>
-    <p:sldId id="289" r:id="rId4"/>
+    <p:sldId id="289" r:id="rId3"/>
+    <p:sldId id="257" r:id="rId4"/>
     <p:sldId id="293" r:id="rId5"/>
     <p:sldId id="258" r:id="rId6"/>
     <p:sldId id="294" r:id="rId7"/>
     <p:sldId id="287" r:id="rId8"/>
     <p:sldId id="295" r:id="rId9"/>
     <p:sldId id="286" r:id="rId10"/>
-    <p:sldId id="297" r:id="rId11"/>
-    <p:sldId id="261" r:id="rId12"/>
-    <p:sldId id="296" r:id="rId13"/>
-    <p:sldId id="259" r:id="rId14"/>
-    <p:sldId id="260" r:id="rId15"/>
-    <p:sldId id="262" r:id="rId16"/>
+    <p:sldId id="261" r:id="rId11"/>
+    <p:sldId id="296" r:id="rId12"/>
+    <p:sldId id="259" r:id="rId13"/>
+    <p:sldId id="260" r:id="rId14"/>
+    <p:sldId id="262" r:id="rId15"/>
+    <p:sldId id="304" r:id="rId16"/>
     <p:sldId id="263" r:id="rId17"/>
-    <p:sldId id="304" r:id="rId18"/>
-    <p:sldId id="264" r:id="rId19"/>
-    <p:sldId id="265" r:id="rId20"/>
-    <p:sldId id="266" r:id="rId21"/>
-    <p:sldId id="267" r:id="rId22"/>
-    <p:sldId id="303" r:id="rId23"/>
-    <p:sldId id="268" r:id="rId24"/>
-    <p:sldId id="269" r:id="rId25"/>
-    <p:sldId id="270" r:id="rId26"/>
-    <p:sldId id="271" r:id="rId27"/>
-    <p:sldId id="299" r:id="rId28"/>
-    <p:sldId id="300" r:id="rId29"/>
-    <p:sldId id="301" r:id="rId30"/>
-    <p:sldId id="302" r:id="rId31"/>
-    <p:sldId id="272" r:id="rId32"/>
-    <p:sldId id="277" r:id="rId33"/>
-    <p:sldId id="278" r:id="rId34"/>
-    <p:sldId id="279" r:id="rId35"/>
+    <p:sldId id="264" r:id="rId18"/>
+    <p:sldId id="265" r:id="rId19"/>
+    <p:sldId id="266" r:id="rId20"/>
+    <p:sldId id="267" r:id="rId21"/>
+    <p:sldId id="303" r:id="rId22"/>
+    <p:sldId id="268" r:id="rId23"/>
+    <p:sldId id="269" r:id="rId24"/>
+    <p:sldId id="270" r:id="rId25"/>
+    <p:sldId id="271" r:id="rId26"/>
+    <p:sldId id="299" r:id="rId27"/>
+    <p:sldId id="300" r:id="rId28"/>
+    <p:sldId id="301" r:id="rId29"/>
+    <p:sldId id="302" r:id="rId30"/>
+    <p:sldId id="272" r:id="rId31"/>
+    <p:sldId id="277" r:id="rId32"/>
+    <p:sldId id="278" r:id="rId33"/>
+    <p:sldId id="279" r:id="rId34"/>
   </p:sldIdLst>
   <p:sldSz cx="12192000" cy="6858000"/>
   <p:notesSz cx="6858000" cy="9144000"/>
@@ -230,7 +229,7 @@
           <a:p>
             <a:fld id="{9C7B61CF-AD2F-4770-AF4A-AC6FDCF4D5B5}" type="datetimeFigureOut">
               <a:rPr lang="en-US" smtClean="0"/>
-              <a:t>7/28/2018</a:t>
+              <a:t>7/30/2018</a:t>
             </a:fld>
             <a:endParaRPr lang="en-US"/>
           </a:p>
@@ -572,7 +571,7 @@
     </p:spTree>
     <p:extLst>
       <p:ext uri="{BB962C8B-B14F-4D97-AF65-F5344CB8AC3E}">
-        <p14:creationId xmlns:p14="http://schemas.microsoft.com/office/powerpoint/2010/main" val="4174513859"/>
+        <p14:creationId xmlns:p14="http://schemas.microsoft.com/office/powerpoint/2010/main" val="2348714563"/>
       </p:ext>
     </p:extLst>
   </p:cSld>
@@ -664,7 +663,7 @@
     </p:spTree>
     <p:extLst>
       <p:ext uri="{BB962C8B-B14F-4D97-AF65-F5344CB8AC3E}">
-        <p14:creationId xmlns:p14="http://schemas.microsoft.com/office/powerpoint/2010/main" val="4031439070"/>
+        <p14:creationId xmlns:p14="http://schemas.microsoft.com/office/powerpoint/2010/main" val="2925034566"/>
       </p:ext>
     </p:extLst>
   </p:cSld>
@@ -756,7 +755,7 @@
     </p:spTree>
     <p:extLst>
       <p:ext uri="{BB962C8B-B14F-4D97-AF65-F5344CB8AC3E}">
-        <p14:creationId xmlns:p14="http://schemas.microsoft.com/office/powerpoint/2010/main" val="2925034566"/>
+        <p14:creationId xmlns:p14="http://schemas.microsoft.com/office/powerpoint/2010/main" val="437335205"/>
       </p:ext>
     </p:extLst>
   </p:cSld>
@@ -848,7 +847,7 @@
     </p:spTree>
     <p:extLst>
       <p:ext uri="{BB962C8B-B14F-4D97-AF65-F5344CB8AC3E}">
-        <p14:creationId xmlns:p14="http://schemas.microsoft.com/office/powerpoint/2010/main" val="437335205"/>
+        <p14:creationId xmlns:p14="http://schemas.microsoft.com/office/powerpoint/2010/main" val="808175236"/>
       </p:ext>
     </p:extLst>
   </p:cSld>
@@ -940,7 +939,7 @@
     </p:spTree>
     <p:extLst>
       <p:ext uri="{BB962C8B-B14F-4D97-AF65-F5344CB8AC3E}">
-        <p14:creationId xmlns:p14="http://schemas.microsoft.com/office/powerpoint/2010/main" val="808175236"/>
+        <p14:creationId xmlns:p14="http://schemas.microsoft.com/office/powerpoint/2010/main" val="2747261654"/>
       </p:ext>
     </p:extLst>
   </p:cSld>
@@ -1032,7 +1031,7 @@
     </p:spTree>
     <p:extLst>
       <p:ext uri="{BB962C8B-B14F-4D97-AF65-F5344CB8AC3E}">
-        <p14:creationId xmlns:p14="http://schemas.microsoft.com/office/powerpoint/2010/main" val="2747261654"/>
+        <p14:creationId xmlns:p14="http://schemas.microsoft.com/office/powerpoint/2010/main" val="1248979263"/>
       </p:ext>
     </p:extLst>
   </p:cSld>
@@ -1309,7 +1308,7 @@
     </p:spTree>
     <p:extLst>
       <p:ext uri="{BB962C8B-B14F-4D97-AF65-F5344CB8AC3E}">
-        <p14:creationId xmlns:p14="http://schemas.microsoft.com/office/powerpoint/2010/main" val="1248979263"/>
+        <p14:creationId xmlns:p14="http://schemas.microsoft.com/office/powerpoint/2010/main" val="439884601"/>
       </p:ext>
     </p:extLst>
   </p:cSld>
@@ -1401,7 +1400,7 @@
     </p:spTree>
     <p:extLst>
       <p:ext uri="{BB962C8B-B14F-4D97-AF65-F5344CB8AC3E}">
-        <p14:creationId xmlns:p14="http://schemas.microsoft.com/office/powerpoint/2010/main" val="439884601"/>
+        <p14:creationId xmlns:p14="http://schemas.microsoft.com/office/powerpoint/2010/main" val="4136811812"/>
       </p:ext>
     </p:extLst>
   </p:cSld>
@@ -1493,7 +1492,7 @@
     </p:spTree>
     <p:extLst>
       <p:ext uri="{BB962C8B-B14F-4D97-AF65-F5344CB8AC3E}">
-        <p14:creationId xmlns:p14="http://schemas.microsoft.com/office/powerpoint/2010/main" val="4136811812"/>
+        <p14:creationId xmlns:p14="http://schemas.microsoft.com/office/powerpoint/2010/main" val="1011792872"/>
       </p:ext>
     </p:extLst>
   </p:cSld>
@@ -1585,7 +1584,7 @@
     </p:spTree>
     <p:extLst>
       <p:ext uri="{BB962C8B-B14F-4D97-AF65-F5344CB8AC3E}">
-        <p14:creationId xmlns:p14="http://schemas.microsoft.com/office/powerpoint/2010/main" val="1011792872"/>
+        <p14:creationId xmlns:p14="http://schemas.microsoft.com/office/powerpoint/2010/main" val="724699416"/>
       </p:ext>
     </p:extLst>
   </p:cSld>
@@ -1669,7 +1668,7 @@
     </p:spTree>
     <p:extLst>
       <p:ext uri="{BB962C8B-B14F-4D97-AF65-F5344CB8AC3E}">
-        <p14:creationId xmlns:p14="http://schemas.microsoft.com/office/powerpoint/2010/main" val="2348714563"/>
+        <p14:creationId xmlns:p14="http://schemas.microsoft.com/office/powerpoint/2010/main" val="4174513859"/>
       </p:ext>
     </p:extLst>
   </p:cSld>
@@ -1761,7 +1760,7 @@
     </p:spTree>
     <p:extLst>
       <p:ext uri="{BB962C8B-B14F-4D97-AF65-F5344CB8AC3E}">
-        <p14:creationId xmlns:p14="http://schemas.microsoft.com/office/powerpoint/2010/main" val="724699416"/>
+        <p14:creationId xmlns:p14="http://schemas.microsoft.com/office/powerpoint/2010/main" val="2913365724"/>
       </p:ext>
     </p:extLst>
   </p:cSld>
@@ -1853,7 +1852,7 @@
     </p:spTree>
     <p:extLst>
       <p:ext uri="{BB962C8B-B14F-4D97-AF65-F5344CB8AC3E}">
-        <p14:creationId xmlns:p14="http://schemas.microsoft.com/office/powerpoint/2010/main" val="2913365724"/>
+        <p14:creationId xmlns:p14="http://schemas.microsoft.com/office/powerpoint/2010/main" val="3535594649"/>
       </p:ext>
     </p:extLst>
   </p:cSld>
@@ -1945,7 +1944,7 @@
     </p:spTree>
     <p:extLst>
       <p:ext uri="{BB962C8B-B14F-4D97-AF65-F5344CB8AC3E}">
-        <p14:creationId xmlns:p14="http://schemas.microsoft.com/office/powerpoint/2010/main" val="3535594649"/>
+        <p14:creationId xmlns:p14="http://schemas.microsoft.com/office/powerpoint/2010/main" val="822159873"/>
       </p:ext>
     </p:extLst>
   </p:cSld>
@@ -2037,7 +2036,7 @@
     </p:spTree>
     <p:extLst>
       <p:ext uri="{BB962C8B-B14F-4D97-AF65-F5344CB8AC3E}">
-        <p14:creationId xmlns:p14="http://schemas.microsoft.com/office/powerpoint/2010/main" val="822159873"/>
+        <p14:creationId xmlns:p14="http://schemas.microsoft.com/office/powerpoint/2010/main" val="1406038784"/>
       </p:ext>
     </p:extLst>
   </p:cSld>
@@ -2129,7 +2128,7 @@
     </p:spTree>
     <p:extLst>
       <p:ext uri="{BB962C8B-B14F-4D97-AF65-F5344CB8AC3E}">
-        <p14:creationId xmlns:p14="http://schemas.microsoft.com/office/powerpoint/2010/main" val="1406038784"/>
+        <p14:creationId xmlns:p14="http://schemas.microsoft.com/office/powerpoint/2010/main" val="256884753"/>
       </p:ext>
     </p:extLst>
   </p:cSld>
@@ -2221,7 +2220,7 @@
     </p:spTree>
     <p:extLst>
       <p:ext uri="{BB962C8B-B14F-4D97-AF65-F5344CB8AC3E}">
-        <p14:creationId xmlns:p14="http://schemas.microsoft.com/office/powerpoint/2010/main" val="256884753"/>
+        <p14:creationId xmlns:p14="http://schemas.microsoft.com/office/powerpoint/2010/main" val="3715801088"/>
       </p:ext>
     </p:extLst>
   </p:cSld>
@@ -2313,7 +2312,7 @@
     </p:spTree>
     <p:extLst>
       <p:ext uri="{BB962C8B-B14F-4D97-AF65-F5344CB8AC3E}">
-        <p14:creationId xmlns:p14="http://schemas.microsoft.com/office/powerpoint/2010/main" val="3715801088"/>
+        <p14:creationId xmlns:p14="http://schemas.microsoft.com/office/powerpoint/2010/main" val="2507727043"/>
       </p:ext>
     </p:extLst>
   </p:cSld>
@@ -2405,7 +2404,7 @@
     </p:spTree>
     <p:extLst>
       <p:ext uri="{BB962C8B-B14F-4D97-AF65-F5344CB8AC3E}">
-        <p14:creationId xmlns:p14="http://schemas.microsoft.com/office/powerpoint/2010/main" val="2507727043"/>
+        <p14:creationId xmlns:p14="http://schemas.microsoft.com/office/powerpoint/2010/main" val="1240888541"/>
       </p:ext>
     </p:extLst>
   </p:cSld>
@@ -2497,7 +2496,7 @@
     </p:spTree>
     <p:extLst>
       <p:ext uri="{BB962C8B-B14F-4D97-AF65-F5344CB8AC3E}">
-        <p14:creationId xmlns:p14="http://schemas.microsoft.com/office/powerpoint/2010/main" val="1240888541"/>
+        <p14:creationId xmlns:p14="http://schemas.microsoft.com/office/powerpoint/2010/main" val="1239415132"/>
       </p:ext>
     </p:extLst>
   </p:cSld>
@@ -2589,7 +2588,7 @@
     </p:spTree>
     <p:extLst>
       <p:ext uri="{BB962C8B-B14F-4D97-AF65-F5344CB8AC3E}">
-        <p14:creationId xmlns:p14="http://schemas.microsoft.com/office/powerpoint/2010/main" val="1239415132"/>
+        <p14:creationId xmlns:p14="http://schemas.microsoft.com/office/powerpoint/2010/main" val="3964084450"/>
       </p:ext>
     </p:extLst>
   </p:cSld>
@@ -2765,7 +2764,7 @@
     </p:spTree>
     <p:extLst>
       <p:ext uri="{BB962C8B-B14F-4D97-AF65-F5344CB8AC3E}">
-        <p14:creationId xmlns:p14="http://schemas.microsoft.com/office/powerpoint/2010/main" val="3964084450"/>
+        <p14:creationId xmlns:p14="http://schemas.microsoft.com/office/powerpoint/2010/main" val="1220508838"/>
       </p:ext>
     </p:extLst>
   </p:cSld>
@@ -2857,7 +2856,7 @@
     </p:spTree>
     <p:extLst>
       <p:ext uri="{BB962C8B-B14F-4D97-AF65-F5344CB8AC3E}">
-        <p14:creationId xmlns:p14="http://schemas.microsoft.com/office/powerpoint/2010/main" val="1220508838"/>
+        <p14:creationId xmlns:p14="http://schemas.microsoft.com/office/powerpoint/2010/main" val="654125181"/>
       </p:ext>
     </p:extLst>
   </p:cSld>
@@ -2941,98 +2940,6 @@
             <a:fld id="{26B73DD2-7024-4392-BB7D-4C384C2651C0}" type="slidenum">
               <a:rPr lang="en-US" smtClean="0"/>
               <a:t>33</a:t>
-            </a:fld>
-            <a:endParaRPr lang="en-US"/>
-          </a:p>
-        </p:txBody>
-      </p:sp>
-    </p:spTree>
-    <p:extLst>
-      <p:ext uri="{BB962C8B-B14F-4D97-AF65-F5344CB8AC3E}">
-        <p14:creationId xmlns:p14="http://schemas.microsoft.com/office/powerpoint/2010/main" val="654125181"/>
-      </p:ext>
-    </p:extLst>
-  </p:cSld>
-  <p:clrMapOvr>
-    <a:masterClrMapping/>
-  </p:clrMapOvr>
-</p:notes>
-</file>
-
-<file path=ppt/notesSlides/notesSlide33.xml><?xml version="1.0" encoding="utf-8"?>
-<p:notes xmlns:a="http://schemas.openxmlformats.org/drawingml/2006/main" xmlns:r="http://schemas.openxmlformats.org/officeDocument/2006/relationships" xmlns:p="http://schemas.openxmlformats.org/presentationml/2006/main">
-  <p:cSld>
-    <p:spTree>
-      <p:nvGrpSpPr>
-        <p:cNvPr id="1" name=""/>
-        <p:cNvGrpSpPr/>
-        <p:nvPr/>
-      </p:nvGrpSpPr>
-      <p:grpSpPr>
-        <a:xfrm>
-          <a:off x="0" y="0"/>
-          <a:ext cx="0" cy="0"/>
-          <a:chOff x="0" y="0"/>
-          <a:chExt cx="0" cy="0"/>
-        </a:xfrm>
-      </p:grpSpPr>
-      <p:sp>
-        <p:nvSpPr>
-          <p:cNvPr id="2" name="Slide Image Placeholder 1"/>
-          <p:cNvSpPr>
-            <a:spLocks noGrp="1" noRot="1" noChangeAspect="1"/>
-          </p:cNvSpPr>
-          <p:nvPr>
-            <p:ph type="sldImg"/>
-          </p:nvPr>
-        </p:nvSpPr>
-        <p:spPr/>
-      </p:sp>
-      <p:sp>
-        <p:nvSpPr>
-          <p:cNvPr id="3" name="Notes Placeholder 2"/>
-          <p:cNvSpPr>
-            <a:spLocks noGrp="1"/>
-          </p:cNvSpPr>
-          <p:nvPr>
-            <p:ph type="body" idx="1"/>
-          </p:nvPr>
-        </p:nvSpPr>
-        <p:spPr/>
-        <p:txBody>
-          <a:bodyPr/>
-          <a:lstStyle/>
-          <a:p>
-            <a:endParaRPr lang="en-US" sz="1200" b="0" i="0" kern="1200" dirty="0" smtClean="0">
-              <a:solidFill>
-                <a:schemeClr val="tx1"/>
-              </a:solidFill>
-              <a:effectLst/>
-              <a:latin typeface="+mn-lt"/>
-              <a:ea typeface="+mn-ea"/>
-              <a:cs typeface="+mn-cs"/>
-            </a:endParaRPr>
-          </a:p>
-        </p:txBody>
-      </p:sp>
-      <p:sp>
-        <p:nvSpPr>
-          <p:cNvPr id="4" name="Slide Number Placeholder 3"/>
-          <p:cNvSpPr>
-            <a:spLocks noGrp="1"/>
-          </p:cNvSpPr>
-          <p:nvPr>
-            <p:ph type="sldNum" sz="quarter" idx="10"/>
-          </p:nvPr>
-        </p:nvSpPr>
-        <p:spPr/>
-        <p:txBody>
-          <a:bodyPr/>
-          <a:lstStyle/>
-          <a:p>
-            <a:fld id="{26B73DD2-7024-4392-BB7D-4C384C2651C0}" type="slidenum">
-              <a:rPr lang="en-US" smtClean="0"/>
-              <a:t>34</a:t>
             </a:fld>
             <a:endParaRPr lang="en-US"/>
           </a:p>
@@ -3539,18 +3446,6 @@
           <a:bodyPr/>
           <a:lstStyle/>
           <a:p>
-            <a:r>
-              <a:rPr lang="en-US" sz="1200" b="1" i="0" kern="1200" dirty="0" smtClean="0">
-                <a:solidFill>
-                  <a:schemeClr val="tx1"/>
-                </a:solidFill>
-                <a:effectLst/>
-                <a:latin typeface="+mn-lt"/>
-                <a:ea typeface="+mn-ea"/>
-                <a:cs typeface="+mn-cs"/>
-              </a:rPr>
-              <a:t>The distance between Quartile1 (Q1) and Quartile3 (Q3) is called as __________ and it helps to understand ___________ of process variation.</a:t>
-            </a:r>
             <a:endParaRPr lang="en-US" sz="1200" b="0" i="0" kern="1200" dirty="0" smtClean="0">
               <a:solidFill>
                 <a:schemeClr val="tx1"/>
@@ -3561,73 +3456,6 @@
               <a:cs typeface="+mn-cs"/>
             </a:endParaRPr>
           </a:p>
-          <a:p>
-            <a:r>
-              <a:rPr lang="en-US" sz="1200" b="0" i="0" kern="1200" dirty="0" smtClean="0">
-                <a:solidFill>
-                  <a:schemeClr val="tx1"/>
-                </a:solidFill>
-                <a:effectLst/>
-                <a:latin typeface="+mn-lt"/>
-                <a:ea typeface="+mn-ea"/>
-                <a:cs typeface="+mn-cs"/>
-              </a:rPr>
-              <a:t>Inter Quartile Range and Width</a:t>
-            </a:r>
-          </a:p>
-          <a:p>
-            <a:r>
-              <a:rPr lang="en-US" sz="1200" b="0" i="0" kern="1200" dirty="0" smtClean="0">
-                <a:solidFill>
-                  <a:schemeClr val="tx1"/>
-                </a:solidFill>
-                <a:effectLst/>
-                <a:latin typeface="+mn-lt"/>
-                <a:ea typeface="+mn-ea"/>
-                <a:cs typeface="+mn-cs"/>
-              </a:rPr>
-              <a:t>Quartile Range and Height</a:t>
-            </a:r>
-          </a:p>
-          <a:p>
-            <a:r>
-              <a:rPr lang="en-US" sz="1200" b="0" i="0" kern="1200" dirty="0" smtClean="0">
-                <a:solidFill>
-                  <a:schemeClr val="tx1"/>
-                </a:solidFill>
-                <a:effectLst/>
-                <a:latin typeface="+mn-lt"/>
-                <a:ea typeface="+mn-ea"/>
-                <a:cs typeface="+mn-cs"/>
-              </a:rPr>
-              <a:t>Quartile 2 and Width</a:t>
-            </a:r>
-          </a:p>
-          <a:p>
-            <a:r>
-              <a:rPr lang="en-US" sz="1200" b="0" i="0" kern="1200" smtClean="0">
-                <a:solidFill>
-                  <a:schemeClr val="tx1"/>
-                </a:solidFill>
-                <a:effectLst/>
-                <a:latin typeface="+mn-lt"/>
-                <a:ea typeface="+mn-ea"/>
-                <a:cs typeface="+mn-cs"/>
-              </a:rPr>
-              <a:t>Median and Width</a:t>
-            </a:r>
-          </a:p>
-          <a:p>
-            <a:endParaRPr lang="en-US" sz="1200" b="0" i="0" kern="1200" dirty="0" smtClean="0">
-              <a:solidFill>
-                <a:schemeClr val="tx1"/>
-              </a:solidFill>
-              <a:effectLst/>
-              <a:latin typeface="+mn-lt"/>
-              <a:ea typeface="+mn-ea"/>
-              <a:cs typeface="+mn-cs"/>
-            </a:endParaRPr>
-          </a:p>
         </p:txBody>
       </p:sp>
       <p:sp>
@@ -3656,7 +3484,7 @@
     </p:spTree>
     <p:extLst>
       <p:ext uri="{BB962C8B-B14F-4D97-AF65-F5344CB8AC3E}">
-        <p14:creationId xmlns:p14="http://schemas.microsoft.com/office/powerpoint/2010/main" val="3812757679"/>
+        <p14:creationId xmlns:p14="http://schemas.microsoft.com/office/powerpoint/2010/main" val="4031439070"/>
       </p:ext>
     </p:extLst>
   </p:cSld>
@@ -3797,7 +3625,7 @@
           <a:p>
             <a:fld id="{F2B7C803-E72F-4B88-834D-BFB303F90182}" type="datetimeFigureOut">
               <a:rPr lang="en-US" smtClean="0"/>
-              <a:t>7/28/2018</a:t>
+              <a:t>7/30/2018</a:t>
             </a:fld>
             <a:endParaRPr lang="en-US"/>
           </a:p>
@@ -3967,7 +3795,7 @@
           <a:p>
             <a:fld id="{F2B7C803-E72F-4B88-834D-BFB303F90182}" type="datetimeFigureOut">
               <a:rPr lang="en-US" smtClean="0"/>
-              <a:t>7/28/2018</a:t>
+              <a:t>7/30/2018</a:t>
             </a:fld>
             <a:endParaRPr lang="en-US"/>
           </a:p>
@@ -4147,7 +3975,7 @@
           <a:p>
             <a:fld id="{F2B7C803-E72F-4B88-834D-BFB303F90182}" type="datetimeFigureOut">
               <a:rPr lang="en-US" smtClean="0"/>
-              <a:t>7/28/2018</a:t>
+              <a:t>7/30/2018</a:t>
             </a:fld>
             <a:endParaRPr lang="en-US"/>
           </a:p>
@@ -4317,7 +4145,7 @@
           <a:p>
             <a:fld id="{F2B7C803-E72F-4B88-834D-BFB303F90182}" type="datetimeFigureOut">
               <a:rPr lang="en-US" smtClean="0"/>
-              <a:t>7/28/2018</a:t>
+              <a:t>7/30/2018</a:t>
             </a:fld>
             <a:endParaRPr lang="en-US"/>
           </a:p>
@@ -4563,7 +4391,7 @@
           <a:p>
             <a:fld id="{F2B7C803-E72F-4B88-834D-BFB303F90182}" type="datetimeFigureOut">
               <a:rPr lang="en-US" smtClean="0"/>
-              <a:t>7/28/2018</a:t>
+              <a:t>7/30/2018</a:t>
             </a:fld>
             <a:endParaRPr lang="en-US"/>
           </a:p>
@@ -4795,7 +4623,7 @@
           <a:p>
             <a:fld id="{F2B7C803-E72F-4B88-834D-BFB303F90182}" type="datetimeFigureOut">
               <a:rPr lang="en-US" smtClean="0"/>
-              <a:t>7/28/2018</a:t>
+              <a:t>7/30/2018</a:t>
             </a:fld>
             <a:endParaRPr lang="en-US"/>
           </a:p>
@@ -5162,7 +4990,7 @@
           <a:p>
             <a:fld id="{F2B7C803-E72F-4B88-834D-BFB303F90182}" type="datetimeFigureOut">
               <a:rPr lang="en-US" smtClean="0"/>
-              <a:t>7/28/2018</a:t>
+              <a:t>7/30/2018</a:t>
             </a:fld>
             <a:endParaRPr lang="en-US"/>
           </a:p>
@@ -5280,7 +5108,7 @@
           <a:p>
             <a:fld id="{F2B7C803-E72F-4B88-834D-BFB303F90182}" type="datetimeFigureOut">
               <a:rPr lang="en-US" smtClean="0"/>
-              <a:t>7/28/2018</a:t>
+              <a:t>7/30/2018</a:t>
             </a:fld>
             <a:endParaRPr lang="en-US"/>
           </a:p>
@@ -5375,7 +5203,7 @@
           <a:p>
             <a:fld id="{F2B7C803-E72F-4B88-834D-BFB303F90182}" type="datetimeFigureOut">
               <a:rPr lang="en-US" smtClean="0"/>
-              <a:t>7/28/2018</a:t>
+              <a:t>7/30/2018</a:t>
             </a:fld>
             <a:endParaRPr lang="en-US"/>
           </a:p>
@@ -5652,7 +5480,7 @@
           <a:p>
             <a:fld id="{F2B7C803-E72F-4B88-834D-BFB303F90182}" type="datetimeFigureOut">
               <a:rPr lang="en-US" smtClean="0"/>
-              <a:t>7/28/2018</a:t>
+              <a:t>7/30/2018</a:t>
             </a:fld>
             <a:endParaRPr lang="en-US"/>
           </a:p>
@@ -5905,7 +5733,7 @@
           <a:p>
             <a:fld id="{F2B7C803-E72F-4B88-834D-BFB303F90182}" type="datetimeFigureOut">
               <a:rPr lang="en-US" smtClean="0"/>
-              <a:t>7/28/2018</a:t>
+              <a:t>7/30/2018</a:t>
             </a:fld>
             <a:endParaRPr lang="en-US"/>
           </a:p>
@@ -6132,7 +5960,7 @@
           <a:p>
             <a:fld id="{F2B7C803-E72F-4B88-834D-BFB303F90182}" type="datetimeFigureOut">
               <a:rPr lang="en-US" smtClean="0"/>
-              <a:t>7/28/2018</a:t>
+              <a:t>7/30/2018</a:t>
             </a:fld>
             <a:endParaRPr lang="en-US"/>
           </a:p>
@@ -6699,7 +6527,7 @@
         <p:spPr>
           <a:xfrm>
             <a:off x="838200" y="401200"/>
-            <a:ext cx="10515600" cy="2651489"/>
+            <a:ext cx="10515600" cy="3274329"/>
           </a:xfrm>
         </p:spPr>
         <p:txBody>
@@ -6725,7 +6553,39 @@
                   <a:srgbClr val="7030A0"/>
                 </a:solidFill>
               </a:rPr>
-              <a:t>The Pareto Graph is used to represent ____________ scale of measurement.</a:t>
+              <a:t>In a project, defect density </a:t>
+            </a:r>
+            <a:r>
+              <a:rPr lang="en-US" sz="2400" b="1" dirty="0">
+                <a:solidFill>
+                  <a:srgbClr val="FF0000"/>
+                </a:solidFill>
+              </a:rPr>
+              <a:t>increases</a:t>
+            </a:r>
+            <a:r>
+              <a:rPr lang="en-US" sz="2400" b="1" dirty="0">
+                <a:solidFill>
+                  <a:srgbClr val="7030A0"/>
+                </a:solidFill>
+              </a:rPr>
+              <a:t> and Productivity </a:t>
+            </a:r>
+            <a:r>
+              <a:rPr lang="en-US" sz="2400" b="1" dirty="0">
+                <a:solidFill>
+                  <a:srgbClr val="FF0000"/>
+                </a:solidFill>
+              </a:rPr>
+              <a:t>decreases</a:t>
+            </a:r>
+            <a:r>
+              <a:rPr lang="en-US" sz="2400" b="1" dirty="0">
+                <a:solidFill>
+                  <a:srgbClr val="7030A0"/>
+                </a:solidFill>
+              </a:rPr>
+              <a:t> in subsequent releases. Indicate what kind of relationship that you can interpret in this pair (x, y)?</a:t>
             </a:r>
             <a:r>
               <a:rPr lang="en-US" sz="2400" dirty="0">
@@ -6743,42 +6603,64 @@
               </a:rPr>
             </a:br>
             <a:r>
+              <a:rPr lang="en-US" sz="2400" dirty="0" smtClean="0">
+                <a:solidFill>
+                  <a:srgbClr val="7030A0"/>
+                </a:solidFill>
+              </a:rPr>
+              <a:t>	</a:t>
+            </a:r>
+            <a:r>
               <a:rPr lang="en-US" sz="2400" dirty="0" smtClean="0"/>
-              <a:t>	Nominal</a:t>
+              <a:t>Weak </a:t>
             </a:r>
             <a:r>
               <a:rPr lang="en-US" sz="2400" dirty="0"/>
-              <a:t/>
+              <a:t>Positive Correlation</a:t>
             </a:r>
             <a:br>
               <a:rPr lang="en-US" sz="2400" dirty="0"/>
             </a:br>
             <a:r>
               <a:rPr lang="en-US" sz="2400" dirty="0" smtClean="0"/>
-              <a:t>	Ordinal</a:t>
+              <a:t>	Strong </a:t>
             </a:r>
             <a:r>
               <a:rPr lang="en-US" sz="2400" dirty="0"/>
-              <a:t/>
+              <a:t>Negative Correlation</a:t>
             </a:r>
             <a:br>
               <a:rPr lang="en-US" sz="2400" dirty="0"/>
             </a:br>
             <a:r>
               <a:rPr lang="en-US" sz="2400" dirty="0" smtClean="0"/>
-              <a:t>	Ratio</a:t>
+              <a:t>	No </a:t>
             </a:r>
             <a:r>
               <a:rPr lang="en-US" sz="2400" dirty="0"/>
-              <a:t/>
+              <a:t>relation</a:t>
             </a:r>
             <a:br>
               <a:rPr lang="en-US" sz="2400" dirty="0"/>
             </a:br>
             <a:r>
               <a:rPr lang="en-US" sz="2400" dirty="0" smtClean="0"/>
-              <a:t>	Interval</a:t>
-            </a:r>
+              <a:t>	Strong </a:t>
+            </a:r>
+            <a:r>
+              <a:rPr lang="en-US" sz="2400" dirty="0"/>
+              <a:t>Positive Correlation</a:t>
+            </a:r>
+            <a:br>
+              <a:rPr lang="en-US" sz="2400" dirty="0"/>
+            </a:br>
+            <a:r>
+              <a:rPr lang="en-US" sz="2400" dirty="0"/>
+              <a:t/>
+            </a:r>
+            <a:br>
+              <a:rPr lang="en-US" sz="2400" dirty="0"/>
+            </a:br>
             <a:endParaRPr lang="en-US" sz="2400" dirty="0"/>
           </a:p>
         </p:txBody>
@@ -6814,7 +6696,15 @@
             </a:r>
             <a:r>
               <a:rPr lang="en-US" sz="2400" b="1" dirty="0" smtClean="0"/>
-              <a:t>	Nominal</a:t>
+              <a:t>	</a:t>
+            </a:r>
+            <a:r>
+              <a:rPr lang="en-US" sz="2400" dirty="0" smtClean="0"/>
+              <a:t> Strong Negative Correlation </a:t>
+            </a:r>
+            <a:r>
+              <a:rPr lang="en-US" sz="2400" b="1" dirty="0" smtClean="0"/>
+              <a:t>	</a:t>
             </a:r>
             <a:endParaRPr lang="en-US" sz="2400" dirty="0" smtClean="0"/>
           </a:p>
@@ -6894,10 +6784,103 @@
           </a:p>
         </p:txBody>
       </p:sp>
+      <p:pic>
+        <p:nvPicPr>
+          <p:cNvPr id="11" name="Picture 10"/>
+          <p:cNvPicPr>
+            <a:picLocks noChangeAspect="1"/>
+          </p:cNvPicPr>
+          <p:nvPr/>
+        </p:nvPicPr>
+        <p:blipFill>
+          <a:blip r:embed="rId4"/>
+          <a:stretch>
+            <a:fillRect/>
+          </a:stretch>
+        </p:blipFill>
+        <p:spPr>
+          <a:xfrm>
+            <a:off x="6207573" y="1479665"/>
+            <a:ext cx="5984428" cy="5390931"/>
+          </a:xfrm>
+          <a:prstGeom prst="rect">
+            <a:avLst/>
+          </a:prstGeom>
+        </p:spPr>
+      </p:pic>
+      <p:sp>
+        <p:nvSpPr>
+          <p:cNvPr id="12" name="TextBox 11"/>
+          <p:cNvSpPr txBox="1"/>
+          <p:nvPr/>
+        </p:nvSpPr>
+        <p:spPr>
+          <a:xfrm rot="16200000">
+            <a:off x="5487686" y="3623772"/>
+            <a:ext cx="2721642" cy="707886"/>
+          </a:xfrm>
+          <a:prstGeom prst="rect">
+            <a:avLst/>
+          </a:prstGeom>
+          <a:noFill/>
+        </p:spPr>
+        <p:txBody>
+          <a:bodyPr wrap="none" rtlCol="0">
+            <a:spAutoFit/>
+          </a:bodyPr>
+          <a:lstStyle/>
+          <a:p>
+            <a:r>
+              <a:rPr lang="en-US" sz="4000" b="1" dirty="0" smtClean="0">
+                <a:solidFill>
+                  <a:srgbClr val="FF0000"/>
+                </a:solidFill>
+              </a:rPr>
+              <a:t>Productivity</a:t>
+            </a:r>
+            <a:endParaRPr lang="en-US" sz="4000" b="1" dirty="0">
+              <a:solidFill>
+                <a:srgbClr val="FF0000"/>
+              </a:solidFill>
+            </a:endParaRPr>
+          </a:p>
+        </p:txBody>
+      </p:sp>
+      <p:cxnSp>
+        <p:nvCxnSpPr>
+          <p:cNvPr id="14" name="Straight Connector 13"/>
+          <p:cNvCxnSpPr/>
+          <p:nvPr/>
+        </p:nvCxnSpPr>
+        <p:spPr>
+          <a:xfrm>
+            <a:off x="7647709" y="2876204"/>
+            <a:ext cx="3706091" cy="2511722"/>
+          </a:xfrm>
+          <a:prstGeom prst="line">
+            <a:avLst/>
+          </a:prstGeom>
+          <a:ln w="76200"/>
+        </p:spPr>
+        <p:style>
+          <a:lnRef idx="3">
+            <a:schemeClr val="accent2"/>
+          </a:lnRef>
+          <a:fillRef idx="0">
+            <a:schemeClr val="accent2"/>
+          </a:fillRef>
+          <a:effectRef idx="2">
+            <a:schemeClr val="accent2"/>
+          </a:effectRef>
+          <a:fontRef idx="minor">
+            <a:schemeClr val="tx1"/>
+          </a:fontRef>
+        </p:style>
+      </p:cxnSp>
     </p:spTree>
     <p:extLst>
       <p:ext uri="{BB962C8B-B14F-4D97-AF65-F5344CB8AC3E}">
-        <p14:creationId xmlns:p14="http://schemas.microsoft.com/office/powerpoint/2010/main" val="1274464266"/>
+        <p14:creationId xmlns:p14="http://schemas.microsoft.com/office/powerpoint/2010/main" val="1215985137"/>
       </p:ext>
     </p:extLst>
   </p:cSld>
@@ -7107,6 +7090,94 @@
                       </p:childTnLst>
                     </p:cTn>
                   </p:par>
+                  <p:par>
+                    <p:cTn id="19" fill="hold">
+                      <p:stCondLst>
+                        <p:cond delay="indefinite"/>
+                      </p:stCondLst>
+                      <p:childTnLst>
+                        <p:par>
+                          <p:cTn id="20" fill="hold">
+                            <p:stCondLst>
+                              <p:cond delay="0"/>
+                            </p:stCondLst>
+                            <p:childTnLst>
+                              <p:par>
+                                <p:cTn id="21" presetID="10" presetClass="entr" presetSubtype="0" fill="hold" nodeType="clickEffect">
+                                  <p:stCondLst>
+                                    <p:cond delay="0"/>
+                                  </p:stCondLst>
+                                  <p:childTnLst>
+                                    <p:set>
+                                      <p:cBhvr>
+                                        <p:cTn id="22" dur="1" fill="hold">
+                                          <p:stCondLst>
+                                            <p:cond delay="0"/>
+                                          </p:stCondLst>
+                                        </p:cTn>
+                                        <p:tgtEl>
+                                          <p:spTgt spid="11"/>
+                                        </p:tgtEl>
+                                        <p:attrNameLst>
+                                          <p:attrName>style.visibility</p:attrName>
+                                        </p:attrNameLst>
+                                      </p:cBhvr>
+                                      <p:to>
+                                        <p:strVal val="visible"/>
+                                      </p:to>
+                                    </p:set>
+                                    <p:animEffect transition="in" filter="fade">
+                                      <p:cBhvr>
+                                        <p:cTn id="23" dur="500"/>
+                                        <p:tgtEl>
+                                          <p:spTgt spid="11"/>
+                                        </p:tgtEl>
+                                      </p:cBhvr>
+                                    </p:animEffect>
+                                  </p:childTnLst>
+                                </p:cTn>
+                              </p:par>
+                              <p:par>
+                                <p:cTn id="24" presetID="10" presetClass="entr" presetSubtype="0" fill="hold" grpId="0" nodeType="withEffect">
+                                  <p:stCondLst>
+                                    <p:cond delay="0"/>
+                                  </p:stCondLst>
+                                  <p:childTnLst>
+                                    <p:set>
+                                      <p:cBhvr>
+                                        <p:cTn id="25" dur="1" fill="hold">
+                                          <p:stCondLst>
+                                            <p:cond delay="0"/>
+                                          </p:stCondLst>
+                                        </p:cTn>
+                                        <p:tgtEl>
+                                          <p:spTgt spid="12"/>
+                                        </p:tgtEl>
+                                        <p:attrNameLst>
+                                          <p:attrName>style.visibility</p:attrName>
+                                        </p:attrNameLst>
+                                      </p:cBhvr>
+                                      <p:to>
+                                        <p:strVal val="visible"/>
+                                      </p:to>
+                                    </p:set>
+                                    <p:animEffect transition="in" filter="fade">
+                                      <p:cBhvr>
+                                        <p:cTn id="26" dur="500"/>
+                                        <p:tgtEl>
+                                          <p:spTgt spid="12"/>
+                                        </p:tgtEl>
+                                      </p:cBhvr>
+                                    </p:animEffect>
+                                  </p:childTnLst>
+                                </p:cTn>
+                              </p:par>
+                            </p:childTnLst>
+                          </p:cTn>
+                        </p:par>
+                      </p:childTnLst>
+                    </p:cTn>
+                  </p:par>
                 </p:childTnLst>
               </p:cTn>
               <p:prevCondLst>
@@ -7132,6 +7203,7 @@
       <p:bldP spid="2" grpId="0"/>
       <p:bldP spid="3" grpId="0" build="p"/>
       <p:bldP spid="4" grpId="0" animBg="1"/>
+      <p:bldP spid="12" grpId="0"/>
     </p:bldLst>
   </p:timing>
 </p:sld>
@@ -7167,7 +7239,7 @@
         <p:spPr>
           <a:xfrm>
             <a:off x="838200" y="401200"/>
-            <a:ext cx="10515600" cy="3274329"/>
+            <a:ext cx="10515600" cy="2651489"/>
           </a:xfrm>
         </p:spPr>
         <p:txBody>
@@ -7186,88 +7258,6 @@
             </a:r>
             <a:br>
               <a:rPr lang="en-US" sz="2400" b="1" dirty="0" smtClean="0"/>
-            </a:br>
-            <a:r>
-              <a:rPr lang="en-US" sz="2400" b="1" dirty="0">
-                <a:solidFill>
-                  <a:srgbClr val="7030A0"/>
-                </a:solidFill>
-              </a:rPr>
-              <a:t>In a project, defect density increases and Productivity decreases in subsequent releases. Indicate what kind of relationship that you can interpret in this pair (x, y)?</a:t>
-            </a:r>
-            <a:r>
-              <a:rPr lang="en-US" sz="2400" dirty="0">
-                <a:solidFill>
-                  <a:srgbClr val="7030A0"/>
-                </a:solidFill>
-              </a:rPr>
-              <a:t/>
-            </a:r>
-            <a:br>
-              <a:rPr lang="en-US" sz="2400" dirty="0">
-                <a:solidFill>
-                  <a:srgbClr val="7030A0"/>
-                </a:solidFill>
-              </a:rPr>
-            </a:br>
-            <a:r>
-              <a:rPr lang="en-US" sz="2400" dirty="0" smtClean="0">
-                <a:solidFill>
-                  <a:srgbClr val="7030A0"/>
-                </a:solidFill>
-              </a:rPr>
-              <a:t>	</a:t>
-            </a:r>
-            <a:r>
-              <a:rPr lang="en-US" sz="2400" dirty="0" smtClean="0"/>
-              <a:t>Weak </a:t>
-            </a:r>
-            <a:r>
-              <a:rPr lang="en-US" sz="2400" dirty="0"/>
-              <a:t>Positive Correlation</a:t>
-            </a:r>
-            <a:br>
-              <a:rPr lang="en-US" sz="2400" dirty="0"/>
-            </a:br>
-            <a:r>
-              <a:rPr lang="en-US" sz="2400" dirty="0" smtClean="0"/>
-              <a:t>	Strong </a:t>
-            </a:r>
-            <a:r>
-              <a:rPr lang="en-US" sz="2400" dirty="0"/>
-              <a:t>Negative Correlation</a:t>
-            </a:r>
-            <a:br>
-              <a:rPr lang="en-US" sz="2400" dirty="0"/>
-            </a:br>
-            <a:r>
-              <a:rPr lang="en-US" sz="2400" dirty="0" smtClean="0"/>
-              <a:t>	No </a:t>
-            </a:r>
-            <a:r>
-              <a:rPr lang="en-US" sz="2400" dirty="0"/>
-              <a:t>relation</a:t>
-            </a:r>
-            <a:br>
-              <a:rPr lang="en-US" sz="2400" dirty="0"/>
-            </a:br>
-            <a:r>
-              <a:rPr lang="en-US" sz="2400" dirty="0" smtClean="0"/>
-              <a:t>	Strong </a:t>
-            </a:r>
-            <a:r>
-              <a:rPr lang="en-US" sz="2400" dirty="0"/>
-              <a:t>Positive Correlation</a:t>
-            </a:r>
-            <a:br>
-              <a:rPr lang="en-US" sz="2400" dirty="0"/>
-            </a:br>
-            <a:r>
-              <a:rPr lang="en-US" sz="2400" dirty="0"/>
-              <a:t/>
-            </a:r>
-            <a:br>
-              <a:rPr lang="en-US" sz="2400" dirty="0"/>
             </a:br>
             <a:endParaRPr lang="en-US" sz="2400" dirty="0"/>
           </a:p>
@@ -7301,14 +7291,6 @@
             <a:r>
               <a:rPr lang="en-US" sz="2400" b="1" u="sng" dirty="0" smtClean="0"/>
               <a:t>Answer:</a:t>
-            </a:r>
-            <a:r>
-              <a:rPr lang="en-US" sz="2400" b="1" dirty="0" smtClean="0"/>
-              <a:t>	</a:t>
-            </a:r>
-            <a:r>
-              <a:rPr lang="en-US" sz="2400" dirty="0" smtClean="0"/>
-              <a:t> Strong Negative Correlation </a:t>
             </a:r>
             <a:r>
               <a:rPr lang="en-US" sz="2400" b="1" dirty="0" smtClean="0"/>
@@ -7395,7 +7377,7 @@
     </p:spTree>
     <p:extLst>
       <p:ext uri="{BB962C8B-B14F-4D97-AF65-F5344CB8AC3E}">
-        <p14:creationId xmlns:p14="http://schemas.microsoft.com/office/powerpoint/2010/main" val="1215985137"/>
+        <p14:creationId xmlns:p14="http://schemas.microsoft.com/office/powerpoint/2010/main" val="1388989086"/>
       </p:ext>
     </p:extLst>
   </p:cSld>
@@ -7636,414 +7618,6 @@
 </file>
 
 <file path=ppt/slides/slide12.xml><?xml version="1.0" encoding="utf-8"?>
-<p:sld xmlns:a="http://schemas.openxmlformats.org/drawingml/2006/main" xmlns:r="http://schemas.openxmlformats.org/officeDocument/2006/relationships" xmlns:p="http://schemas.openxmlformats.org/presentationml/2006/main">
-  <p:cSld>
-    <p:spTree>
-      <p:nvGrpSpPr>
-        <p:cNvPr id="1" name=""/>
-        <p:cNvGrpSpPr/>
-        <p:nvPr/>
-      </p:nvGrpSpPr>
-      <p:grpSpPr>
-        <a:xfrm>
-          <a:off x="0" y="0"/>
-          <a:ext cx="0" cy="0"/>
-          <a:chOff x="0" y="0"/>
-          <a:chExt cx="0" cy="0"/>
-        </a:xfrm>
-      </p:grpSpPr>
-      <p:sp>
-        <p:nvSpPr>
-          <p:cNvPr id="2" name="Title 1"/>
-          <p:cNvSpPr>
-            <a:spLocks noGrp="1"/>
-          </p:cNvSpPr>
-          <p:nvPr>
-            <p:ph type="title"/>
-          </p:nvPr>
-        </p:nvSpPr>
-        <p:spPr>
-          <a:xfrm>
-            <a:off x="838200" y="401200"/>
-            <a:ext cx="10515600" cy="2651489"/>
-          </a:xfrm>
-        </p:spPr>
-        <p:txBody>
-          <a:bodyPr>
-            <a:noAutofit/>
-          </a:bodyPr>
-          <a:lstStyle/>
-          <a:p>
-            <a:r>
-              <a:rPr lang="en-US" sz="2400" b="1" u="sng" dirty="0" smtClean="0"/>
-              <a:t>Question: </a:t>
-            </a:r>
-            <a:r>
-              <a:rPr lang="en-US" sz="2400" b="1" dirty="0" smtClean="0"/>
-              <a:t/>
-            </a:r>
-            <a:br>
-              <a:rPr lang="en-US" sz="2400" b="1" dirty="0" smtClean="0"/>
-            </a:br>
-            <a:endParaRPr lang="en-US" sz="2400" dirty="0"/>
-          </a:p>
-        </p:txBody>
-      </p:sp>
-      <p:sp>
-        <p:nvSpPr>
-          <p:cNvPr id="3" name="Content Placeholder 2"/>
-          <p:cNvSpPr>
-            <a:spLocks noGrp="1"/>
-          </p:cNvSpPr>
-          <p:nvPr>
-            <p:ph idx="1"/>
-          </p:nvPr>
-        </p:nvSpPr>
-        <p:spPr>
-          <a:xfrm>
-            <a:off x="838200" y="3052689"/>
-            <a:ext cx="10515600" cy="2335237"/>
-          </a:xfrm>
-        </p:spPr>
-        <p:txBody>
-          <a:bodyPr>
-            <a:normAutofit/>
-          </a:bodyPr>
-          <a:lstStyle/>
-          <a:p>
-            <a:pPr marL="0" indent="0">
-              <a:buNone/>
-            </a:pPr>
-            <a:r>
-              <a:rPr lang="en-US" sz="2400" b="1" u="sng" dirty="0" smtClean="0"/>
-              <a:t>Answer:</a:t>
-            </a:r>
-            <a:r>
-              <a:rPr lang="en-US" sz="2400" b="1" dirty="0" smtClean="0"/>
-              <a:t>	</a:t>
-            </a:r>
-            <a:endParaRPr lang="en-US" sz="2400" dirty="0" smtClean="0"/>
-          </a:p>
-          <a:p>
-            <a:pPr marL="0" indent="0">
-              <a:buNone/>
-            </a:pPr>
-            <a:r>
-              <a:rPr lang="en-US" sz="2400" b="1" u="sng" dirty="0" smtClean="0"/>
-              <a:t>Explanation: </a:t>
-            </a:r>
-          </a:p>
-          <a:p>
-            <a:pPr marL="0" indent="0">
-              <a:buNone/>
-            </a:pPr>
-            <a:endParaRPr lang="en-US" sz="2400" dirty="0"/>
-          </a:p>
-        </p:txBody>
-      </p:sp>
-      <p:sp>
-        <p:nvSpPr>
-          <p:cNvPr id="4" name="Rectangle 3"/>
-          <p:cNvSpPr/>
-          <p:nvPr/>
-        </p:nvSpPr>
-        <p:spPr>
-          <a:xfrm>
-            <a:off x="838200" y="5992297"/>
-            <a:ext cx="10515600" cy="646331"/>
-          </a:xfrm>
-          <a:prstGeom prst="rect">
-            <a:avLst/>
-          </a:prstGeom>
-          <a:blipFill>
-            <a:blip r:embed="rId3"/>
-            <a:tile tx="0" ty="0" sx="100000" sy="100000" flip="none" algn="tl"/>
-          </a:blipFill>
-          <a:effectLst>
-            <a:outerShdw blurRad="50800" dist="38100" dir="13500000" algn="br" rotWithShape="0">
-              <a:prstClr val="black">
-                <a:alpha val="40000"/>
-              </a:prstClr>
-            </a:outerShdw>
-          </a:effectLst>
-        </p:spPr>
-        <p:txBody>
-          <a:bodyPr wrap="square">
-            <a:spAutoFit/>
-          </a:bodyPr>
-          <a:lstStyle/>
-          <a:p>
-            <a:pPr algn="ctr"/>
-            <a:r>
-              <a:rPr lang="en-US" sz="3600" dirty="0" smtClean="0">
-                <a:ln w="0"/>
-                <a:effectLst>
-                  <a:outerShdw blurRad="38100" dist="19050" dir="2700000" algn="tl" rotWithShape="0">
-                    <a:schemeClr val="dk1">
-                      <a:alpha val="40000"/>
-                    </a:schemeClr>
-                  </a:outerShdw>
-                </a:effectLst>
-              </a:rPr>
-              <a:t>Data Visualization</a:t>
-            </a:r>
-            <a:endParaRPr lang="en-US" sz="3600" dirty="0">
-              <a:ln w="0"/>
-              <a:effectLst>
-                <a:outerShdw blurRad="38100" dist="19050" dir="2700000" algn="tl" rotWithShape="0">
-                  <a:schemeClr val="dk1">
-                    <a:alpha val="40000"/>
-                  </a:schemeClr>
-                </a:outerShdw>
-              </a:effectLst>
-            </a:endParaRPr>
-          </a:p>
-        </p:txBody>
-      </p:sp>
-    </p:spTree>
-    <p:extLst>
-      <p:ext uri="{BB962C8B-B14F-4D97-AF65-F5344CB8AC3E}">
-        <p14:creationId xmlns:p14="http://schemas.microsoft.com/office/powerpoint/2010/main" val="1388989086"/>
-      </p:ext>
-    </p:extLst>
-  </p:cSld>
-  <p:clrMapOvr>
-    <a:masterClrMapping/>
-  </p:clrMapOvr>
-  <p:timing>
-    <p:tnLst>
-      <p:par>
-        <p:cTn id="1" dur="indefinite" restart="never" nodeType="tmRoot">
-          <p:childTnLst>
-            <p:seq concurrent="1" nextAc="seek">
-              <p:cTn id="2" dur="indefinite" nodeType="mainSeq">
-                <p:childTnLst>
-                  <p:par>
-                    <p:cTn id="3" fill="hold">
-                      <p:stCondLst>
-                        <p:cond delay="indefinite"/>
-                        <p:cond evt="onBegin" delay="0">
-                          <p:tn val="2"/>
-                        </p:cond>
-                      </p:stCondLst>
-                      <p:childTnLst>
-                        <p:par>
-                          <p:cTn id="4" fill="hold">
-                            <p:stCondLst>
-                              <p:cond delay="0"/>
-                            </p:stCondLst>
-                            <p:childTnLst>
-                              <p:par>
-                                <p:cTn id="5" presetID="22" presetClass="entr" presetSubtype="4" fill="hold" grpId="0" nodeType="withEffect">
-                                  <p:stCondLst>
-                                    <p:cond delay="0"/>
-                                  </p:stCondLst>
-                                  <p:childTnLst>
-                                    <p:set>
-                                      <p:cBhvr>
-                                        <p:cTn id="6" dur="1" fill="hold">
-                                          <p:stCondLst>
-                                            <p:cond delay="0"/>
-                                          </p:stCondLst>
-                                        </p:cTn>
-                                        <p:tgtEl>
-                                          <p:spTgt spid="4"/>
-                                        </p:tgtEl>
-                                        <p:attrNameLst>
-                                          <p:attrName>style.visibility</p:attrName>
-                                        </p:attrNameLst>
-                                      </p:cBhvr>
-                                      <p:to>
-                                        <p:strVal val="visible"/>
-                                      </p:to>
-                                    </p:set>
-                                    <p:animEffect transition="in" filter="wipe(down)">
-                                      <p:cBhvr>
-                                        <p:cTn id="7" dur="500"/>
-                                        <p:tgtEl>
-                                          <p:spTgt spid="4"/>
-                                        </p:tgtEl>
-                                      </p:cBhvr>
-                                    </p:animEffect>
-                                  </p:childTnLst>
-                                </p:cTn>
-                              </p:par>
-                              <p:par>
-                                <p:cTn id="8" presetID="10" presetClass="entr" presetSubtype="0" fill="hold" grpId="0" nodeType="withEffect">
-                                  <p:stCondLst>
-                                    <p:cond delay="0"/>
-                                  </p:stCondLst>
-                                  <p:childTnLst>
-                                    <p:set>
-                                      <p:cBhvr>
-                                        <p:cTn id="9" dur="1" fill="hold">
-                                          <p:stCondLst>
-                                            <p:cond delay="0"/>
-                                          </p:stCondLst>
-                                        </p:cTn>
-                                        <p:tgtEl>
-                                          <p:spTgt spid="2"/>
-                                        </p:tgtEl>
-                                        <p:attrNameLst>
-                                          <p:attrName>style.visibility</p:attrName>
-                                        </p:attrNameLst>
-                                      </p:cBhvr>
-                                      <p:to>
-                                        <p:strVal val="visible"/>
-                                      </p:to>
-                                    </p:set>
-                                    <p:animEffect transition="in" filter="fade">
-                                      <p:cBhvr>
-                                        <p:cTn id="10" dur="500"/>
-                                        <p:tgtEl>
-                                          <p:spTgt spid="2"/>
-                                        </p:tgtEl>
-                                      </p:cBhvr>
-                                    </p:animEffect>
-                                  </p:childTnLst>
-                                </p:cTn>
-                              </p:par>
-                            </p:childTnLst>
-                          </p:cTn>
-                        </p:par>
-                      </p:childTnLst>
-                    </p:cTn>
-                  </p:par>
-                  <p:par>
-                    <p:cTn id="11" fill="hold">
-                      <p:stCondLst>
-                        <p:cond delay="indefinite"/>
-                      </p:stCondLst>
-                      <p:childTnLst>
-                        <p:par>
-                          <p:cTn id="12" fill="hold">
-                            <p:stCondLst>
-                              <p:cond delay="0"/>
-                            </p:stCondLst>
-                            <p:childTnLst>
-                              <p:par>
-                                <p:cTn id="13" presetID="22" presetClass="entr" presetSubtype="8" fill="hold" grpId="0" nodeType="clickEffect">
-                                  <p:stCondLst>
-                                    <p:cond delay="0"/>
-                                  </p:stCondLst>
-                                  <p:childTnLst>
-                                    <p:set>
-                                      <p:cBhvr>
-                                        <p:cTn id="14" dur="1" fill="hold">
-                                          <p:stCondLst>
-                                            <p:cond delay="0"/>
-                                          </p:stCondLst>
-                                        </p:cTn>
-                                        <p:tgtEl>
-                                          <p:spTgt spid="3">
-                                            <p:txEl>
-                                              <p:pRg st="0" end="0"/>
-                                            </p:txEl>
-                                          </p:spTgt>
-                                        </p:tgtEl>
-                                        <p:attrNameLst>
-                                          <p:attrName>style.visibility</p:attrName>
-                                        </p:attrNameLst>
-                                      </p:cBhvr>
-                                      <p:to>
-                                        <p:strVal val="visible"/>
-                                      </p:to>
-                                    </p:set>
-                                    <p:animEffect transition="in" filter="wipe(left)">
-                                      <p:cBhvr>
-                                        <p:cTn id="15" dur="500"/>
-                                        <p:tgtEl>
-                                          <p:spTgt spid="3">
-                                            <p:txEl>
-                                              <p:pRg st="0" end="0"/>
-                                            </p:txEl>
-                                          </p:spTgt>
-                                        </p:tgtEl>
-                                      </p:cBhvr>
-                                    </p:animEffect>
-                                  </p:childTnLst>
-                                </p:cTn>
-                              </p:par>
-                              <p:par>
-                                <p:cTn id="16" presetID="22" presetClass="entr" presetSubtype="8" fill="hold" grpId="0" nodeType="withEffect">
-                                  <p:stCondLst>
-                                    <p:cond delay="0"/>
-                                  </p:stCondLst>
-                                  <p:childTnLst>
-                                    <p:set>
-                                      <p:cBhvr>
-                                        <p:cTn id="17" dur="1" fill="hold">
-                                          <p:stCondLst>
-                                            <p:cond delay="0"/>
-                                          </p:stCondLst>
-                                        </p:cTn>
-                                        <p:tgtEl>
-                                          <p:spTgt spid="3">
-                                            <p:txEl>
-                                              <p:pRg st="1" end="1"/>
-                                            </p:txEl>
-                                          </p:spTgt>
-                                        </p:tgtEl>
-                                        <p:attrNameLst>
-                                          <p:attrName>style.visibility</p:attrName>
-                                        </p:attrNameLst>
-                                      </p:cBhvr>
-                                      <p:to>
-                                        <p:strVal val="visible"/>
-                                      </p:to>
-                                    </p:set>
-                                    <p:animEffect transition="in" filter="wipe(left)">
-                                      <p:cBhvr>
-                                        <p:cTn id="18" dur="500"/>
-                                        <p:tgtEl>
-                                          <p:spTgt spid="3">
-                                            <p:txEl>
-                                              <p:pRg st="1" end="1"/>
-                                            </p:txEl>
-                                          </p:spTgt>
-                                        </p:tgtEl>
-                                      </p:cBhvr>
-                                    </p:animEffect>
-                                  </p:childTnLst>
-                                </p:cTn>
-                              </p:par>
-                            </p:childTnLst>
-                          </p:cTn>
-                        </p:par>
-                      </p:childTnLst>
-                    </p:cTn>
-                  </p:par>
-                </p:childTnLst>
-              </p:cTn>
-              <p:prevCondLst>
-                <p:cond evt="onPrev" delay="0">
-                  <p:tgtEl>
-                    <p:sldTgt/>
-                  </p:tgtEl>
-                </p:cond>
-              </p:prevCondLst>
-              <p:nextCondLst>
-                <p:cond evt="onNext" delay="0">
-                  <p:tgtEl>
-                    <p:sldTgt/>
-                  </p:tgtEl>
-                </p:cond>
-              </p:nextCondLst>
-            </p:seq>
-          </p:childTnLst>
-        </p:cTn>
-      </p:par>
-    </p:tnLst>
-    <p:bldLst>
-      <p:bldP spid="2" grpId="0"/>
-      <p:bldP spid="3" grpId="0" build="p"/>
-      <p:bldP spid="4" grpId="0" animBg="1"/>
-    </p:bldLst>
-  </p:timing>
-</p:sld>
-</file>
-
-<file path=ppt/slides/slide13.xml><?xml version="1.0" encoding="utf-8"?>
 <p:sld xmlns:a="http://schemas.openxmlformats.org/drawingml/2006/main" xmlns:r="http://schemas.openxmlformats.org/officeDocument/2006/relationships" xmlns:p="http://schemas.openxmlformats.org/presentationml/2006/main">
   <p:cSld>
     <p:spTree>
@@ -9124,7 +8698,7 @@
 </p:sld>
 </file>
 
-<file path=ppt/slides/slide14.xml><?xml version="1.0" encoding="utf-8"?>
+<file path=ppt/slides/slide13.xml><?xml version="1.0" encoding="utf-8"?>
 <p:sld xmlns:a="http://schemas.openxmlformats.org/drawingml/2006/main" xmlns:r="http://schemas.openxmlformats.org/officeDocument/2006/relationships" xmlns:p="http://schemas.openxmlformats.org/presentationml/2006/main">
   <p:cSld>
     <p:spTree>
@@ -9331,6 +8905,485 @@
     <p:extLst>
       <p:ext uri="{BB962C8B-B14F-4D97-AF65-F5344CB8AC3E}">
         <p14:creationId xmlns:p14="http://schemas.microsoft.com/office/powerpoint/2010/main" val="2180408121"/>
+      </p:ext>
+    </p:extLst>
+  </p:cSld>
+  <p:clrMapOvr>
+    <a:masterClrMapping/>
+  </p:clrMapOvr>
+  <p:timing>
+    <p:tnLst>
+      <p:par>
+        <p:cTn id="1" dur="indefinite" restart="never" nodeType="tmRoot">
+          <p:childTnLst>
+            <p:seq concurrent="1" nextAc="seek">
+              <p:cTn id="2" dur="indefinite" nodeType="mainSeq">
+                <p:childTnLst>
+                  <p:par>
+                    <p:cTn id="3" fill="hold">
+                      <p:stCondLst>
+                        <p:cond delay="indefinite"/>
+                        <p:cond evt="onBegin" delay="0">
+                          <p:tn val="2"/>
+                        </p:cond>
+                      </p:stCondLst>
+                      <p:childTnLst>
+                        <p:par>
+                          <p:cTn id="4" fill="hold">
+                            <p:stCondLst>
+                              <p:cond delay="0"/>
+                            </p:stCondLst>
+                            <p:childTnLst>
+                              <p:par>
+                                <p:cTn id="5" presetID="22" presetClass="entr" presetSubtype="4" fill="hold" grpId="0" nodeType="withEffect">
+                                  <p:stCondLst>
+                                    <p:cond delay="0"/>
+                                  </p:stCondLst>
+                                  <p:childTnLst>
+                                    <p:set>
+                                      <p:cBhvr>
+                                        <p:cTn id="6" dur="1" fill="hold">
+                                          <p:stCondLst>
+                                            <p:cond delay="0"/>
+                                          </p:stCondLst>
+                                        </p:cTn>
+                                        <p:tgtEl>
+                                          <p:spTgt spid="4"/>
+                                        </p:tgtEl>
+                                        <p:attrNameLst>
+                                          <p:attrName>style.visibility</p:attrName>
+                                        </p:attrNameLst>
+                                      </p:cBhvr>
+                                      <p:to>
+                                        <p:strVal val="visible"/>
+                                      </p:to>
+                                    </p:set>
+                                    <p:animEffect transition="in" filter="wipe(down)">
+                                      <p:cBhvr>
+                                        <p:cTn id="7" dur="500"/>
+                                        <p:tgtEl>
+                                          <p:spTgt spid="4"/>
+                                        </p:tgtEl>
+                                      </p:cBhvr>
+                                    </p:animEffect>
+                                  </p:childTnLst>
+                                </p:cTn>
+                              </p:par>
+                              <p:par>
+                                <p:cTn id="8" presetID="10" presetClass="entr" presetSubtype="0" fill="hold" grpId="0" nodeType="withEffect">
+                                  <p:stCondLst>
+                                    <p:cond delay="0"/>
+                                  </p:stCondLst>
+                                  <p:childTnLst>
+                                    <p:set>
+                                      <p:cBhvr>
+                                        <p:cTn id="9" dur="1" fill="hold">
+                                          <p:stCondLst>
+                                            <p:cond delay="0"/>
+                                          </p:stCondLst>
+                                        </p:cTn>
+                                        <p:tgtEl>
+                                          <p:spTgt spid="2"/>
+                                        </p:tgtEl>
+                                        <p:attrNameLst>
+                                          <p:attrName>style.visibility</p:attrName>
+                                        </p:attrNameLst>
+                                      </p:cBhvr>
+                                      <p:to>
+                                        <p:strVal val="visible"/>
+                                      </p:to>
+                                    </p:set>
+                                    <p:animEffect transition="in" filter="fade">
+                                      <p:cBhvr>
+                                        <p:cTn id="10" dur="500"/>
+                                        <p:tgtEl>
+                                          <p:spTgt spid="2"/>
+                                        </p:tgtEl>
+                                      </p:cBhvr>
+                                    </p:animEffect>
+                                  </p:childTnLst>
+                                </p:cTn>
+                              </p:par>
+                            </p:childTnLst>
+                          </p:cTn>
+                        </p:par>
+                      </p:childTnLst>
+                    </p:cTn>
+                  </p:par>
+                  <p:par>
+                    <p:cTn id="11" fill="hold">
+                      <p:stCondLst>
+                        <p:cond delay="indefinite"/>
+                      </p:stCondLst>
+                      <p:childTnLst>
+                        <p:par>
+                          <p:cTn id="12" fill="hold">
+                            <p:stCondLst>
+                              <p:cond delay="0"/>
+                            </p:stCondLst>
+                            <p:childTnLst>
+                              <p:par>
+                                <p:cTn id="13" presetID="22" presetClass="entr" presetSubtype="8" fill="hold" grpId="0" nodeType="clickEffect">
+                                  <p:stCondLst>
+                                    <p:cond delay="0"/>
+                                  </p:stCondLst>
+                                  <p:childTnLst>
+                                    <p:set>
+                                      <p:cBhvr>
+                                        <p:cTn id="14" dur="1" fill="hold">
+                                          <p:stCondLst>
+                                            <p:cond delay="0"/>
+                                          </p:stCondLst>
+                                        </p:cTn>
+                                        <p:tgtEl>
+                                          <p:spTgt spid="3">
+                                            <p:txEl>
+                                              <p:pRg st="0" end="0"/>
+                                            </p:txEl>
+                                          </p:spTgt>
+                                        </p:tgtEl>
+                                        <p:attrNameLst>
+                                          <p:attrName>style.visibility</p:attrName>
+                                        </p:attrNameLst>
+                                      </p:cBhvr>
+                                      <p:to>
+                                        <p:strVal val="visible"/>
+                                      </p:to>
+                                    </p:set>
+                                    <p:animEffect transition="in" filter="wipe(left)">
+                                      <p:cBhvr>
+                                        <p:cTn id="15" dur="500"/>
+                                        <p:tgtEl>
+                                          <p:spTgt spid="3">
+                                            <p:txEl>
+                                              <p:pRg st="0" end="0"/>
+                                            </p:txEl>
+                                          </p:spTgt>
+                                        </p:tgtEl>
+                                      </p:cBhvr>
+                                    </p:animEffect>
+                                  </p:childTnLst>
+                                </p:cTn>
+                              </p:par>
+                              <p:par>
+                                <p:cTn id="16" presetID="22" presetClass="entr" presetSubtype="8" fill="hold" grpId="0" nodeType="withEffect">
+                                  <p:stCondLst>
+                                    <p:cond delay="0"/>
+                                  </p:stCondLst>
+                                  <p:childTnLst>
+                                    <p:set>
+                                      <p:cBhvr>
+                                        <p:cTn id="17" dur="1" fill="hold">
+                                          <p:stCondLst>
+                                            <p:cond delay="0"/>
+                                          </p:stCondLst>
+                                        </p:cTn>
+                                        <p:tgtEl>
+                                          <p:spTgt spid="3">
+                                            <p:txEl>
+                                              <p:pRg st="1" end="1"/>
+                                            </p:txEl>
+                                          </p:spTgt>
+                                        </p:tgtEl>
+                                        <p:attrNameLst>
+                                          <p:attrName>style.visibility</p:attrName>
+                                        </p:attrNameLst>
+                                      </p:cBhvr>
+                                      <p:to>
+                                        <p:strVal val="visible"/>
+                                      </p:to>
+                                    </p:set>
+                                    <p:animEffect transition="in" filter="wipe(left)">
+                                      <p:cBhvr>
+                                        <p:cTn id="18" dur="500"/>
+                                        <p:tgtEl>
+                                          <p:spTgt spid="3">
+                                            <p:txEl>
+                                              <p:pRg st="1" end="1"/>
+                                            </p:txEl>
+                                          </p:spTgt>
+                                        </p:tgtEl>
+                                      </p:cBhvr>
+                                    </p:animEffect>
+                                  </p:childTnLst>
+                                </p:cTn>
+                              </p:par>
+                            </p:childTnLst>
+                          </p:cTn>
+                        </p:par>
+                      </p:childTnLst>
+                    </p:cTn>
+                  </p:par>
+                </p:childTnLst>
+              </p:cTn>
+              <p:prevCondLst>
+                <p:cond evt="onPrev" delay="0">
+                  <p:tgtEl>
+                    <p:sldTgt/>
+                  </p:tgtEl>
+                </p:cond>
+              </p:prevCondLst>
+              <p:nextCondLst>
+                <p:cond evt="onNext" delay="0">
+                  <p:tgtEl>
+                    <p:sldTgt/>
+                  </p:tgtEl>
+                </p:cond>
+              </p:nextCondLst>
+            </p:seq>
+          </p:childTnLst>
+        </p:cTn>
+      </p:par>
+    </p:tnLst>
+    <p:bldLst>
+      <p:bldP spid="2" grpId="0"/>
+      <p:bldP spid="3" grpId="0" build="p"/>
+      <p:bldP spid="4" grpId="0" animBg="1"/>
+    </p:bldLst>
+  </p:timing>
+</p:sld>
+</file>
+
+<file path=ppt/slides/slide14.xml><?xml version="1.0" encoding="utf-8"?>
+<p:sld xmlns:a="http://schemas.openxmlformats.org/drawingml/2006/main" xmlns:r="http://schemas.openxmlformats.org/officeDocument/2006/relationships" xmlns:p="http://schemas.openxmlformats.org/presentationml/2006/main">
+  <p:cSld>
+    <p:spTree>
+      <p:nvGrpSpPr>
+        <p:cNvPr id="1" name=""/>
+        <p:cNvGrpSpPr/>
+        <p:nvPr/>
+      </p:nvGrpSpPr>
+      <p:grpSpPr>
+        <a:xfrm>
+          <a:off x="0" y="0"/>
+          <a:ext cx="0" cy="0"/>
+          <a:chOff x="0" y="0"/>
+          <a:chExt cx="0" cy="0"/>
+        </a:xfrm>
+      </p:grpSpPr>
+      <p:sp>
+        <p:nvSpPr>
+          <p:cNvPr id="2" name="Title 1"/>
+          <p:cNvSpPr>
+            <a:spLocks noGrp="1"/>
+          </p:cNvSpPr>
+          <p:nvPr>
+            <p:ph type="title"/>
+          </p:nvPr>
+        </p:nvSpPr>
+        <p:spPr>
+          <a:xfrm>
+            <a:off x="838200" y="401200"/>
+            <a:ext cx="10515600" cy="2651489"/>
+          </a:xfrm>
+        </p:spPr>
+        <p:txBody>
+          <a:bodyPr>
+            <a:noAutofit/>
+          </a:bodyPr>
+          <a:lstStyle/>
+          <a:p>
+            <a:r>
+              <a:rPr lang="en-US" sz="2400" b="1" u="sng" dirty="0" smtClean="0"/>
+              <a:t>Question: </a:t>
+            </a:r>
+            <a:r>
+              <a:rPr lang="en-US" sz="2400" b="1" dirty="0" smtClean="0"/>
+              <a:t/>
+            </a:r>
+            <a:br>
+              <a:rPr lang="en-US" sz="2400" b="1" dirty="0" smtClean="0"/>
+            </a:br>
+            <a:r>
+              <a:rPr lang="en-US" sz="2400" b="1" dirty="0">
+                <a:solidFill>
+                  <a:srgbClr val="7030A0"/>
+                </a:solidFill>
+              </a:rPr>
+              <a:t>What is the percentage of perfection in a process operating at +/- 3 Sigma level</a:t>
+            </a:r>
+            <a:r>
+              <a:rPr lang="en-US" sz="2400" dirty="0">
+                <a:solidFill>
+                  <a:srgbClr val="7030A0"/>
+                </a:solidFill>
+              </a:rPr>
+              <a:t/>
+            </a:r>
+            <a:br>
+              <a:rPr lang="en-US" sz="2400" dirty="0">
+                <a:solidFill>
+                  <a:srgbClr val="7030A0"/>
+                </a:solidFill>
+              </a:rPr>
+            </a:br>
+            <a:r>
+              <a:rPr lang="en-US" sz="2400" dirty="0" smtClean="0">
+                <a:solidFill>
+                  <a:srgbClr val="7030A0"/>
+                </a:solidFill>
+              </a:rPr>
+              <a:t>	</a:t>
+            </a:r>
+            <a:r>
+              <a:rPr lang="en-US" sz="2400" dirty="0" smtClean="0"/>
+              <a:t>99.999660 </a:t>
+            </a:r>
+            <a:r>
+              <a:rPr lang="en-US" sz="2400" dirty="0"/>
+              <a:t>%</a:t>
+            </a:r>
+            <a:br>
+              <a:rPr lang="en-US" sz="2400" dirty="0"/>
+            </a:br>
+            <a:r>
+              <a:rPr lang="en-US" sz="2400" dirty="0" smtClean="0"/>
+              <a:t>	99.999999</a:t>
+            </a:r>
+            <a:r>
+              <a:rPr lang="en-US" sz="2400" dirty="0"/>
+              <a:t>. %</a:t>
+            </a:r>
+            <a:br>
+              <a:rPr lang="en-US" sz="2400" dirty="0"/>
+            </a:br>
+            <a:r>
+              <a:rPr lang="en-US" sz="2400" dirty="0" smtClean="0"/>
+              <a:t>	99.976700 </a:t>
+            </a:r>
+            <a:r>
+              <a:rPr lang="en-US" sz="2400" dirty="0"/>
+              <a:t>%</a:t>
+            </a:r>
+            <a:br>
+              <a:rPr lang="en-US" sz="2400" dirty="0"/>
+            </a:br>
+            <a:r>
+              <a:rPr lang="en-US" sz="2400" dirty="0" smtClean="0"/>
+              <a:t>	3.4 DPMO</a:t>
+            </a:r>
+            <a:endParaRPr lang="en-US" sz="2400" dirty="0"/>
+          </a:p>
+        </p:txBody>
+      </p:sp>
+      <p:sp>
+        <p:nvSpPr>
+          <p:cNvPr id="3" name="Content Placeholder 2"/>
+          <p:cNvSpPr>
+            <a:spLocks noGrp="1"/>
+          </p:cNvSpPr>
+          <p:nvPr>
+            <p:ph idx="1"/>
+          </p:nvPr>
+        </p:nvSpPr>
+        <p:spPr>
+          <a:xfrm>
+            <a:off x="838200" y="3052689"/>
+            <a:ext cx="10515600" cy="2335237"/>
+          </a:xfrm>
+        </p:spPr>
+        <p:txBody>
+          <a:bodyPr>
+            <a:normAutofit/>
+          </a:bodyPr>
+          <a:lstStyle/>
+          <a:p>
+            <a:pPr marL="0" indent="0">
+              <a:buNone/>
+            </a:pPr>
+            <a:r>
+              <a:rPr lang="en-US" sz="2400" b="1" u="sng" dirty="0" smtClean="0"/>
+              <a:t>Answer:</a:t>
+            </a:r>
+            <a:r>
+              <a:rPr lang="en-US" sz="2400" b="1" dirty="0" smtClean="0"/>
+              <a:t>	</a:t>
+            </a:r>
+            <a:r>
+              <a:rPr lang="en-US" sz="2400" dirty="0" smtClean="0"/>
+              <a:t> 99.976700 %</a:t>
+            </a:r>
+          </a:p>
+          <a:p>
+            <a:pPr marL="0" indent="0">
+              <a:buNone/>
+            </a:pPr>
+            <a:r>
+              <a:rPr lang="en-US" sz="2400" b="1" u="sng" dirty="0" smtClean="0"/>
+              <a:t>Explanation: </a:t>
+            </a:r>
+          </a:p>
+          <a:p>
+            <a:pPr marL="0" indent="0">
+              <a:buNone/>
+            </a:pPr>
+            <a:endParaRPr lang="en-US" sz="2400" dirty="0"/>
+          </a:p>
+        </p:txBody>
+      </p:sp>
+      <p:sp>
+        <p:nvSpPr>
+          <p:cNvPr id="4" name="Rectangle 3"/>
+          <p:cNvSpPr/>
+          <p:nvPr/>
+        </p:nvSpPr>
+        <p:spPr>
+          <a:xfrm>
+            <a:off x="838200" y="5992297"/>
+            <a:ext cx="10515600" cy="646331"/>
+          </a:xfrm>
+          <a:prstGeom prst="rect">
+            <a:avLst/>
+          </a:prstGeom>
+          <a:blipFill>
+            <a:blip r:embed="rId3"/>
+            <a:tile tx="0" ty="0" sx="100000" sy="100000" flip="none" algn="tl"/>
+          </a:blipFill>
+          <a:effectLst>
+            <a:outerShdw blurRad="50800" dist="38100" dir="13500000" algn="br" rotWithShape="0">
+              <a:prstClr val="black">
+                <a:alpha val="40000"/>
+              </a:prstClr>
+            </a:outerShdw>
+          </a:effectLst>
+        </p:spPr>
+        <p:txBody>
+          <a:bodyPr wrap="square">
+            <a:spAutoFit/>
+          </a:bodyPr>
+          <a:lstStyle/>
+          <a:p>
+            <a:pPr algn="ctr"/>
+            <a:r>
+              <a:rPr lang="en-US" sz="3600" dirty="0" smtClean="0">
+                <a:ln w="0"/>
+                <a:effectLst>
+                  <a:outerShdw blurRad="38100" dist="19050" dir="2700000" algn="tl" rotWithShape="0">
+                    <a:schemeClr val="dk1">
+                      <a:alpha val="40000"/>
+                    </a:schemeClr>
+                  </a:outerShdw>
+                </a:effectLst>
+              </a:rPr>
+              <a:t>Basic Statistics</a:t>
+            </a:r>
+            <a:endParaRPr lang="en-US" sz="3600" dirty="0">
+              <a:ln w="0"/>
+              <a:effectLst>
+                <a:outerShdw blurRad="38100" dist="19050" dir="2700000" algn="tl" rotWithShape="0">
+                  <a:schemeClr val="dk1">
+                    <a:alpha val="40000"/>
+                  </a:schemeClr>
+                </a:outerShdw>
+              </a:effectLst>
+            </a:endParaRPr>
+          </a:p>
+        </p:txBody>
+      </p:sp>
+    </p:spTree>
+    <p:extLst>
+      <p:ext uri="{BB962C8B-B14F-4D97-AF65-F5344CB8AC3E}">
+        <p14:creationId xmlns:p14="http://schemas.microsoft.com/office/powerpoint/2010/main" val="23230468"/>
       </p:ext>
     </p:extLst>
   </p:cSld>
@@ -9599,8 +9652,8 @@
         </p:nvSpPr>
         <p:spPr>
           <a:xfrm>
-            <a:off x="838200" y="401200"/>
-            <a:ext cx="10515600" cy="2651489"/>
+            <a:off x="401781" y="1498480"/>
+            <a:ext cx="11790219" cy="2047118"/>
           </a:xfrm>
         </p:spPr>
         <p:txBody>
@@ -9610,26 +9663,31 @@
           <a:lstStyle/>
           <a:p>
             <a:r>
-              <a:rPr lang="en-US" sz="2400" b="1" u="sng" dirty="0" smtClean="0"/>
+              <a:rPr lang="en-US" sz="3200" b="1" u="sng" dirty="0" smtClean="0"/>
               <a:t>Question: </a:t>
             </a:r>
             <a:r>
-              <a:rPr lang="en-US" sz="2400" b="1" dirty="0" smtClean="0"/>
-              <a:t/>
-            </a:r>
-            <a:br>
-              <a:rPr lang="en-US" sz="2400" b="1" dirty="0" smtClean="0"/>
-            </a:br>
-            <a:r>
-              <a:rPr lang="en-US" sz="2400" b="1" dirty="0">
+              <a:rPr lang="en-US" sz="3200" b="1" dirty="0"/>
+              <a:t> </a:t>
+            </a:r>
+            <a:r>
+              <a:rPr lang="en-US" sz="3200" b="1" dirty="0" smtClean="0">
                 <a:solidFill>
                   <a:srgbClr val="7030A0"/>
                 </a:solidFill>
               </a:rPr>
-              <a:t>What is the percentage of perfection in a process operating at +/- 3 Sigma level</a:t>
-            </a:r>
-            <a:r>
-              <a:rPr lang="en-US" sz="2400" dirty="0">
+              <a:t>Which </a:t>
+            </a:r>
+            <a:r>
+              <a:rPr lang="en-US" sz="3200" b="1" dirty="0">
+                <a:solidFill>
+                  <a:srgbClr val="7030A0"/>
+                </a:solidFill>
+              </a:rPr>
+              <a:t>of the following is NOT an advantage of </a:t>
+            </a:r>
+            <a:r>
+              <a:rPr lang="en-US" sz="3200" b="1" dirty="0" smtClean="0">
                 <a:solidFill>
                   <a:srgbClr val="7030A0"/>
                 </a:solidFill>
@@ -9637,58 +9695,181 @@
               <a:t/>
             </a:r>
             <a:br>
-              <a:rPr lang="en-US" sz="2400" dirty="0">
+              <a:rPr lang="en-US" sz="3200" b="1" dirty="0" smtClean="0">
                 <a:solidFill>
                   <a:srgbClr val="7030A0"/>
                 </a:solidFill>
               </a:rPr>
             </a:br>
             <a:r>
-              <a:rPr lang="en-US" sz="2400" dirty="0" smtClean="0">
+              <a:rPr lang="en-US" sz="3200" b="1" dirty="0" smtClean="0">
                 <a:solidFill>
                   <a:srgbClr val="7030A0"/>
                 </a:solidFill>
               </a:rPr>
+              <a:t>using </a:t>
+            </a:r>
+            <a:r>
+              <a:rPr lang="en-US" sz="3200" b="1" dirty="0">
+                <a:solidFill>
+                  <a:srgbClr val="7030A0"/>
+                </a:solidFill>
+              </a:rPr>
+              <a:t>a median?</a:t>
+            </a:r>
+            <a:r>
+              <a:rPr lang="en-US" sz="3200" dirty="0">
+                <a:solidFill>
+                  <a:srgbClr val="7030A0"/>
+                </a:solidFill>
+              </a:rPr>
+              <a:t/>
+            </a:r>
+            <a:br>
+              <a:rPr lang="en-US" sz="3200" dirty="0">
+                <a:solidFill>
+                  <a:srgbClr val="7030A0"/>
+                </a:solidFill>
+              </a:rPr>
+            </a:br>
+            <a:r>
+              <a:rPr lang="en-US" sz="3200" dirty="0" smtClean="0"/>
               <a:t>	</a:t>
             </a:r>
             <a:r>
-              <a:rPr lang="en-US" sz="2400" dirty="0" smtClean="0"/>
-              <a:t>99.999660 </a:t>
-            </a:r>
-            <a:r>
-              <a:rPr lang="en-US" sz="2400" dirty="0"/>
-              <a:t>%</a:t>
+              <a:rPr lang="en-US" sz="3200" dirty="0" smtClean="0"/>
+              <a:t>1. Extreme </a:t>
+            </a:r>
+            <a:r>
+              <a:rPr lang="en-US" sz="3200" dirty="0"/>
+              <a:t>values do not affect the median as strongly as </a:t>
+            </a:r>
+            <a:r>
+              <a:rPr lang="en-US" sz="3200" dirty="0" smtClean="0"/>
+              <a:t>			they </a:t>
+            </a:r>
+            <a:r>
+              <a:rPr lang="en-US" sz="3200" dirty="0"/>
+              <a:t>affect Mean</a:t>
+            </a:r>
+            <a:r>
+              <a:rPr lang="en-US" sz="3200" dirty="0">
+                <a:solidFill>
+                  <a:srgbClr val="FF0000"/>
+                </a:solidFill>
+              </a:rPr>
+              <a:t/>
             </a:r>
             <a:br>
-              <a:rPr lang="en-US" sz="2400" dirty="0"/>
+              <a:rPr lang="en-US" sz="3200" dirty="0">
+                <a:solidFill>
+                  <a:srgbClr val="FF0000"/>
+                </a:solidFill>
+              </a:rPr>
             </a:br>
             <a:r>
-              <a:rPr lang="en-US" sz="2400" dirty="0" smtClean="0"/>
-              <a:t>	99.999999</a:t>
-            </a:r>
-            <a:r>
-              <a:rPr lang="en-US" sz="2400" dirty="0"/>
-              <a:t>. %</a:t>
+              <a:rPr lang="en-US" sz="3200" dirty="0" smtClean="0">
+                <a:solidFill>
+                  <a:srgbClr val="FF0000"/>
+                </a:solidFill>
+              </a:rPr>
+              <a:t>	</a:t>
+            </a:r>
+            <a:r>
+              <a:rPr lang="en-US" sz="3200" dirty="0" smtClean="0">
+                <a:solidFill>
+                  <a:srgbClr val="FF0000"/>
+                </a:solidFill>
+              </a:rPr>
+              <a:t>2. A </a:t>
+            </a:r>
+            <a:r>
+              <a:rPr lang="en-US" sz="3200" dirty="0">
+                <a:solidFill>
+                  <a:srgbClr val="FF0000"/>
+                </a:solidFill>
+              </a:rPr>
+              <a:t>median can be calculated for qualitative </a:t>
+            </a:r>
+            <a:r>
+              <a:rPr lang="en-US" sz="3200" dirty="0" smtClean="0">
+                <a:solidFill>
+                  <a:srgbClr val="FF0000"/>
+                </a:solidFill>
+              </a:rPr>
+              <a:t>descriptions</a:t>
+            </a:r>
+            <a:r>
+              <a:rPr lang="en-US" sz="3200" dirty="0"/>
+              <a:t/>
             </a:r>
             <a:br>
-              <a:rPr lang="en-US" sz="2400" dirty="0"/>
+              <a:rPr lang="en-US" sz="3200" dirty="0"/>
             </a:br>
             <a:r>
-              <a:rPr lang="en-US" sz="2400" dirty="0" smtClean="0"/>
-              <a:t>	99.976700 </a:t>
-            </a:r>
-            <a:r>
-              <a:rPr lang="en-US" sz="2400" dirty="0"/>
-              <a:t>%</a:t>
+              <a:rPr lang="en-US" sz="3200" dirty="0" smtClean="0"/>
+              <a:t>	</a:t>
+            </a:r>
+            <a:r>
+              <a:rPr lang="en-US" sz="3200" dirty="0" smtClean="0"/>
+              <a:t>3. Median </a:t>
+            </a:r>
+            <a:r>
+              <a:rPr lang="en-US" sz="3200" dirty="0"/>
+              <a:t>is easy to understand</a:t>
+            </a:r>
+            <a:r>
+              <a:rPr lang="en-US" sz="3200" dirty="0">
+                <a:solidFill>
+                  <a:srgbClr val="FF0000"/>
+                </a:solidFill>
+              </a:rPr>
+              <a:t/>
             </a:r>
             <a:br>
-              <a:rPr lang="en-US" sz="2400" dirty="0"/>
+              <a:rPr lang="en-US" sz="3200" dirty="0">
+                <a:solidFill>
+                  <a:srgbClr val="FF0000"/>
+                </a:solidFill>
+              </a:rPr>
             </a:br>
             <a:r>
-              <a:rPr lang="en-US" sz="2400" dirty="0" smtClean="0"/>
-              <a:t>	3.4 DPMO</a:t>
-            </a:r>
-            <a:endParaRPr lang="en-US" sz="2400" dirty="0"/>
+              <a:rPr lang="en-US" sz="3200" dirty="0" smtClean="0">
+                <a:solidFill>
+                  <a:srgbClr val="FF0000"/>
+                </a:solidFill>
+              </a:rPr>
+              <a:t>	</a:t>
+            </a:r>
+            <a:r>
+              <a:rPr lang="en-US" sz="3200" dirty="0" smtClean="0">
+                <a:solidFill>
+                  <a:srgbClr val="FF0000"/>
+                </a:solidFill>
+              </a:rPr>
+              <a:t>4. Median </a:t>
+            </a:r>
+            <a:r>
+              <a:rPr lang="en-US" sz="3200" dirty="0">
+                <a:solidFill>
+                  <a:srgbClr val="FF0000"/>
+                </a:solidFill>
+              </a:rPr>
+              <a:t>can be calculated even for open-ended </a:t>
+            </a:r>
+            <a:r>
+              <a:rPr lang="en-US" sz="3200" dirty="0" smtClean="0">
+                <a:solidFill>
+                  <a:srgbClr val="FF0000"/>
+                </a:solidFill>
+              </a:rPr>
+              <a:t>classes</a:t>
+            </a:r>
+            <a:endParaRPr lang="en-US" sz="3200" dirty="0">
+              <a:solidFill>
+                <a:srgbClr val="FF0000"/>
+              </a:solidFill>
+            </a:endParaRPr>
           </a:p>
         </p:txBody>
       </p:sp>
@@ -9704,7 +9885,7 @@
         </p:nvSpPr>
         <p:spPr>
           <a:xfrm>
-            <a:off x="838200" y="3052689"/>
+            <a:off x="721822" y="5147843"/>
             <a:ext cx="10515600" cy="2335237"/>
           </a:xfrm>
         </p:spPr>
@@ -9727,7 +9908,7 @@
             </a:r>
             <a:r>
               <a:rPr lang="en-US" sz="2400" dirty="0" smtClean="0"/>
-              <a:t> 99.976700 %</a:t>
+              <a:t> 4</a:t>
             </a:r>
           </a:p>
           <a:p>
@@ -9809,7 +9990,7 @@
     </p:spTree>
     <p:extLst>
       <p:ext uri="{BB962C8B-B14F-4D97-AF65-F5344CB8AC3E}">
-        <p14:creationId xmlns:p14="http://schemas.microsoft.com/office/powerpoint/2010/main" val="23230468"/>
+        <p14:creationId xmlns:p14="http://schemas.microsoft.com/office/powerpoint/2010/main" val="3700790754"/>
       </p:ext>
     </p:extLst>
   </p:cSld>
@@ -10078,7 +10259,7 @@
         </p:nvSpPr>
         <p:spPr>
           <a:xfrm>
-            <a:off x="838200" y="401200"/>
+            <a:off x="838200" y="927071"/>
             <a:ext cx="10515600" cy="2047118"/>
           </a:xfrm>
         </p:spPr>
@@ -10089,26 +10270,31 @@
           <a:lstStyle/>
           <a:p>
             <a:r>
-              <a:rPr lang="en-US" sz="2400" b="1" u="sng" dirty="0" smtClean="0"/>
+              <a:rPr lang="en-US" sz="3600" b="1" u="sng" dirty="0" smtClean="0"/>
               <a:t>Question: </a:t>
             </a:r>
             <a:r>
-              <a:rPr lang="en-US" sz="2400" b="1" dirty="0" smtClean="0"/>
-              <a:t/>
-            </a:r>
-            <a:br>
-              <a:rPr lang="en-US" sz="2400" b="1" dirty="0" smtClean="0"/>
-            </a:br>
-            <a:r>
-              <a:rPr lang="en-US" sz="2400" b="1" dirty="0">
+              <a:rPr lang="en-US" sz="3600" b="1" dirty="0"/>
+              <a:t> </a:t>
+            </a:r>
+            <a:r>
+              <a:rPr lang="en-US" sz="3600" b="1" dirty="0" smtClean="0">
                 <a:solidFill>
                   <a:srgbClr val="7030A0"/>
                 </a:solidFill>
               </a:rPr>
-              <a:t>Which of the following is not a Measure of Central Tendency</a:t>
-            </a:r>
-            <a:r>
-              <a:rPr lang="en-US" sz="2400" dirty="0">
+              <a:t>Which </a:t>
+            </a:r>
+            <a:r>
+              <a:rPr lang="en-US" sz="3600" b="1" dirty="0">
+                <a:solidFill>
+                  <a:srgbClr val="7030A0"/>
+                </a:solidFill>
+              </a:rPr>
+              <a:t>of the following is not a Measure of Central Tendency</a:t>
+            </a:r>
+            <a:r>
+              <a:rPr lang="en-US" sz="3600" dirty="0">
                 <a:solidFill>
                   <a:srgbClr val="7030A0"/>
                 </a:solidFill>
@@ -10116,14 +10302,14 @@
               <a:t/>
             </a:r>
             <a:br>
-              <a:rPr lang="en-US" sz="2400" dirty="0">
+              <a:rPr lang="en-US" sz="3600" dirty="0">
                 <a:solidFill>
                   <a:srgbClr val="7030A0"/>
                 </a:solidFill>
               </a:rPr>
             </a:br>
             <a:r>
-              <a:rPr lang="en-US" sz="2400" dirty="0" smtClean="0">
+              <a:rPr lang="en-US" sz="3600" dirty="0" smtClean="0">
                 <a:solidFill>
                   <a:srgbClr val="7030A0"/>
                 </a:solidFill>
@@ -10131,43 +10317,43 @@
               <a:t>	</a:t>
             </a:r>
             <a:r>
-              <a:rPr lang="en-US" sz="2400" dirty="0" smtClean="0"/>
+              <a:rPr lang="en-US" sz="3600" dirty="0" smtClean="0"/>
               <a:t>Geometric </a:t>
             </a:r>
             <a:r>
-              <a:rPr lang="en-US" sz="2400" dirty="0"/>
+              <a:rPr lang="en-US" sz="3600" dirty="0"/>
               <a:t>Mean</a:t>
             </a:r>
             <a:br>
-              <a:rPr lang="en-US" sz="2400" dirty="0"/>
+              <a:rPr lang="en-US" sz="3600" dirty="0"/>
             </a:br>
             <a:r>
-              <a:rPr lang="en-US" sz="2400" dirty="0" smtClean="0"/>
+              <a:rPr lang="en-US" sz="3600" dirty="0" smtClean="0"/>
               <a:t>	Median</a:t>
             </a:r>
             <a:r>
-              <a:rPr lang="en-US" sz="2400" dirty="0"/>
+              <a:rPr lang="en-US" sz="3600" dirty="0"/>
               <a:t/>
             </a:r>
             <a:br>
-              <a:rPr lang="en-US" sz="2400" dirty="0"/>
+              <a:rPr lang="en-US" sz="3600" dirty="0"/>
             </a:br>
             <a:r>
-              <a:rPr lang="en-US" sz="2400" dirty="0" smtClean="0"/>
+              <a:rPr lang="en-US" sz="3600" dirty="0" smtClean="0"/>
               <a:t>	Mode</a:t>
             </a:r>
             <a:r>
-              <a:rPr lang="en-US" sz="2400" dirty="0"/>
+              <a:rPr lang="en-US" sz="3600" dirty="0"/>
               <a:t/>
             </a:r>
             <a:br>
-              <a:rPr lang="en-US" sz="2400" dirty="0"/>
+              <a:rPr lang="en-US" sz="3600" dirty="0"/>
             </a:br>
             <a:r>
-              <a:rPr lang="en-US" sz="2400" dirty="0" smtClean="0"/>
+              <a:rPr lang="en-US" sz="3600" dirty="0" smtClean="0"/>
               <a:t>	Arithmetic Mean</a:t>
             </a:r>
-            <a:endParaRPr lang="en-US" sz="2400" dirty="0"/>
+            <a:endParaRPr lang="en-US" sz="3600" dirty="0"/>
           </a:p>
         </p:txBody>
       </p:sp>
@@ -10183,7 +10369,7 @@
         </p:nvSpPr>
         <p:spPr>
           <a:xfrm>
-            <a:off x="838200" y="3052689"/>
+            <a:off x="838200" y="3980225"/>
             <a:ext cx="10515600" cy="2335237"/>
           </a:xfrm>
         </p:spPr>
@@ -10197,15 +10383,15 @@
               <a:buNone/>
             </a:pPr>
             <a:r>
-              <a:rPr lang="en-US" sz="2400" b="1" u="sng" dirty="0" smtClean="0"/>
+              <a:rPr lang="en-US" sz="4000" b="1" u="sng" dirty="0" smtClean="0"/>
               <a:t>Answer:</a:t>
             </a:r>
             <a:r>
-              <a:rPr lang="en-US" sz="2400" b="1" dirty="0" smtClean="0"/>
+              <a:rPr lang="en-US" sz="4000" b="1" dirty="0" smtClean="0"/>
               <a:t>	</a:t>
             </a:r>
             <a:r>
-              <a:rPr lang="en-US" sz="2400" dirty="0" smtClean="0"/>
+              <a:rPr lang="en-US" sz="4000" dirty="0" smtClean="0"/>
               <a:t> Geometric Mean</a:t>
             </a:r>
           </a:p>
@@ -10214,15 +10400,26 @@
               <a:buNone/>
             </a:pPr>
             <a:r>
-              <a:rPr lang="en-US" sz="2400" b="1" u="sng" dirty="0" smtClean="0"/>
+              <a:rPr lang="en-US" sz="4000" b="1" u="sng" dirty="0" smtClean="0"/>
               <a:t>Explanation: </a:t>
             </a:r>
+            <a:endParaRPr lang="en-US" sz="4000" b="1" u="sng" dirty="0" smtClean="0"/>
           </a:p>
           <a:p>
             <a:pPr marL="0" indent="0">
               <a:buNone/>
             </a:pPr>
-            <a:endParaRPr lang="en-US" sz="2400" dirty="0"/>
+            <a:r>
+              <a:rPr lang="en-US" sz="4000" dirty="0" smtClean="0"/>
+              <a:t>Consider 1,2,3,5,-1,0</a:t>
+            </a:r>
+            <a:endParaRPr lang="en-US" sz="4000" dirty="0" smtClean="0"/>
+          </a:p>
+          <a:p>
+            <a:pPr marL="0" indent="0">
+              <a:buNone/>
+            </a:pPr>
+            <a:endParaRPr lang="en-US" sz="4000" dirty="0"/>
           </a:p>
         </p:txBody>
       </p:sp>
@@ -10484,6 +10681,67 @@
                                           <p:spTgt spid="3">
                                             <p:txEl>
                                               <p:pRg st="1" end="1"/>
+                                            </p:txEl>
+                                          </p:spTgt>
+                                        </p:tgtEl>
+                                      </p:cBhvr>
+                                    </p:animEffect>
+                                  </p:childTnLst>
+                                </p:cTn>
+                              </p:par>
+                            </p:childTnLst>
+                          </p:cTn>
+                        </p:par>
+                      </p:childTnLst>
+                    </p:cTn>
+                  </p:par>
+                  <p:par>
+                    <p:cTn id="19" fill="hold">
+                      <p:stCondLst>
+                        <p:cond delay="indefinite"/>
+                      </p:stCondLst>
+                      <p:childTnLst>
+                        <p:par>
+                          <p:cTn id="20" fill="hold">
+                            <p:stCondLst>
+                              <p:cond delay="0"/>
+                            </p:stCondLst>
+                            <p:childTnLst>
+                              <p:par>
+                                <p:cTn id="21" presetID="22" presetClass="entr" presetSubtype="8" fill="hold" grpId="0" nodeType="clickEffect">
+                                  <p:stCondLst>
+                                    <p:cond delay="0"/>
+                                  </p:stCondLst>
+                                  <p:childTnLst>
+                                    <p:set>
+                                      <p:cBhvr>
+                                        <p:cTn id="22" dur="1" fill="hold">
+                                          <p:stCondLst>
+                                            <p:cond delay="0"/>
+                                          </p:stCondLst>
+                                        </p:cTn>
+                                        <p:tgtEl>
+                                          <p:spTgt spid="3">
+                                            <p:txEl>
+                                              <p:pRg st="2" end="2"/>
+                                            </p:txEl>
+                                          </p:spTgt>
+                                        </p:tgtEl>
+                                        <p:attrNameLst>
+                                          <p:attrName>style.visibility</p:attrName>
+                                        </p:attrNameLst>
+                                      </p:cBhvr>
+                                      <p:to>
+                                        <p:strVal val="visible"/>
+                                      </p:to>
+                                    </p:set>
+                                    <p:animEffect transition="in" filter="wipe(left)">
+                                      <p:cBhvr>
+                                        <p:cTn id="23" dur="500"/>
+                                        <p:tgtEl>
+                                          <p:spTgt spid="3">
+                                            <p:txEl>
+                                              <p:pRg st="2" end="2"/>
                                             </p:txEl>
                                           </p:spTgt>
                                         </p:tgtEl>
@@ -10557,8 +10815,8 @@
         </p:nvSpPr>
         <p:spPr>
           <a:xfrm>
-            <a:off x="838200" y="401200"/>
-            <a:ext cx="10515600" cy="2047118"/>
+            <a:off x="838200" y="1465229"/>
+            <a:ext cx="10515600" cy="2306141"/>
           </a:xfrm>
         </p:spPr>
         <p:txBody>
@@ -10568,26 +10826,26 @@
           <a:lstStyle/>
           <a:p>
             <a:r>
-              <a:rPr lang="en-US" sz="2400" b="1" u="sng" dirty="0" smtClean="0"/>
+              <a:rPr lang="en-US" sz="4000" b="1" u="sng" dirty="0" smtClean="0"/>
               <a:t>Question: </a:t>
             </a:r>
             <a:r>
-              <a:rPr lang="en-US" sz="2400" b="1" dirty="0" smtClean="0"/>
+              <a:rPr lang="en-US" sz="4000" b="1" dirty="0" smtClean="0"/>
               <a:t/>
             </a:r>
             <a:br>
-              <a:rPr lang="en-US" sz="2400" b="1" dirty="0" smtClean="0"/>
+              <a:rPr lang="en-US" sz="4000" b="1" dirty="0" smtClean="0"/>
             </a:br>
             <a:r>
-              <a:rPr lang="en-US" sz="2400" b="1" dirty="0">
+              <a:rPr lang="en-US" sz="4000" b="1" dirty="0">
                 <a:solidFill>
                   <a:srgbClr val="7030A0"/>
                 </a:solidFill>
               </a:rPr>
-              <a:t>Which of the following is NOT an advantage of using a median?</a:t>
-            </a:r>
-            <a:r>
-              <a:rPr lang="en-US" sz="2400" dirty="0">
+              <a:t>Ratio and Interval Scale of measurements are based on ______________type of data</a:t>
+            </a:r>
+            <a:r>
+              <a:rPr lang="en-US" sz="4000" dirty="0">
                 <a:solidFill>
                   <a:srgbClr val="7030A0"/>
                 </a:solidFill>
@@ -10595,58 +10853,110 @@
               <a:t/>
             </a:r>
             <a:br>
-              <a:rPr lang="en-US" sz="2400" dirty="0">
+              <a:rPr lang="en-US" sz="4000" dirty="0">
                 <a:solidFill>
                   <a:srgbClr val="7030A0"/>
                 </a:solidFill>
               </a:rPr>
             </a:br>
             <a:r>
-              <a:rPr lang="en-US" sz="2400" dirty="0" smtClean="0"/>
-              <a:t>	Extreme </a:t>
-            </a:r>
-            <a:r>
-              <a:rPr lang="en-US" sz="2400" dirty="0"/>
-              <a:t>values do not affect the median as strongly as they affect Mean</a:t>
+              <a:rPr lang="en-US" sz="4000" dirty="0" smtClean="0">
+                <a:solidFill>
+                  <a:srgbClr val="7030A0"/>
+                </a:solidFill>
+              </a:rPr>
+              <a:t>	</a:t>
+            </a:r>
+            <a:r>
+              <a:rPr lang="en-US" sz="4000" dirty="0" smtClean="0"/>
+              <a:t>Discrete </a:t>
+            </a:r>
+            <a:r>
+              <a:rPr lang="en-US" sz="4000" dirty="0"/>
+              <a:t>&amp; Attribute</a:t>
             </a:r>
             <a:br>
-              <a:rPr lang="en-US" sz="2400" dirty="0"/>
+              <a:rPr lang="en-US" sz="4000" dirty="0"/>
             </a:br>
             <a:r>
-              <a:rPr lang="en-US" sz="2400" dirty="0" smtClean="0"/>
-              <a:t>	A </a:t>
-            </a:r>
-            <a:r>
-              <a:rPr lang="en-US" sz="2400" dirty="0"/>
-              <a:t>median can be calculated for qualitative descriptions</a:t>
+              <a:rPr lang="en-US" sz="4000" dirty="0" smtClean="0"/>
+              <a:t>	</a:t>
+            </a:r>
+            <a:r>
+              <a:rPr lang="en-US" sz="4000" dirty="0" smtClean="0">
+                <a:solidFill>
+                  <a:srgbClr val="FF0000"/>
+                </a:solidFill>
+              </a:rPr>
+              <a:t>Discrete </a:t>
+            </a:r>
+            <a:r>
+              <a:rPr lang="en-US" sz="4000" dirty="0">
+                <a:solidFill>
+                  <a:srgbClr val="FF0000"/>
+                </a:solidFill>
+              </a:rPr>
+              <a:t>&amp; Continuous</a:t>
             </a:r>
             <a:br>
-              <a:rPr lang="en-US" sz="2400" dirty="0"/>
+              <a:rPr lang="en-US" sz="4000" dirty="0">
+                <a:solidFill>
+                  <a:srgbClr val="FF0000"/>
+                </a:solidFill>
+              </a:rPr>
             </a:br>
             <a:r>
-              <a:rPr lang="en-US" sz="2400" dirty="0" smtClean="0"/>
-              <a:t>	Median </a:t>
-            </a:r>
-            <a:r>
-              <a:rPr lang="en-US" sz="2400" dirty="0"/>
-              <a:t>is easy to understand</a:t>
+              <a:rPr lang="en-US" sz="4000" dirty="0" smtClean="0">
+                <a:solidFill>
+                  <a:srgbClr val="FF0000"/>
+                </a:solidFill>
+              </a:rPr>
+              <a:t>	</a:t>
+            </a:r>
+            <a:r>
+              <a:rPr lang="en-US" sz="4000" dirty="0" smtClean="0"/>
+              <a:t>Variable </a:t>
+            </a:r>
+            <a:r>
+              <a:rPr lang="en-US" sz="4000" dirty="0"/>
+              <a:t>&amp; Continuous</a:t>
             </a:r>
             <a:br>
-              <a:rPr lang="en-US" sz="2400" dirty="0"/>
+              <a:rPr lang="en-US" sz="4000" dirty="0"/>
             </a:br>
             <a:r>
-              <a:rPr lang="en-US" sz="2400" dirty="0" smtClean="0"/>
-              <a:t>	Median </a:t>
-            </a:r>
-            <a:r>
-              <a:rPr lang="en-US" sz="2400" dirty="0"/>
-              <a:t>can be calculated even for open-ended </a:t>
-            </a:r>
-            <a:r>
-              <a:rPr lang="en-US" sz="2400" dirty="0" smtClean="0"/>
-              <a:t>classes</a:t>
-            </a:r>
-            <a:endParaRPr lang="en-US" sz="2400" dirty="0"/>
+              <a:rPr lang="en-US" sz="4000" dirty="0" smtClean="0"/>
+              <a:t>	</a:t>
+            </a:r>
+            <a:r>
+              <a:rPr lang="en-US" sz="4000" dirty="0" smtClean="0">
+                <a:solidFill>
+                  <a:srgbClr val="FF0000"/>
+                </a:solidFill>
+              </a:rPr>
+              <a:t>Continuous </a:t>
+            </a:r>
+            <a:r>
+              <a:rPr lang="en-US" sz="4000" dirty="0">
+                <a:solidFill>
+                  <a:srgbClr val="FF0000"/>
+                </a:solidFill>
+              </a:rPr>
+              <a:t>&amp; </a:t>
+            </a:r>
+            <a:r>
+              <a:rPr lang="en-US" sz="4000" dirty="0" smtClean="0">
+                <a:solidFill>
+                  <a:srgbClr val="FF0000"/>
+                </a:solidFill>
+              </a:rPr>
+              <a:t>Attribute</a:t>
+            </a:r>
+            <a:endParaRPr lang="en-US" sz="4000" dirty="0">
+              <a:solidFill>
+                <a:srgbClr val="FF0000"/>
+              </a:solidFill>
+            </a:endParaRPr>
           </a:p>
         </p:txBody>
       </p:sp>
@@ -10662,7 +10972,7 @@
         </p:nvSpPr>
         <p:spPr>
           <a:xfrm>
-            <a:off x="838200" y="3052689"/>
+            <a:off x="838200" y="4824678"/>
             <a:ext cx="10515600" cy="2335237"/>
           </a:xfrm>
         </p:spPr>
@@ -10681,12 +10991,9 @@
             </a:r>
             <a:r>
               <a:rPr lang="en-US" sz="2400" b="1" dirty="0" smtClean="0"/>
-              <a:t>	</a:t>
-            </a:r>
-            <a:r>
-              <a:rPr lang="en-US" sz="2400" dirty="0" smtClean="0"/>
-              <a:t> 4</a:t>
-            </a:r>
+              <a:t>	variable &amp; Continuous</a:t>
+            </a:r>
+            <a:endParaRPr lang="en-US" sz="2400" dirty="0" smtClean="0"/>
           </a:p>
           <a:p>
             <a:pPr marL="0" indent="0">
@@ -10767,7 +11074,7 @@
     </p:spTree>
     <p:extLst>
       <p:ext uri="{BB962C8B-B14F-4D97-AF65-F5344CB8AC3E}">
-        <p14:creationId xmlns:p14="http://schemas.microsoft.com/office/powerpoint/2010/main" val="3700790754"/>
+        <p14:creationId xmlns:p14="http://schemas.microsoft.com/office/powerpoint/2010/main" val="2945332344"/>
       </p:ext>
     </p:extLst>
   </p:cSld>
@@ -11036,8 +11343,8 @@
         </p:nvSpPr>
         <p:spPr>
           <a:xfrm>
-            <a:off x="838200" y="401200"/>
-            <a:ext cx="10515600" cy="2306141"/>
+            <a:off x="838200" y="1531731"/>
+            <a:ext cx="10515600" cy="2047118"/>
           </a:xfrm>
         </p:spPr>
         <p:txBody>
@@ -11047,26 +11354,26 @@
           <a:lstStyle/>
           <a:p>
             <a:r>
-              <a:rPr lang="en-US" sz="2400" b="1" u="sng" dirty="0" smtClean="0"/>
+              <a:rPr lang="en-US" sz="4000" b="1" u="sng" dirty="0" smtClean="0"/>
               <a:t>Question: </a:t>
             </a:r>
             <a:r>
-              <a:rPr lang="en-US" sz="2400" b="1" dirty="0" smtClean="0"/>
+              <a:rPr lang="en-US" sz="4000" b="1" dirty="0" smtClean="0"/>
               <a:t/>
             </a:r>
             <a:br>
-              <a:rPr lang="en-US" sz="2400" b="1" dirty="0" smtClean="0"/>
+              <a:rPr lang="en-US" sz="4000" b="1" dirty="0" smtClean="0"/>
             </a:br>
             <a:r>
-              <a:rPr lang="en-US" sz="2400" b="1" dirty="0">
+              <a:rPr lang="en-US" sz="4000" b="1" dirty="0">
                 <a:solidFill>
                   <a:srgbClr val="7030A0"/>
                 </a:solidFill>
               </a:rPr>
-              <a:t>Ratio and Interval Scale of measurements are based on ______________type of data</a:t>
-            </a:r>
-            <a:r>
-              <a:rPr lang="en-US" sz="2400" dirty="0">
+              <a:t>The Graph which helps to identify and prioritize problems to be solved</a:t>
+            </a:r>
+            <a:r>
+              <a:rPr lang="en-US" sz="4000" dirty="0">
                 <a:solidFill>
                   <a:srgbClr val="7030A0"/>
                 </a:solidFill>
@@ -11074,14 +11381,14 @@
               <a:t/>
             </a:r>
             <a:br>
-              <a:rPr lang="en-US" sz="2400" dirty="0">
+              <a:rPr lang="en-US" sz="4000" dirty="0">
                 <a:solidFill>
                   <a:srgbClr val="7030A0"/>
                 </a:solidFill>
               </a:rPr>
             </a:br>
             <a:r>
-              <a:rPr lang="en-US" sz="2400" dirty="0" smtClean="0">
+              <a:rPr lang="en-US" sz="4000" dirty="0" smtClean="0">
                 <a:solidFill>
                   <a:srgbClr val="7030A0"/>
                 </a:solidFill>
@@ -11089,51 +11396,43 @@
               <a:t>	</a:t>
             </a:r>
             <a:r>
-              <a:rPr lang="en-US" sz="2400" dirty="0" smtClean="0"/>
-              <a:t>Discrete </a:t>
-            </a:r>
-            <a:r>
-              <a:rPr lang="en-US" sz="2400" dirty="0"/>
-              <a:t>&amp; Attribute</a:t>
+              <a:rPr lang="en-US" sz="4000" dirty="0" smtClean="0"/>
+              <a:t>Control </a:t>
+            </a:r>
+            <a:r>
+              <a:rPr lang="en-US" sz="4000" dirty="0"/>
+              <a:t>Chart</a:t>
             </a:r>
             <a:br>
-              <a:rPr lang="en-US" sz="2400" dirty="0"/>
+              <a:rPr lang="en-US" sz="4000" dirty="0"/>
             </a:br>
             <a:r>
-              <a:rPr lang="en-US" sz="2400" dirty="0" smtClean="0"/>
-              <a:t>	Discrete </a:t>
-            </a:r>
-            <a:r>
-              <a:rPr lang="en-US" sz="2400" dirty="0"/>
-              <a:t>&amp; Continuous</a:t>
+              <a:rPr lang="en-US" sz="4000" dirty="0" smtClean="0"/>
+              <a:t>	Histogram </a:t>
+            </a:r>
+            <a:r>
+              <a:rPr lang="en-US" sz="4000" dirty="0"/>
+              <a:t>Chart</a:t>
             </a:r>
             <a:br>
-              <a:rPr lang="en-US" sz="2400" dirty="0"/>
+              <a:rPr lang="en-US" sz="4000" dirty="0"/>
             </a:br>
             <a:r>
-              <a:rPr lang="en-US" sz="2400" dirty="0" smtClean="0"/>
-              <a:t>	Variable </a:t>
-            </a:r>
-            <a:r>
-              <a:rPr lang="en-US" sz="2400" dirty="0"/>
-              <a:t>&amp; Continuous</a:t>
+              <a:rPr lang="en-US" sz="4000" dirty="0" smtClean="0"/>
+              <a:t>	Fish </a:t>
+            </a:r>
+            <a:r>
+              <a:rPr lang="en-US" sz="4000" dirty="0"/>
+              <a:t>Bone Graph</a:t>
             </a:r>
             <a:br>
-              <a:rPr lang="en-US" sz="2400" dirty="0"/>
+              <a:rPr lang="en-US" sz="4000" dirty="0"/>
             </a:br>
             <a:r>
-              <a:rPr lang="en-US" sz="2400" dirty="0" smtClean="0"/>
-              <a:t>	Continuous </a:t>
-            </a:r>
-            <a:r>
-              <a:rPr lang="en-US" sz="2400" dirty="0"/>
-              <a:t>&amp; </a:t>
-            </a:r>
-            <a:r>
-              <a:rPr lang="en-US" sz="2400" dirty="0" smtClean="0"/>
-              <a:t>Attribute</a:t>
-            </a:r>
-            <a:endParaRPr lang="en-US" sz="2400" dirty="0"/>
+              <a:rPr lang="en-US" sz="4000" dirty="0" smtClean="0"/>
+              <a:t>	Pareto Chart</a:t>
+            </a:r>
+            <a:endParaRPr lang="en-US" sz="4000" dirty="0"/>
           </a:p>
         </p:txBody>
       </p:sp>
@@ -11149,7 +11448,7 @@
         </p:nvSpPr>
         <p:spPr>
           <a:xfrm>
-            <a:off x="838200" y="3052689"/>
+            <a:off x="838200" y="4824678"/>
             <a:ext cx="10515600" cy="2335237"/>
           </a:xfrm>
         </p:spPr>
@@ -11168,7 +11467,15 @@
             </a:r>
             <a:r>
               <a:rPr lang="en-US" sz="2400" b="1" dirty="0" smtClean="0"/>
-              <a:t>	variable &amp; Continuous</a:t>
+              <a:t>	</a:t>
+            </a:r>
+            <a:r>
+              <a:rPr lang="en-US" sz="2400" dirty="0" smtClean="0"/>
+              <a:t>Pareto Chart</a:t>
+            </a:r>
+            <a:r>
+              <a:rPr lang="en-US" sz="2400" b="1" dirty="0" smtClean="0"/>
+              <a:t>	</a:t>
             </a:r>
             <a:endParaRPr lang="en-US" sz="2400" dirty="0" smtClean="0"/>
           </a:p>
@@ -11233,7 +11540,7 @@
                   </a:outerShdw>
                 </a:effectLst>
               </a:rPr>
-              <a:t>Basic Statistics</a:t>
+              <a:t>7 tools of Quality</a:t>
             </a:r>
             <a:endParaRPr lang="en-US" sz="3600" dirty="0">
               <a:ln w="0"/>
@@ -11251,7 +11558,7 @@
     </p:spTree>
     <p:extLst>
       <p:ext uri="{BB962C8B-B14F-4D97-AF65-F5344CB8AC3E}">
-        <p14:creationId xmlns:p14="http://schemas.microsoft.com/office/powerpoint/2010/main" val="2945332344"/>
+        <p14:creationId xmlns:p14="http://schemas.microsoft.com/office/powerpoint/2010/main" val="4232387069"/>
       </p:ext>
     </p:extLst>
   </p:cSld>
@@ -11508,6 +11815,30 @@
           <a:chExt cx="0" cy="0"/>
         </a:xfrm>
       </p:grpSpPr>
+      <p:pic>
+        <p:nvPicPr>
+          <p:cNvPr id="7" name="Picture 6"/>
+          <p:cNvPicPr>
+            <a:picLocks noChangeAspect="1"/>
+          </p:cNvPicPr>
+          <p:nvPr/>
+        </p:nvPicPr>
+        <p:blipFill>
+          <a:blip r:embed="rId3"/>
+          <a:stretch>
+            <a:fillRect/>
+          </a:stretch>
+        </p:blipFill>
+        <p:spPr>
+          <a:xfrm>
+            <a:off x="6382097" y="2081022"/>
+            <a:ext cx="5676900" cy="3448050"/>
+          </a:xfrm>
+          <a:prstGeom prst="rect">
+            <a:avLst/>
+          </a:prstGeom>
+        </p:spPr>
+      </p:pic>
       <p:sp>
         <p:nvSpPr>
           <p:cNvPr id="2" name="Title 1"/>
@@ -11521,7 +11852,7 @@
         <p:spPr>
           <a:xfrm>
             <a:off x="838200" y="401200"/>
-            <a:ext cx="10515600" cy="2047118"/>
+            <a:ext cx="10515600" cy="3588175"/>
           </a:xfrm>
         </p:spPr>
         <p:txBody>
@@ -11547,7 +11878,7 @@
                   <a:srgbClr val="7030A0"/>
                 </a:solidFill>
               </a:rPr>
-              <a:t>The Graph which helps to identify and prioritize problems to be solved</a:t>
+              <a:t>The design and code review effort is high (process is effective) in a project, and it results in less number of defects injected in UAT phase. Identify the appropriate type of correlation between review effort and number of defects. (Assume that "r" value is good).</a:t>
             </a:r>
             <a:r>
               <a:rPr lang="en-US" sz="2400" dirty="0">
@@ -11574,41 +11905,55 @@
             </a:r>
             <a:r>
               <a:rPr lang="en-US" sz="2400" dirty="0" smtClean="0"/>
-              <a:t>Control </a:t>
+              <a:t>Positive </a:t>
             </a:r>
             <a:r>
               <a:rPr lang="en-US" sz="2400" dirty="0"/>
-              <a:t>Chart</a:t>
+              <a:t>Correlation</a:t>
             </a:r>
             <a:br>
               <a:rPr lang="en-US" sz="2400" dirty="0"/>
             </a:br>
             <a:r>
               <a:rPr lang="en-US" sz="2400" dirty="0" smtClean="0"/>
-              <a:t>	Histogram </a:t>
+              <a:t>	Strong </a:t>
             </a:r>
             <a:r>
               <a:rPr lang="en-US" sz="2400" dirty="0"/>
-              <a:t>Chart</a:t>
+              <a:t>Negative Correlation</a:t>
             </a:r>
             <a:br>
               <a:rPr lang="en-US" sz="2400" dirty="0"/>
             </a:br>
             <a:r>
               <a:rPr lang="en-US" sz="2400" dirty="0" smtClean="0"/>
-              <a:t>	Fish </a:t>
+              <a:t>	Non </a:t>
             </a:r>
             <a:r>
               <a:rPr lang="en-US" sz="2400" dirty="0"/>
-              <a:t>Bone Graph</a:t>
+              <a:t>linear Correlation</a:t>
             </a:r>
             <a:br>
               <a:rPr lang="en-US" sz="2400" dirty="0"/>
             </a:br>
             <a:r>
               <a:rPr lang="en-US" sz="2400" dirty="0" smtClean="0"/>
-              <a:t>	Pareto Chart</a:t>
-            </a:r>
+              <a:t>	Strong </a:t>
+            </a:r>
+            <a:r>
+              <a:rPr lang="en-US" sz="2400" dirty="0"/>
+              <a:t>Positive Correlation</a:t>
+            </a:r>
+            <a:br>
+              <a:rPr lang="en-US" sz="2400" dirty="0"/>
+            </a:br>
+            <a:r>
+              <a:rPr lang="en-US" sz="2400" dirty="0"/>
+              <a:t/>
+            </a:r>
+            <a:br>
+              <a:rPr lang="en-US" sz="2400" dirty="0"/>
+            </a:br>
             <a:endParaRPr lang="en-US" sz="2400" dirty="0"/>
           </a:p>
         </p:txBody>
@@ -11625,7 +11970,7 @@
         </p:nvSpPr>
         <p:spPr>
           <a:xfrm>
-            <a:off x="838200" y="3052689"/>
+            <a:off x="838200" y="4146383"/>
             <a:ext cx="10515600" cy="2335237"/>
           </a:xfrm>
         </p:spPr>
@@ -11648,13 +11993,8 @@
             </a:r>
             <a:r>
               <a:rPr lang="en-US" sz="2400" dirty="0" smtClean="0"/>
-              <a:t>Pareto Chart</a:t>
-            </a:r>
-            <a:r>
-              <a:rPr lang="en-US" sz="2400" b="1" dirty="0" smtClean="0"/>
-              <a:t>	</a:t>
-            </a:r>
-            <a:endParaRPr lang="en-US" sz="2400" dirty="0" smtClean="0"/>
+              <a:t> Strong Negative Correlation</a:t>
+            </a:r>
           </a:p>
           <a:p>
             <a:pPr marL="0" indent="0">
@@ -11688,7 +12028,7 @@
             <a:avLst/>
           </a:prstGeom>
           <a:blipFill>
-            <a:blip r:embed="rId3"/>
+            <a:blip r:embed="rId4"/>
             <a:tile tx="0" ty="0" sx="100000" sy="100000" flip="none" algn="tl"/>
           </a:blipFill>
           <a:effectLst>
@@ -11717,7 +12057,7 @@
                   </a:outerShdw>
                 </a:effectLst>
               </a:rPr>
-              <a:t>7 tools of Quality</a:t>
+              <a:t>Data Visualization</a:t>
             </a:r>
             <a:endParaRPr lang="en-US" sz="3600" dirty="0">
               <a:ln w="0"/>
@@ -11732,10 +12072,86 @@
           </a:p>
         </p:txBody>
       </p:sp>
+      <p:sp>
+        <p:nvSpPr>
+          <p:cNvPr id="6" name="TextBox 5"/>
+          <p:cNvSpPr txBox="1"/>
+          <p:nvPr/>
+        </p:nvSpPr>
+        <p:spPr>
+          <a:xfrm rot="16200000">
+            <a:off x="5760173" y="3570170"/>
+            <a:ext cx="2213291" cy="1323439"/>
+          </a:xfrm>
+          <a:prstGeom prst="rect">
+            <a:avLst/>
+          </a:prstGeom>
+          <a:noFill/>
+        </p:spPr>
+        <p:txBody>
+          <a:bodyPr wrap="square" rtlCol="0">
+            <a:spAutoFit/>
+          </a:bodyPr>
+          <a:lstStyle/>
+          <a:p>
+            <a:r>
+              <a:rPr lang="en-US" sz="4000" b="1" dirty="0" smtClean="0">
+                <a:solidFill>
+                  <a:srgbClr val="FF0000"/>
+                </a:solidFill>
+              </a:rPr>
+              <a:t>Number of defect</a:t>
+            </a:r>
+            <a:endParaRPr lang="en-US" sz="4000" b="1" dirty="0">
+              <a:solidFill>
+                <a:srgbClr val="FF0000"/>
+              </a:solidFill>
+            </a:endParaRPr>
+          </a:p>
+        </p:txBody>
+      </p:sp>
+      <p:sp>
+        <p:nvSpPr>
+          <p:cNvPr id="8" name="TextBox 7"/>
+          <p:cNvSpPr txBox="1"/>
+          <p:nvPr/>
+        </p:nvSpPr>
+        <p:spPr>
+          <a:xfrm>
+            <a:off x="8386462" y="5366287"/>
+            <a:ext cx="2213291" cy="707886"/>
+          </a:xfrm>
+          <a:prstGeom prst="rect">
+            <a:avLst/>
+          </a:prstGeom>
+          <a:noFill/>
+        </p:spPr>
+        <p:txBody>
+          <a:bodyPr wrap="square" rtlCol="0">
+            <a:spAutoFit/>
+          </a:bodyPr>
+          <a:lstStyle/>
+          <a:p>
+            <a:r>
+              <a:rPr lang="en-US" sz="4000" b="1" dirty="0" smtClean="0">
+                <a:solidFill>
+                  <a:srgbClr val="FF0000"/>
+                </a:solidFill>
+              </a:rPr>
+              <a:t>Effort</a:t>
+            </a:r>
+            <a:endParaRPr lang="en-US" sz="4000" b="1" dirty="0">
+              <a:solidFill>
+                <a:srgbClr val="FF0000"/>
+              </a:solidFill>
+            </a:endParaRPr>
+          </a:p>
+        </p:txBody>
+      </p:sp>
     </p:spTree>
     <p:extLst>
       <p:ext uri="{BB962C8B-B14F-4D97-AF65-F5344CB8AC3E}">
-        <p14:creationId xmlns:p14="http://schemas.microsoft.com/office/powerpoint/2010/main" val="4232387069"/>
+        <p14:creationId xmlns:p14="http://schemas.microsoft.com/office/powerpoint/2010/main" val="4182924021"/>
       </p:ext>
     </p:extLst>
   </p:cSld>
@@ -11939,307 +12355,21 @@
                                   </p:childTnLst>
                                 </p:cTn>
                               </p:par>
-                            </p:childTnLst>
-                          </p:cTn>
-                        </p:par>
-                      </p:childTnLst>
-                    </p:cTn>
-                  </p:par>
-                </p:childTnLst>
-              </p:cTn>
-              <p:prevCondLst>
-                <p:cond evt="onPrev" delay="0">
-                  <p:tgtEl>
-                    <p:sldTgt/>
-                  </p:tgtEl>
-                </p:cond>
-              </p:prevCondLst>
-              <p:nextCondLst>
-                <p:cond evt="onNext" delay="0">
-                  <p:tgtEl>
-                    <p:sldTgt/>
-                  </p:tgtEl>
-                </p:cond>
-              </p:nextCondLst>
-            </p:seq>
-          </p:childTnLst>
-        </p:cTn>
-      </p:par>
-    </p:tnLst>
-    <p:bldLst>
-      <p:bldP spid="2" grpId="0"/>
-      <p:bldP spid="3" grpId="0" build="p"/>
-      <p:bldP spid="4" grpId="0" animBg="1"/>
-    </p:bldLst>
-  </p:timing>
-</p:sld>
-</file>
-
-<file path=ppt/slides/slide2.xml><?xml version="1.0" encoding="utf-8"?>
-<p:sld xmlns:a="http://schemas.openxmlformats.org/drawingml/2006/main" xmlns:r="http://schemas.openxmlformats.org/officeDocument/2006/relationships" xmlns:p="http://schemas.openxmlformats.org/presentationml/2006/main">
-  <p:cSld>
-    <p:spTree>
-      <p:nvGrpSpPr>
-        <p:cNvPr id="1" name=""/>
-        <p:cNvGrpSpPr/>
-        <p:nvPr/>
-      </p:nvGrpSpPr>
-      <p:grpSpPr>
-        <a:xfrm>
-          <a:off x="0" y="0"/>
-          <a:ext cx="0" cy="0"/>
-          <a:chOff x="0" y="0"/>
-          <a:chExt cx="0" cy="0"/>
-        </a:xfrm>
-      </p:grpSpPr>
-      <p:sp>
-        <p:nvSpPr>
-          <p:cNvPr id="2" name="Title 1"/>
-          <p:cNvSpPr>
-            <a:spLocks noGrp="1"/>
-          </p:cNvSpPr>
-          <p:nvPr>
-            <p:ph type="title"/>
-          </p:nvPr>
-        </p:nvSpPr>
-        <p:spPr>
-          <a:xfrm>
-            <a:off x="838200" y="506131"/>
-            <a:ext cx="10515600" cy="2349304"/>
-          </a:xfrm>
-        </p:spPr>
-        <p:txBody>
-          <a:bodyPr>
-            <a:noAutofit/>
-          </a:bodyPr>
-          <a:lstStyle/>
-          <a:p>
-            <a:r>
-              <a:rPr lang="en-US" sz="2800" b="1" u="sng" dirty="0" smtClean="0"/>
-              <a:t>Question: </a:t>
-            </a:r>
-            <a:r>
-              <a:rPr lang="en-US" sz="2800" b="1" dirty="0" smtClean="0"/>
-              <a:t/>
-            </a:r>
-            <a:br>
-              <a:rPr lang="en-US" sz="2800" b="1" dirty="0" smtClean="0"/>
-            </a:br>
-            <a:r>
-              <a:rPr lang="en-US" sz="2800" b="1" dirty="0">
-                <a:solidFill>
-                  <a:srgbClr val="7030A0"/>
-                </a:solidFill>
-              </a:rPr>
-              <a:t>Quality and the Critical-to-Quality (CTQ's) are both subjective terms that are defined by the _______________.</a:t>
-            </a:r>
-            <a:br>
-              <a:rPr lang="en-US" sz="2800" b="1" dirty="0">
-                <a:solidFill>
-                  <a:srgbClr val="7030A0"/>
-                </a:solidFill>
-              </a:rPr>
-            </a:br>
-            <a:r>
-              <a:rPr lang="en-US" sz="2800" b="1" dirty="0" smtClean="0">
-                <a:solidFill>
-                  <a:srgbClr val="7030A0"/>
-                </a:solidFill>
-              </a:rPr>
-              <a:t>	</a:t>
-            </a:r>
-            <a:r>
-              <a:rPr lang="en-US" sz="2800" dirty="0" smtClean="0"/>
-              <a:t>Management team</a:t>
-            </a:r>
-            <a:br>
-              <a:rPr lang="en-US" sz="2800" dirty="0" smtClean="0"/>
-            </a:br>
-            <a:r>
-              <a:rPr lang="en-US" sz="2800" dirty="0" smtClean="0"/>
-              <a:t>	Line Supervisor</a:t>
-            </a:r>
-            <a:br>
-              <a:rPr lang="en-US" sz="2800" dirty="0" smtClean="0"/>
-            </a:br>
-            <a:r>
-              <a:rPr lang="en-US" sz="2800" dirty="0" smtClean="0"/>
-              <a:t>	Customer</a:t>
-            </a:r>
-            <a:br>
-              <a:rPr lang="en-US" sz="2800" dirty="0" smtClean="0"/>
-            </a:br>
-            <a:r>
-              <a:rPr lang="en-US" sz="2800" dirty="0" smtClean="0"/>
-              <a:t>	Design team</a:t>
-            </a:r>
-            <a:endParaRPr lang="en-US" sz="2800" dirty="0"/>
-          </a:p>
-        </p:txBody>
-      </p:sp>
-      <p:sp>
-        <p:nvSpPr>
-          <p:cNvPr id="3" name="Content Placeholder 2"/>
-          <p:cNvSpPr>
-            <a:spLocks noGrp="1"/>
-          </p:cNvSpPr>
-          <p:nvPr>
-            <p:ph idx="1"/>
-          </p:nvPr>
-        </p:nvSpPr>
-        <p:spPr>
-          <a:xfrm>
-            <a:off x="838200" y="3052689"/>
-            <a:ext cx="10515600" cy="2335237"/>
-          </a:xfrm>
-        </p:spPr>
-        <p:txBody>
-          <a:bodyPr>
-            <a:normAutofit/>
-          </a:bodyPr>
-          <a:lstStyle/>
-          <a:p>
-            <a:pPr marL="0" indent="0">
-              <a:buNone/>
-            </a:pPr>
-            <a:r>
-              <a:rPr lang="en-US" sz="2400" b="1" u="sng" dirty="0" smtClean="0"/>
-              <a:t>Answer:</a:t>
-            </a:r>
-            <a:r>
-              <a:rPr lang="en-US" sz="2400" b="1" dirty="0" smtClean="0"/>
-              <a:t> </a:t>
-            </a:r>
-            <a:r>
-              <a:rPr lang="en-US" sz="2400" dirty="0" smtClean="0"/>
-              <a:t>3</a:t>
-            </a:r>
-          </a:p>
-          <a:p>
-            <a:pPr marL="0" indent="0">
-              <a:buNone/>
-            </a:pPr>
-            <a:r>
-              <a:rPr lang="en-US" sz="2400" b="1" u="sng" dirty="0" smtClean="0"/>
-              <a:t>Explanation: </a:t>
-            </a:r>
-          </a:p>
-          <a:p>
-            <a:pPr marL="0" indent="0">
-              <a:buNone/>
-            </a:pPr>
-            <a:endParaRPr lang="en-US" sz="2400" dirty="0"/>
-          </a:p>
-        </p:txBody>
-      </p:sp>
-      <p:sp>
-        <p:nvSpPr>
-          <p:cNvPr id="4" name="Rectangle 3"/>
-          <p:cNvSpPr/>
-          <p:nvPr/>
-        </p:nvSpPr>
-        <p:spPr>
-          <a:xfrm>
-            <a:off x="838200" y="5992297"/>
-            <a:ext cx="10515600" cy="646331"/>
-          </a:xfrm>
-          <a:prstGeom prst="rect">
-            <a:avLst/>
-          </a:prstGeom>
-          <a:blipFill>
-            <a:blip r:embed="rId3"/>
-            <a:tile tx="0" ty="0" sx="100000" sy="100000" flip="none" algn="tl"/>
-          </a:blipFill>
-          <a:effectLst>
-            <a:outerShdw blurRad="50800" dist="38100" dir="13500000" algn="br" rotWithShape="0">
-              <a:prstClr val="black">
-                <a:alpha val="40000"/>
-              </a:prstClr>
-            </a:outerShdw>
-          </a:effectLst>
-        </p:spPr>
-        <p:txBody>
-          <a:bodyPr wrap="square">
-            <a:spAutoFit/>
-          </a:bodyPr>
-          <a:lstStyle/>
-          <a:p>
-            <a:pPr algn="ctr"/>
-            <a:r>
-              <a:rPr lang="en-US" sz="3600" dirty="0" smtClean="0">
-                <a:ln w="0"/>
-                <a:effectLst>
-                  <a:outerShdw blurRad="38100" dist="19050" dir="2700000" algn="tl" rotWithShape="0">
-                    <a:schemeClr val="dk1">
-                      <a:alpha val="40000"/>
-                    </a:schemeClr>
-                  </a:outerShdw>
-                </a:effectLst>
-              </a:rPr>
-              <a:t>Quality Basic</a:t>
-            </a:r>
-            <a:endParaRPr lang="en-US" sz="3600" dirty="0">
-              <a:ln w="0"/>
-              <a:effectLst>
-                <a:outerShdw blurRad="38100" dist="19050" dir="2700000" algn="tl" rotWithShape="0">
-                  <a:schemeClr val="dk1">
-                    <a:alpha val="40000"/>
-                  </a:schemeClr>
-                </a:outerShdw>
-              </a:effectLst>
-            </a:endParaRPr>
-          </a:p>
-        </p:txBody>
-      </p:sp>
-    </p:spTree>
-    <p:extLst>
-      <p:ext uri="{BB962C8B-B14F-4D97-AF65-F5344CB8AC3E}">
-        <p14:creationId xmlns:p14="http://schemas.microsoft.com/office/powerpoint/2010/main" val="439946020"/>
-      </p:ext>
-    </p:extLst>
-  </p:cSld>
-  <p:clrMapOvr>
-    <a:masterClrMapping/>
-  </p:clrMapOvr>
-  <p:timing>
-    <p:tnLst>
-      <p:par>
-        <p:cTn id="1" dur="indefinite" restart="never" nodeType="tmRoot">
-          <p:childTnLst>
-            <p:seq concurrent="1" nextAc="seek">
-              <p:cTn id="2" dur="indefinite" nodeType="mainSeq">
-                <p:childTnLst>
-                  <p:par>
-                    <p:cTn id="3" fill="hold">
-                      <p:stCondLst>
-                        <p:cond delay="indefinite"/>
-                      </p:stCondLst>
-                      <p:childTnLst>
-                        <p:par>
-                          <p:cTn id="4" fill="hold">
-                            <p:stCondLst>
-                              <p:cond delay="0"/>
-                            </p:stCondLst>
-                            <p:childTnLst>
                               <p:par>
-                                <p:cTn id="5" presetID="22" presetClass="entr" presetSubtype="4" fill="hold" grpId="0" nodeType="clickEffect">
+                                <p:cTn id="19" presetID="10" presetClass="entr" presetSubtype="0" fill="hold" grpId="0" nodeType="withEffect">
                                   <p:stCondLst>
                                     <p:cond delay="0"/>
                                   </p:stCondLst>
                                   <p:childTnLst>
                                     <p:set>
                                       <p:cBhvr>
-                                        <p:cTn id="6" dur="1" fill="hold">
+                                        <p:cTn id="20" dur="1" fill="hold">
                                           <p:stCondLst>
                                             <p:cond delay="0"/>
                                           </p:stCondLst>
                                         </p:cTn>
                                         <p:tgtEl>
-                                          <p:spTgt spid="3">
-                                            <p:txEl>
-                                              <p:pRg st="0" end="0"/>
-                                            </p:txEl>
-                                          </p:spTgt>
+                                          <p:spTgt spid="6"/>
                                         </p:tgtEl>
                                         <p:attrNameLst>
                                           <p:attrName>style.visibility</p:attrName>
@@ -12249,58 +12379,32 @@
                                         <p:strVal val="visible"/>
                                       </p:to>
                                     </p:set>
-                                    <p:animEffect transition="in" filter="wipe(down)">
-                                      <p:cBhvr>
-                                        <p:cTn id="7" dur="500"/>
-                                        <p:tgtEl>
-                                          <p:spTgt spid="3">
-                                            <p:txEl>
-                                              <p:pRg st="0" end="0"/>
-                                            </p:txEl>
-                                          </p:spTgt>
+                                    <p:animEffect transition="in" filter="fade">
+                                      <p:cBhvr>
+                                        <p:cTn id="21" dur="500"/>
+                                        <p:tgtEl>
+                                          <p:spTgt spid="6"/>
                                         </p:tgtEl>
                                       </p:cBhvr>
                                     </p:animEffect>
                                   </p:childTnLst>
                                 </p:cTn>
                               </p:par>
-                            </p:childTnLst>
-                          </p:cTn>
-                        </p:par>
-                      </p:childTnLst>
-                    </p:cTn>
-                  </p:par>
-                  <p:par>
-                    <p:cTn id="8" fill="hold">
-                      <p:stCondLst>
-                        <p:cond delay="indefinite"/>
-                      </p:stCondLst>
-                      <p:childTnLst>
-                        <p:par>
-                          <p:cTn id="9" fill="hold">
-                            <p:stCondLst>
-                              <p:cond delay="0"/>
-                            </p:stCondLst>
-                            <p:childTnLst>
                               <p:par>
-                                <p:cTn id="10" presetID="22" presetClass="entr" presetSubtype="4" fill="hold" grpId="0" nodeType="clickEffect">
+                                <p:cTn id="22" presetID="10" presetClass="entr" presetSubtype="0" fill="hold" grpId="0" nodeType="withEffect">
                                   <p:stCondLst>
                                     <p:cond delay="0"/>
                                   </p:stCondLst>
                                   <p:childTnLst>
                                     <p:set>
                                       <p:cBhvr>
-                                        <p:cTn id="11" dur="1" fill="hold">
+                                        <p:cTn id="23" dur="1" fill="hold">
                                           <p:stCondLst>
                                             <p:cond delay="0"/>
                                           </p:stCondLst>
                                         </p:cTn>
                                         <p:tgtEl>
-                                          <p:spTgt spid="3">
-                                            <p:txEl>
-                                              <p:pRg st="1" end="1"/>
-                                            </p:txEl>
-                                          </p:spTgt>
+                                          <p:spTgt spid="8"/>
                                         </p:tgtEl>
                                         <p:attrNameLst>
                                           <p:attrName>style.visibility</p:attrName>
@@ -12310,15 +12414,11 @@
                                         <p:strVal val="visible"/>
                                       </p:to>
                                     </p:set>
-                                    <p:animEffect transition="in" filter="wipe(down)">
-                                      <p:cBhvr>
-                                        <p:cTn id="12" dur="500"/>
-                                        <p:tgtEl>
-                                          <p:spTgt spid="3">
-                                            <p:txEl>
-                                              <p:pRg st="1" end="1"/>
-                                            </p:txEl>
-                                          </p:spTgt>
+                                    <p:animEffect transition="in" filter="fade">
+                                      <p:cBhvr>
+                                        <p:cTn id="24" dur="500"/>
+                                        <p:tgtEl>
+                                          <p:spTgt spid="8"/>
                                         </p:tgtEl>
                                       </p:cBhvr>
                                     </p:animEffect>
@@ -12353,8 +12453,197 @@
       </p:par>
     </p:tnLst>
     <p:bldLst>
+      <p:bldP spid="2" grpId="0"/>
       <p:bldP spid="3" grpId="0" build="p"/>
+      <p:bldP spid="4" grpId="0" animBg="1"/>
+      <p:bldP spid="6" grpId="0"/>
+      <p:bldP spid="8" grpId="0"/>
     </p:bldLst>
+  </p:timing>
+</p:sld>
+</file>
+
+<file path=ppt/slides/slide2.xml><?xml version="1.0" encoding="utf-8"?>
+<p:sld xmlns:a="http://schemas.openxmlformats.org/drawingml/2006/main" xmlns:r="http://schemas.openxmlformats.org/officeDocument/2006/relationships" xmlns:p="http://schemas.openxmlformats.org/presentationml/2006/main">
+  <p:cSld>
+    <p:spTree>
+      <p:nvGrpSpPr>
+        <p:cNvPr id="1" name=""/>
+        <p:cNvGrpSpPr/>
+        <p:nvPr/>
+      </p:nvGrpSpPr>
+      <p:grpSpPr>
+        <a:xfrm>
+          <a:off x="0" y="0"/>
+          <a:ext cx="0" cy="0"/>
+          <a:chOff x="0" y="0"/>
+          <a:chExt cx="0" cy="0"/>
+        </a:xfrm>
+      </p:grpSpPr>
+      <p:sp>
+        <p:nvSpPr>
+          <p:cNvPr id="2" name="Title 1"/>
+          <p:cNvSpPr>
+            <a:spLocks noGrp="1"/>
+          </p:cNvSpPr>
+          <p:nvPr>
+            <p:ph type="title"/>
+          </p:nvPr>
+        </p:nvSpPr>
+        <p:spPr>
+          <a:xfrm>
+            <a:off x="838200" y="401200"/>
+            <a:ext cx="10515600" cy="2349304"/>
+          </a:xfrm>
+        </p:spPr>
+        <p:txBody>
+          <a:bodyPr>
+            <a:noAutofit/>
+          </a:bodyPr>
+          <a:lstStyle/>
+          <a:p>
+            <a:r>
+              <a:rPr lang="en-US" sz="2800" b="1" u="sng" dirty="0" smtClean="0"/>
+              <a:t>Question: </a:t>
+            </a:r>
+            <a:r>
+              <a:rPr lang="en-US" sz="2800" b="1" smtClean="0"/>
+              <a:t/>
+            </a:r>
+            <a:br>
+              <a:rPr lang="en-US" sz="2800" b="1" smtClean="0"/>
+            </a:br>
+            <a:endParaRPr lang="en-US" sz="2800" dirty="0"/>
+          </a:p>
+        </p:txBody>
+      </p:sp>
+      <p:sp>
+        <p:nvSpPr>
+          <p:cNvPr id="3" name="Content Placeholder 2"/>
+          <p:cNvSpPr>
+            <a:spLocks noGrp="1"/>
+          </p:cNvSpPr>
+          <p:nvPr>
+            <p:ph idx="1"/>
+          </p:nvPr>
+        </p:nvSpPr>
+        <p:spPr>
+          <a:xfrm>
+            <a:off x="838200" y="3052689"/>
+            <a:ext cx="10515600" cy="2335237"/>
+          </a:xfrm>
+        </p:spPr>
+        <p:txBody>
+          <a:bodyPr>
+            <a:normAutofit/>
+          </a:bodyPr>
+          <a:lstStyle/>
+          <a:p>
+            <a:pPr marL="0" indent="0">
+              <a:buNone/>
+            </a:pPr>
+            <a:r>
+              <a:rPr lang="en-US" sz="2400" b="1" u="sng" dirty="0" smtClean="0"/>
+              <a:t>Answer:</a:t>
+            </a:r>
+            <a:r>
+              <a:rPr lang="en-US" sz="2400" b="1" dirty="0" smtClean="0"/>
+              <a:t> 	</a:t>
+            </a:r>
+            <a:endParaRPr lang="en-US" sz="2400" dirty="0" smtClean="0"/>
+          </a:p>
+          <a:p>
+            <a:pPr marL="0" indent="0">
+              <a:buNone/>
+            </a:pPr>
+            <a:r>
+              <a:rPr lang="en-US" sz="2400" b="1" u="sng" dirty="0" smtClean="0"/>
+              <a:t>Explanation: </a:t>
+            </a:r>
+          </a:p>
+          <a:p>
+            <a:pPr marL="0" indent="0">
+              <a:buNone/>
+            </a:pPr>
+            <a:endParaRPr lang="en-US" sz="2400" dirty="0"/>
+          </a:p>
+        </p:txBody>
+      </p:sp>
+      <p:sp>
+        <p:nvSpPr>
+          <p:cNvPr id="4" name="Rectangle 3"/>
+          <p:cNvSpPr/>
+          <p:nvPr/>
+        </p:nvSpPr>
+        <p:spPr>
+          <a:xfrm>
+            <a:off x="838200" y="5992297"/>
+            <a:ext cx="10515600" cy="646331"/>
+          </a:xfrm>
+          <a:prstGeom prst="rect">
+            <a:avLst/>
+          </a:prstGeom>
+          <a:blipFill>
+            <a:blip r:embed="rId3"/>
+            <a:tile tx="0" ty="0" sx="100000" sy="100000" flip="none" algn="tl"/>
+          </a:blipFill>
+          <a:effectLst>
+            <a:outerShdw blurRad="50800" dist="38100" dir="13500000" algn="br" rotWithShape="0">
+              <a:prstClr val="black">
+                <a:alpha val="40000"/>
+              </a:prstClr>
+            </a:outerShdw>
+          </a:effectLst>
+        </p:spPr>
+        <p:txBody>
+          <a:bodyPr wrap="square">
+            <a:spAutoFit/>
+          </a:bodyPr>
+          <a:lstStyle/>
+          <a:p>
+            <a:pPr algn="ctr"/>
+            <a:r>
+              <a:rPr lang="en-US" sz="3600" dirty="0" smtClean="0">
+                <a:ln w="0"/>
+                <a:effectLst>
+                  <a:outerShdw blurRad="38100" dist="19050" dir="2700000" algn="tl" rotWithShape="0">
+                    <a:schemeClr val="dk1">
+                      <a:alpha val="40000"/>
+                    </a:schemeClr>
+                  </a:outerShdw>
+                </a:effectLst>
+              </a:rPr>
+              <a:t>Quality Basic</a:t>
+            </a:r>
+            <a:endParaRPr lang="en-US" sz="3600" dirty="0">
+              <a:ln w="0"/>
+              <a:effectLst>
+                <a:outerShdw blurRad="38100" dist="19050" dir="2700000" algn="tl" rotWithShape="0">
+                  <a:schemeClr val="dk1">
+                    <a:alpha val="40000"/>
+                  </a:schemeClr>
+                </a:outerShdw>
+              </a:effectLst>
+            </a:endParaRPr>
+          </a:p>
+        </p:txBody>
+      </p:sp>
+    </p:spTree>
+    <p:extLst>
+      <p:ext uri="{BB962C8B-B14F-4D97-AF65-F5344CB8AC3E}">
+        <p14:creationId xmlns:p14="http://schemas.microsoft.com/office/powerpoint/2010/main" val="229265952"/>
+      </p:ext>
+    </p:extLst>
+  </p:cSld>
+  <p:clrMapOvr>
+    <a:masterClrMapping/>
+  </p:clrMapOvr>
+  <p:timing>
+    <p:tnLst>
+      <p:par>
+        <p:cTn id="1" dur="indefinite" restart="never" nodeType="tmRoot"/>
+      </p:par>
+    </p:tnLst>
   </p:timing>
 </p:sld>
 </file>
@@ -12389,7 +12678,7 @@
         <p:spPr>
           <a:xfrm>
             <a:off x="838200" y="401200"/>
-            <a:ext cx="10515600" cy="3588175"/>
+            <a:ext cx="10515600" cy="2198565"/>
           </a:xfrm>
         </p:spPr>
         <p:txBody>
@@ -12410,87 +12699,45 @@
               <a:rPr lang="en-US" sz="2400" b="1" dirty="0" smtClean="0"/>
             </a:br>
             <a:r>
-              <a:rPr lang="en-US" sz="2400" b="1" dirty="0">
-                <a:solidFill>
-                  <a:srgbClr val="7030A0"/>
-                </a:solidFill>
-              </a:rPr>
-              <a:t>The design and code review effort is high (process is effective) in a project, and it results in less number of defects injected in UAT phase. Identify the appropriate type of correlation between review effort and number of defects. (Assume that "r" value is good).</a:t>
-            </a:r>
-            <a:r>
-              <a:rPr lang="en-US" sz="2400" dirty="0">
-                <a:solidFill>
-                  <a:srgbClr val="7030A0"/>
-                </a:solidFill>
-              </a:rPr>
+              <a:rPr lang="en-US" sz="2400" b="1" dirty="0"/>
+              <a:t>If the effort variance of your project shows a negatively skewed normal distribution curve, what will you infer from the following?</a:t>
+            </a:r>
+            <a:r>
+              <a:rPr lang="en-US" sz="2400" dirty="0"/>
               <a:t/>
-            </a:r>
-            <a:br>
-              <a:rPr lang="en-US" sz="2400" dirty="0">
-                <a:solidFill>
-                  <a:srgbClr val="7030A0"/>
-                </a:solidFill>
-              </a:rPr>
-            </a:br>
-            <a:r>
-              <a:rPr lang="en-US" sz="2400" dirty="0" smtClean="0">
-                <a:solidFill>
-                  <a:srgbClr val="7030A0"/>
-                </a:solidFill>
-              </a:rPr>
-              <a:t>	</a:t>
-            </a:r>
-            <a:r>
-              <a:rPr lang="en-US" sz="2400" dirty="0" smtClean="0"/>
-              <a:t>Positive </a:t>
-            </a:r>
-            <a:r>
-              <a:rPr lang="en-US" sz="2400" dirty="0"/>
-              <a:t>Correlation</a:t>
             </a:r>
             <a:br>
               <a:rPr lang="en-US" sz="2400" dirty="0"/>
             </a:br>
             <a:r>
-              <a:rPr lang="en-US" sz="2400" dirty="0" smtClean="0"/>
-              <a:t>	Strong </a:t>
-            </a:r>
-            <a:r>
               <a:rPr lang="en-US" sz="2400" dirty="0"/>
-              <a:t>Negative Correlation</a:t>
+              <a:t>This means that the project is proactively finishing ahead of time</a:t>
             </a:r>
             <a:br>
               <a:rPr lang="en-US" sz="2400" dirty="0"/>
             </a:br>
             <a:r>
-              <a:rPr lang="en-US" sz="2400" dirty="0" smtClean="0"/>
-              <a:t>	Non </a:t>
-            </a:r>
-            <a:r>
               <a:rPr lang="en-US" sz="2400" dirty="0"/>
-              <a:t>linear Correlation</a:t>
+              <a:t>Project is in control</a:t>
             </a:r>
             <a:br>
               <a:rPr lang="en-US" sz="2400" dirty="0"/>
             </a:br>
             <a:r>
-              <a:rPr lang="en-US" sz="2400" dirty="0" smtClean="0"/>
-              <a:t>	Strong </a:t>
-            </a:r>
-            <a:r>
               <a:rPr lang="en-US" sz="2400" dirty="0"/>
-              <a:t>Positive Correlation</a:t>
+              <a:t>Project is influenced by lot of special causes</a:t>
             </a:r>
             <a:br>
               <a:rPr lang="en-US" sz="2400" dirty="0"/>
             </a:br>
             <a:r>
               <a:rPr lang="en-US" sz="2400" dirty="0"/>
-              <a:t/>
-            </a:r>
-            <a:br>
-              <a:rPr lang="en-US" sz="2400" dirty="0"/>
-            </a:br>
+              <a:t>None of the </a:t>
+            </a:r>
+            <a:r>
+              <a:rPr lang="en-US" sz="2400" dirty="0" smtClean="0"/>
+              <a:t>above</a:t>
+            </a:r>
             <a:endParaRPr lang="en-US" sz="2400" dirty="0"/>
           </a:p>
         </p:txBody>
@@ -12507,7 +12754,7 @@
         </p:nvSpPr>
         <p:spPr>
           <a:xfrm>
-            <a:off x="838200" y="4146383"/>
+            <a:off x="838200" y="3052689"/>
             <a:ext cx="10515600" cy="2335237"/>
           </a:xfrm>
         </p:spPr>
@@ -12526,12 +12773,9 @@
             </a:r>
             <a:r>
               <a:rPr lang="en-US" sz="2400" b="1" dirty="0" smtClean="0"/>
-              <a:t>	</a:t>
-            </a:r>
-            <a:r>
-              <a:rPr lang="en-US" sz="2400" dirty="0" smtClean="0"/>
-              <a:t> Strong Negative Correlation</a:t>
-            </a:r>
+              <a:t>	1, finish early</a:t>
+            </a:r>
+            <a:endParaRPr lang="en-US" sz="2400" dirty="0" smtClean="0"/>
           </a:p>
           <a:p>
             <a:pPr marL="0" indent="0">
@@ -12594,7 +12838,7 @@
                   </a:outerShdw>
                 </a:effectLst>
               </a:rPr>
-              <a:t>Data Visualization</a:t>
+              <a:t>Basic Statistics</a:t>
             </a:r>
             <a:endParaRPr lang="en-US" sz="3600" dirty="0">
               <a:ln w="0"/>
@@ -12612,7 +12856,7 @@
     </p:spTree>
     <p:extLst>
       <p:ext uri="{BB962C8B-B14F-4D97-AF65-F5344CB8AC3E}">
-        <p14:creationId xmlns:p14="http://schemas.microsoft.com/office/powerpoint/2010/main" val="4182924021"/>
+        <p14:creationId xmlns:p14="http://schemas.microsoft.com/office/powerpoint/2010/main" val="644109776"/>
       </p:ext>
     </p:extLst>
   </p:cSld>
@@ -12903,8 +13147,31 @@
               <a:rPr lang="en-US" sz="2400" b="1" dirty="0" smtClean="0"/>
             </a:br>
             <a:r>
-              <a:rPr lang="en-US" sz="2400" b="1" dirty="0"/>
-              <a:t>If the effort variance of your project shows a negatively skewed normal distribution curve, what will you infer from the following?</a:t>
+              <a:rPr lang="en-US" sz="2400" b="1" dirty="0">
+                <a:solidFill>
+                  <a:srgbClr val="7030A0"/>
+                </a:solidFill>
+              </a:rPr>
+              <a:t>--------------------- helps to understand Process behavior for parametric distribution.</a:t>
+            </a:r>
+            <a:r>
+              <a:rPr lang="en-US" sz="2400" dirty="0">
+                <a:solidFill>
+                  <a:srgbClr val="7030A0"/>
+                </a:solidFill>
+              </a:rPr>
+              <a:t/>
+            </a:r>
+            <a:br>
+              <a:rPr lang="en-US" sz="2400" dirty="0">
+                <a:solidFill>
+                  <a:srgbClr val="7030A0"/>
+                </a:solidFill>
+              </a:rPr>
+            </a:br>
+            <a:r>
+              <a:rPr lang="en-US" sz="2400" dirty="0" smtClean="0"/>
+              <a:t>	Median</a:t>
             </a:r>
             <a:r>
               <a:rPr lang="en-US" sz="2400" dirty="0"/>
@@ -12914,33 +13181,30 @@
               <a:rPr lang="en-US" sz="2400" dirty="0"/>
             </a:br>
             <a:r>
+              <a:rPr lang="en-US" sz="2400" dirty="0" smtClean="0"/>
+              <a:t>	Range</a:t>
+            </a:r>
+            <a:r>
               <a:rPr lang="en-US" sz="2400" dirty="0"/>
-              <a:t>This means that the project is proactively finishing ahead of time</a:t>
+              <a:t/>
             </a:r>
             <a:br>
               <a:rPr lang="en-US" sz="2400" dirty="0"/>
             </a:br>
             <a:r>
+              <a:rPr lang="en-US" sz="2400" dirty="0" smtClean="0"/>
+              <a:t>	Mean</a:t>
+            </a:r>
+            <a:r>
               <a:rPr lang="en-US" sz="2400" dirty="0"/>
-              <a:t>Project is in control</a:t>
+              <a:t/>
             </a:r>
             <a:br>
               <a:rPr lang="en-US" sz="2400" dirty="0"/>
             </a:br>
             <a:r>
-              <a:rPr lang="en-US" sz="2400" dirty="0"/>
-              <a:t>Project is influenced by lot of special causes</a:t>
-            </a:r>
-            <a:br>
-              <a:rPr lang="en-US" sz="2400" dirty="0"/>
-            </a:br>
-            <a:r>
-              <a:rPr lang="en-US" sz="2400" dirty="0"/>
-              <a:t>None of the </a:t>
-            </a:r>
-            <a:r>
               <a:rPr lang="en-US" sz="2400" dirty="0" smtClean="0"/>
-              <a:t>above</a:t>
+              <a:t>	Variance</a:t>
             </a:r>
             <a:endParaRPr lang="en-US" sz="2400" dirty="0"/>
           </a:p>
@@ -12977,7 +13241,7 @@
             </a:r>
             <a:r>
               <a:rPr lang="en-US" sz="2400" b="1" dirty="0" smtClean="0"/>
-              <a:t>	1, finish early</a:t>
+              <a:t>	Mean</a:t>
             </a:r>
             <a:endParaRPr lang="en-US" sz="2400" dirty="0" smtClean="0"/>
           </a:p>
@@ -13060,7 +13324,7 @@
     </p:spTree>
     <p:extLst>
       <p:ext uri="{BB962C8B-B14F-4D97-AF65-F5344CB8AC3E}">
-        <p14:creationId xmlns:p14="http://schemas.microsoft.com/office/powerpoint/2010/main" val="644109776"/>
+        <p14:creationId xmlns:p14="http://schemas.microsoft.com/office/powerpoint/2010/main" val="2342183485"/>
       </p:ext>
     </p:extLst>
   </p:cSld>
@@ -13330,7 +13594,7 @@
         <p:spPr>
           <a:xfrm>
             <a:off x="838200" y="401200"/>
-            <a:ext cx="10515600" cy="2198565"/>
+            <a:ext cx="10515600" cy="2047118"/>
           </a:xfrm>
         </p:spPr>
         <p:txBody>
@@ -13356,7 +13620,7 @@
                   <a:srgbClr val="7030A0"/>
                 </a:solidFill>
               </a:rPr>
-              <a:t>--------------------- helps to understand Process behavior for parametric distribution.</a:t>
+              <a:t>"If P value is &gt;=0.5, then the process is said to be Normal" – Indicate what type of statistics is being used?</a:t>
             </a:r>
             <a:r>
               <a:rPr lang="en-US" sz="2400" dirty="0">
@@ -13374,8 +13638,16 @@
               </a:rPr>
             </a:br>
             <a:r>
+              <a:rPr lang="en-US" sz="2400" dirty="0" smtClean="0">
+                <a:solidFill>
+                  <a:srgbClr val="7030A0"/>
+                </a:solidFill>
+              </a:rPr>
+              <a:t>	</a:t>
+            </a:r>
+            <a:r>
               <a:rPr lang="en-US" sz="2400" dirty="0" smtClean="0"/>
-              <a:t>	Median</a:t>
+              <a:t>Descriptive</a:t>
             </a:r>
             <a:r>
               <a:rPr lang="en-US" sz="2400" dirty="0"/>
@@ -13386,7 +13658,7 @@
             </a:br>
             <a:r>
               <a:rPr lang="en-US" sz="2400" dirty="0" smtClean="0"/>
-              <a:t>	Range</a:t>
+              <a:t>	Inferential</a:t>
             </a:r>
             <a:r>
               <a:rPr lang="en-US" sz="2400" dirty="0"/>
@@ -13397,7 +13669,7 @@
             </a:br>
             <a:r>
               <a:rPr lang="en-US" sz="2400" dirty="0" smtClean="0"/>
-              <a:t>	Mean</a:t>
+              <a:t>	Expression</a:t>
             </a:r>
             <a:r>
               <a:rPr lang="en-US" sz="2400" dirty="0"/>
@@ -13408,7 +13680,15 @@
             </a:br>
             <a:r>
               <a:rPr lang="en-US" sz="2400" dirty="0" smtClean="0"/>
-              <a:t>	Variance</a:t>
+              <a:t>	None </a:t>
+            </a:r>
+            <a:r>
+              <a:rPr lang="en-US" sz="2400" dirty="0"/>
+              <a:t>of the </a:t>
+            </a:r>
+            <a:r>
+              <a:rPr lang="en-US" sz="2400" dirty="0" smtClean="0"/>
+              <a:t>above</a:t>
             </a:r>
             <a:endParaRPr lang="en-US" sz="2400" dirty="0"/>
           </a:p>
@@ -13445,9 +13725,12 @@
             </a:r>
             <a:r>
               <a:rPr lang="en-US" sz="2400" b="1" dirty="0" smtClean="0"/>
-              <a:t>	Mean</a:t>
-            </a:r>
-            <a:endParaRPr lang="en-US" sz="2400" dirty="0" smtClean="0"/>
+              <a:t>	</a:t>
+            </a:r>
+            <a:r>
+              <a:rPr lang="en-US" sz="2400" dirty="0" smtClean="0"/>
+              <a:t> Inferential</a:t>
+            </a:r>
           </a:p>
           <a:p>
             <a:pPr marL="0" indent="0">
@@ -13528,7 +13811,7 @@
     </p:spTree>
     <p:extLst>
       <p:ext uri="{BB962C8B-B14F-4D97-AF65-F5344CB8AC3E}">
-        <p14:creationId xmlns:p14="http://schemas.microsoft.com/office/powerpoint/2010/main" val="2342183485"/>
+        <p14:creationId xmlns:p14="http://schemas.microsoft.com/office/powerpoint/2010/main" val="1835828585"/>
       </p:ext>
     </p:extLst>
   </p:cSld>
@@ -13824,7 +14107,7 @@
                   <a:srgbClr val="7030A0"/>
                 </a:solidFill>
               </a:rPr>
-              <a:t>"If P value is &gt;=0.5, then the process is said to be Normal" – Indicate what type of statistics is being used?</a:t>
+              <a:t>Three Standard Deviations on left and right side of the mean would include what % of the total data points in Normal Distribution?</a:t>
             </a:r>
             <a:r>
               <a:rPr lang="en-US" sz="2400" dirty="0">
@@ -13851,48 +14134,40 @@
             </a:r>
             <a:r>
               <a:rPr lang="en-US" sz="2400" dirty="0" smtClean="0"/>
-              <a:t>Descriptive</a:t>
+              <a:t>68 </a:t>
             </a:r>
             <a:r>
               <a:rPr lang="en-US" sz="2400" dirty="0"/>
-              <a:t/>
+              <a:t>%</a:t>
             </a:r>
             <a:br>
               <a:rPr lang="en-US" sz="2400" dirty="0"/>
             </a:br>
             <a:r>
               <a:rPr lang="en-US" sz="2400" dirty="0" smtClean="0"/>
-              <a:t>	Inferential</a:t>
+              <a:t>	97 </a:t>
             </a:r>
             <a:r>
               <a:rPr lang="en-US" sz="2400" dirty="0"/>
-              <a:t/>
+              <a:t>%</a:t>
             </a:r>
             <a:br>
               <a:rPr lang="en-US" sz="2400" dirty="0"/>
             </a:br>
             <a:r>
               <a:rPr lang="en-US" sz="2400" dirty="0" smtClean="0"/>
-              <a:t>	Expression</a:t>
+              <a:t>	99 </a:t>
             </a:r>
             <a:r>
               <a:rPr lang="en-US" sz="2400" dirty="0"/>
-              <a:t/>
+              <a:t>%</a:t>
             </a:r>
             <a:br>
               <a:rPr lang="en-US" sz="2400" dirty="0"/>
             </a:br>
             <a:r>
               <a:rPr lang="en-US" sz="2400" dirty="0" smtClean="0"/>
-              <a:t>	None </a:t>
-            </a:r>
-            <a:r>
-              <a:rPr lang="en-US" sz="2400" dirty="0"/>
-              <a:t>of the </a:t>
-            </a:r>
-            <a:r>
-              <a:rPr lang="en-US" sz="2400" dirty="0" smtClean="0"/>
-              <a:t>above</a:t>
+              <a:t>	95 %</a:t>
             </a:r>
             <a:endParaRPr lang="en-US" sz="2400" dirty="0"/>
           </a:p>
@@ -13931,10 +14206,7 @@
               <a:rPr lang="en-US" sz="2400" b="1" dirty="0" smtClean="0"/>
               <a:t>	</a:t>
             </a:r>
-            <a:r>
-              <a:rPr lang="en-US" sz="2400" dirty="0" smtClean="0"/>
-              <a:t> Inferential</a:t>
-            </a:r>
+            <a:endParaRPr lang="en-US" sz="2400" dirty="0" smtClean="0"/>
           </a:p>
           <a:p>
             <a:pPr marL="0" indent="0">
@@ -14015,7 +14287,7 @@
     </p:spTree>
     <p:extLst>
       <p:ext uri="{BB962C8B-B14F-4D97-AF65-F5344CB8AC3E}">
-        <p14:creationId xmlns:p14="http://schemas.microsoft.com/office/powerpoint/2010/main" val="1835828585"/>
+        <p14:creationId xmlns:p14="http://schemas.microsoft.com/office/powerpoint/2010/main" val="2886072605"/>
       </p:ext>
     </p:extLst>
   </p:cSld>
@@ -14285,7 +14557,7 @@
         <p:spPr>
           <a:xfrm>
             <a:off x="838200" y="401200"/>
-            <a:ext cx="10515600" cy="2047118"/>
+            <a:ext cx="10515600" cy="2651489"/>
           </a:xfrm>
         </p:spPr>
         <p:txBody>
@@ -14311,7 +14583,23 @@
                   <a:srgbClr val="7030A0"/>
                 </a:solidFill>
               </a:rPr>
-              <a:t>Three Standard Deviations on left and right side of the mean would include what % of the total data points in Normal Distribution?</a:t>
+              <a:t>In your project, Review effort (</a:t>
+            </a:r>
+            <a:r>
+              <a:rPr lang="en-US" sz="2400" b="1" dirty="0" err="1">
+                <a:solidFill>
+                  <a:srgbClr val="7030A0"/>
+                </a:solidFill>
+              </a:rPr>
+              <a:t>hrs</a:t>
+            </a:r>
+            <a:r>
+              <a:rPr lang="en-US" sz="2400" b="1" dirty="0">
+                <a:solidFill>
+                  <a:srgbClr val="7030A0"/>
+                </a:solidFill>
+              </a:rPr>
+              <a:t>, X) and defect rate (no. of defects per hour, Y) show a negative correlation. It means :</a:t>
             </a:r>
             <a:r>
               <a:rPr lang="en-US" sz="2400" dirty="0">
@@ -14338,40 +14626,64 @@
             </a:r>
             <a:r>
               <a:rPr lang="en-US" sz="2400" dirty="0" smtClean="0"/>
-              <a:t>68 </a:t>
+              <a:t>As </a:t>
             </a:r>
             <a:r>
               <a:rPr lang="en-US" sz="2400" dirty="0"/>
-              <a:t>%</a:t>
+              <a:t>Defect rate increases, Review effort also increases</a:t>
             </a:r>
             <a:br>
               <a:rPr lang="en-US" sz="2400" dirty="0"/>
             </a:br>
             <a:r>
               <a:rPr lang="en-US" sz="2400" dirty="0" smtClean="0"/>
-              <a:t>	97 </a:t>
+              <a:t>	Negative </a:t>
             </a:r>
             <a:r>
               <a:rPr lang="en-US" sz="2400" dirty="0"/>
-              <a:t>%</a:t>
+              <a:t>correlation does not infer any relationship between Review </a:t>
+            </a:r>
+            <a:r>
+              <a:rPr lang="en-US" sz="2400" dirty="0" smtClean="0"/>
+              <a:t>	effort </a:t>
+            </a:r>
+            <a:r>
+              <a:rPr lang="en-US" sz="2400" dirty="0"/>
+              <a:t>and defect Factors</a:t>
             </a:r>
             <a:br>
               <a:rPr lang="en-US" sz="2400" dirty="0"/>
             </a:br>
             <a:r>
               <a:rPr lang="en-US" sz="2400" dirty="0" smtClean="0"/>
-              <a:t>	99 </a:t>
+              <a:t>	As </a:t>
             </a:r>
             <a:r>
               <a:rPr lang="en-US" sz="2400" dirty="0"/>
-              <a:t>%</a:t>
+              <a:t>Defect Rate decreases, Review effort also decreases</a:t>
             </a:r>
             <a:br>
               <a:rPr lang="en-US" sz="2400" dirty="0"/>
             </a:br>
             <a:r>
               <a:rPr lang="en-US" sz="2400" dirty="0" smtClean="0"/>
-              <a:t>	95 %</a:t>
+              <a:t>	As </a:t>
+            </a:r>
+            <a:r>
+              <a:rPr lang="en-US" sz="2400" dirty="0"/>
+              <a:t>Defect Rate increases, Review Effort </a:t>
+            </a:r>
+            <a:r>
+              <a:rPr lang="en-US" sz="2400" dirty="0" err="1"/>
+              <a:t>Hrs</a:t>
+            </a:r>
+            <a:r>
+              <a:rPr lang="en-US" sz="2400" dirty="0"/>
+              <a:t> </a:t>
+            </a:r>
+            <a:r>
+              <a:rPr lang="en-US" sz="2400" dirty="0" smtClean="0"/>
+              <a:t>decreases</a:t>
             </a:r>
             <a:endParaRPr lang="en-US" sz="2400" dirty="0"/>
           </a:p>
@@ -14410,7 +14722,18 @@
               <a:rPr lang="en-US" sz="2400" b="1" dirty="0" smtClean="0"/>
               <a:t>	</a:t>
             </a:r>
-            <a:endParaRPr lang="en-US" sz="2400" dirty="0" smtClean="0"/>
+            <a:r>
+              <a:rPr lang="en-US" sz="2400" dirty="0" smtClean="0"/>
+              <a:t>As Defect Rate increases, Review Effort </a:t>
+            </a:r>
+            <a:r>
+              <a:rPr lang="en-US" sz="2400" dirty="0" err="1" smtClean="0"/>
+              <a:t>Hrs</a:t>
+            </a:r>
+            <a:r>
+              <a:rPr lang="en-US" sz="2400" dirty="0" smtClean="0"/>
+              <a:t> decreases</a:t>
+            </a:r>
           </a:p>
           <a:p>
             <a:pPr marL="0" indent="0">
@@ -14473,7 +14796,7 @@
                   </a:outerShdw>
                 </a:effectLst>
               </a:rPr>
-              <a:t>Basic Statistics</a:t>
+              <a:t>Data Visualization</a:t>
             </a:r>
             <a:endParaRPr lang="en-US" sz="3600" dirty="0">
               <a:ln w="0"/>
@@ -14491,7 +14814,7 @@
     </p:spTree>
     <p:extLst>
       <p:ext uri="{BB962C8B-B14F-4D97-AF65-F5344CB8AC3E}">
-        <p14:creationId xmlns:p14="http://schemas.microsoft.com/office/powerpoint/2010/main" val="2886072605"/>
+        <p14:creationId xmlns:p14="http://schemas.microsoft.com/office/powerpoint/2010/main" val="586140856"/>
       </p:ext>
     </p:extLst>
   </p:cSld>
@@ -14761,7 +15084,7 @@
         <p:spPr>
           <a:xfrm>
             <a:off x="838200" y="401200"/>
-            <a:ext cx="10515600" cy="2651489"/>
+            <a:ext cx="10515600" cy="3077106"/>
           </a:xfrm>
         </p:spPr>
         <p:txBody>
@@ -14787,23 +15110,7 @@
                   <a:srgbClr val="7030A0"/>
                 </a:solidFill>
               </a:rPr>
-              <a:t>In your project, Review effort (</a:t>
-            </a:r>
-            <a:r>
-              <a:rPr lang="en-US" sz="2400" b="1" dirty="0" err="1">
-                <a:solidFill>
-                  <a:srgbClr val="7030A0"/>
-                </a:solidFill>
-              </a:rPr>
-              <a:t>hrs</a:t>
-            </a:r>
-            <a:r>
-              <a:rPr lang="en-US" sz="2400" b="1" dirty="0">
-                <a:solidFill>
-                  <a:srgbClr val="7030A0"/>
-                </a:solidFill>
-              </a:rPr>
-              <a:t>, X) and defect rate (no. of defects per hour, Y) show a negative correlation. It means :</a:t>
+              <a:t>If you are a Team Lead encountering a positively skewed normal distribution curve for Defect Leakage Rate, then what will you conclude from the following?</a:t>
             </a:r>
             <a:r>
               <a:rPr lang="en-US" sz="2400" dirty="0">
@@ -14830,65 +15137,55 @@
             </a:r>
             <a:r>
               <a:rPr lang="en-US" sz="2400" dirty="0" smtClean="0"/>
-              <a:t>As </a:t>
+              <a:t>Process </a:t>
             </a:r>
             <a:r>
               <a:rPr lang="en-US" sz="2400" dirty="0"/>
-              <a:t>Defect rate increases, Review effort also increases</a:t>
+              <a:t>is stable</a:t>
             </a:r>
             <a:br>
               <a:rPr lang="en-US" sz="2400" dirty="0"/>
             </a:br>
             <a:r>
               <a:rPr lang="en-US" sz="2400" dirty="0" smtClean="0"/>
-              <a:t>	Negative </a:t>
+              <a:t>	Process </a:t>
             </a:r>
             <a:r>
               <a:rPr lang="en-US" sz="2400" dirty="0"/>
-              <a:t>correlation does not infer any relationship between Review </a:t>
-            </a:r>
-            <a:r>
-              <a:rPr lang="en-US" sz="2400" dirty="0" smtClean="0"/>
-              <a:t>	effort </a:t>
-            </a:r>
-            <a:r>
-              <a:rPr lang="en-US" sz="2400" dirty="0"/>
-              <a:t>and defect Factors</a:t>
+              <a:t>is within limits</a:t>
             </a:r>
             <a:br>
               <a:rPr lang="en-US" sz="2400" dirty="0"/>
             </a:br>
             <a:r>
               <a:rPr lang="en-US" sz="2400" dirty="0" smtClean="0"/>
-              <a:t>	As </a:t>
+              <a:t>	Process </a:t>
             </a:r>
             <a:r>
               <a:rPr lang="en-US" sz="2400" dirty="0"/>
-              <a:t>Defect Rate decreases, Review effort also decreases</a:t>
+              <a:t>needs Corrective action over Defects</a:t>
             </a:r>
             <a:br>
               <a:rPr lang="en-US" sz="2400" dirty="0"/>
             </a:br>
             <a:r>
               <a:rPr lang="en-US" sz="2400" dirty="0" smtClean="0"/>
-              <a:t>	As </a:t>
+              <a:t>	Process </a:t>
             </a:r>
             <a:r>
               <a:rPr lang="en-US" sz="2400" dirty="0"/>
-              <a:t>Defect Rate increases, Review Effort </a:t>
-            </a:r>
-            <a:r>
-              <a:rPr lang="en-US" sz="2400" dirty="0" err="1"/>
-              <a:t>Hrs</a:t>
-            </a:r>
-            <a:r>
+              <a:t>is influenced by special cause variation</a:t>
+            </a:r>
+            <a:br>
               <a:rPr lang="en-US" sz="2400" dirty="0"/>
-              <a:t> </a:t>
-            </a:r>
-            <a:r>
-              <a:rPr lang="en-US" sz="2400" dirty="0" smtClean="0"/>
-              <a:t>decreases</a:t>
-            </a:r>
+            </a:br>
+            <a:r>
+              <a:rPr lang="en-US" sz="2400" dirty="0"/>
+              <a:t/>
+            </a:r>
+            <a:br>
+              <a:rPr lang="en-US" sz="2400" dirty="0"/>
+            </a:br>
             <a:endParaRPr lang="en-US" sz="2400" dirty="0"/>
           </a:p>
         </p:txBody>
@@ -14928,15 +15225,7 @@
             </a:r>
             <a:r>
               <a:rPr lang="en-US" sz="2400" dirty="0" smtClean="0"/>
-              <a:t>As Defect Rate increases, Review Effort </a:t>
-            </a:r>
-            <a:r>
-              <a:rPr lang="en-US" sz="2400" dirty="0" err="1" smtClean="0"/>
-              <a:t>Hrs</a:t>
-            </a:r>
-            <a:r>
-              <a:rPr lang="en-US" sz="2400" dirty="0" smtClean="0"/>
-              <a:t> decreases</a:t>
+              <a:t> Process needs Corrective action over Defects</a:t>
             </a:r>
           </a:p>
           <a:p>
@@ -15018,7 +15307,7 @@
     </p:spTree>
     <p:extLst>
       <p:ext uri="{BB962C8B-B14F-4D97-AF65-F5344CB8AC3E}">
-        <p14:creationId xmlns:p14="http://schemas.microsoft.com/office/powerpoint/2010/main" val="586140856"/>
+        <p14:creationId xmlns:p14="http://schemas.microsoft.com/office/powerpoint/2010/main" val="3080509297"/>
       </p:ext>
     </p:extLst>
   </p:cSld>
@@ -15288,7 +15577,7 @@
         <p:spPr>
           <a:xfrm>
             <a:off x="838200" y="401200"/>
-            <a:ext cx="10515600" cy="3077106"/>
+            <a:ext cx="10515600" cy="2306141"/>
           </a:xfrm>
         </p:spPr>
         <p:txBody>
@@ -15314,82 +15603,56 @@
                   <a:srgbClr val="7030A0"/>
                 </a:solidFill>
               </a:rPr>
-              <a:t>If you are a Team Lead encountering a positively skewed normal distribution curve for Defect Leakage Rate, then what will you conclude from the following?</a:t>
-            </a:r>
-            <a:r>
-              <a:rPr lang="en-US" sz="2400" dirty="0">
-                <a:solidFill>
-                  <a:srgbClr val="7030A0"/>
-                </a:solidFill>
-              </a:rPr>
+              <a:t>The measure which helps to understand the spread of variation is called as __________</a:t>
+            </a:r>
+            <a:r>
+              <a:rPr lang="en-US" sz="2400" dirty="0"/>
               <a:t/>
-            </a:r>
-            <a:br>
-              <a:rPr lang="en-US" sz="2400" dirty="0">
-                <a:solidFill>
-                  <a:srgbClr val="7030A0"/>
-                </a:solidFill>
-              </a:rPr>
-            </a:br>
-            <a:r>
-              <a:rPr lang="en-US" sz="2400" dirty="0" smtClean="0">
-                <a:solidFill>
-                  <a:srgbClr val="7030A0"/>
-                </a:solidFill>
-              </a:rPr>
-              <a:t>	</a:t>
-            </a:r>
-            <a:r>
-              <a:rPr lang="en-US" sz="2400" dirty="0" smtClean="0"/>
-              <a:t>Process </a:t>
-            </a:r>
-            <a:r>
-              <a:rPr lang="en-US" sz="2400" dirty="0"/>
-              <a:t>is stable</a:t>
             </a:r>
             <a:br>
               <a:rPr lang="en-US" sz="2400" dirty="0"/>
             </a:br>
             <a:r>
               <a:rPr lang="en-US" sz="2400" dirty="0" smtClean="0"/>
-              <a:t>	Process </a:t>
+              <a:t>	Quartile </a:t>
             </a:r>
             <a:r>
               <a:rPr lang="en-US" sz="2400" dirty="0"/>
-              <a:t>is within limits</a:t>
+              <a:t>1</a:t>
             </a:r>
             <a:br>
               <a:rPr lang="en-US" sz="2400" dirty="0"/>
             </a:br>
             <a:r>
               <a:rPr lang="en-US" sz="2400" dirty="0" smtClean="0"/>
-              <a:t>	Process </a:t>
+              <a:t>	</a:t>
+            </a:r>
+            <a:r>
+              <a:rPr lang="en-US" sz="2400" dirty="0" err="1" smtClean="0"/>
+              <a:t>Cpk</a:t>
             </a:r>
             <a:r>
               <a:rPr lang="en-US" sz="2400" dirty="0"/>
-              <a:t>needs Corrective action over Defects</a:t>
+              <a:t/>
             </a:r>
             <a:br>
               <a:rPr lang="en-US" sz="2400" dirty="0"/>
             </a:br>
             <a:r>
               <a:rPr lang="en-US" sz="2400" dirty="0" smtClean="0"/>
-              <a:t>	Process </a:t>
+              <a:t>	Mode</a:t>
             </a:r>
             <a:r>
               <a:rPr lang="en-US" sz="2400" dirty="0"/>
-              <a:t>is influenced by special cause variation</a:t>
+              <a:t/>
             </a:r>
             <a:br>
               <a:rPr lang="en-US" sz="2400" dirty="0"/>
             </a:br>
             <a:r>
-              <a:rPr lang="en-US" sz="2400" dirty="0"/>
-              <a:t/>
-            </a:r>
-            <a:br>
-              <a:rPr lang="en-US" sz="2400" dirty="0"/>
-            </a:br>
+              <a:rPr lang="en-US" sz="2400" dirty="0" smtClean="0"/>
+              <a:t>	Variance</a:t>
+            </a:r>
             <a:endParaRPr lang="en-US" sz="2400" dirty="0"/>
           </a:p>
         </p:txBody>
@@ -15425,12 +15688,9 @@
             </a:r>
             <a:r>
               <a:rPr lang="en-US" sz="2400" b="1" dirty="0" smtClean="0"/>
-              <a:t>	</a:t>
-            </a:r>
-            <a:r>
-              <a:rPr lang="en-US" sz="2400" dirty="0" smtClean="0"/>
-              <a:t> Process needs Corrective action over Defects</a:t>
-            </a:r>
+              <a:t>	Variance</a:t>
+            </a:r>
+            <a:endParaRPr lang="en-US" sz="2400" dirty="0" smtClean="0"/>
           </a:p>
           <a:p>
             <a:pPr marL="0" indent="0">
@@ -15493,7 +15753,7 @@
                   </a:outerShdw>
                 </a:effectLst>
               </a:rPr>
-              <a:t>Data Visualization</a:t>
+              <a:t>Basic Statistics</a:t>
             </a:r>
             <a:endParaRPr lang="en-US" sz="3600" dirty="0">
               <a:ln w="0"/>
@@ -15511,7 +15771,7 @@
     </p:spTree>
     <p:extLst>
       <p:ext uri="{BB962C8B-B14F-4D97-AF65-F5344CB8AC3E}">
-        <p14:creationId xmlns:p14="http://schemas.microsoft.com/office/powerpoint/2010/main" val="3080509297"/>
+        <p14:creationId xmlns:p14="http://schemas.microsoft.com/office/powerpoint/2010/main" val="4087527125"/>
       </p:ext>
     </p:extLst>
   </p:cSld>
@@ -15780,8 +16040,8 @@
         </p:nvSpPr>
         <p:spPr>
           <a:xfrm>
-            <a:off x="838200" y="401200"/>
-            <a:ext cx="10515600" cy="2306141"/>
+            <a:off x="838200" y="1180689"/>
+            <a:ext cx="10515600" cy="850825"/>
           </a:xfrm>
         </p:spPr>
         <p:txBody>
@@ -15807,7 +16067,7 @@
                   <a:srgbClr val="7030A0"/>
                 </a:solidFill>
               </a:rPr>
-              <a:t>The measure which helps to understand the spread of variation is called as __________</a:t>
+              <a:t>One of the most popular measures of variability in a data set or population is ______________.</a:t>
             </a:r>
             <a:r>
               <a:rPr lang="en-US" sz="2400" dirty="0"/>
@@ -15818,22 +16078,18 @@
             </a:br>
             <a:r>
               <a:rPr lang="en-US" sz="2400" dirty="0" smtClean="0"/>
-              <a:t>	Quartile </a:t>
+              <a:t>	Dispersion</a:t>
             </a:r>
             <a:r>
               <a:rPr lang="en-US" sz="2400" dirty="0"/>
-              <a:t>1</a:t>
+              <a:t/>
             </a:r>
             <a:br>
               <a:rPr lang="en-US" sz="2400" dirty="0"/>
             </a:br>
             <a:r>
               <a:rPr lang="en-US" sz="2400" dirty="0" smtClean="0"/>
-              <a:t>	</a:t>
-            </a:r>
-            <a:r>
-              <a:rPr lang="en-US" sz="2400" dirty="0" err="1" smtClean="0"/>
-              <a:t>Cpk</a:t>
+              <a:t>	Variation</a:t>
             </a:r>
             <a:r>
               <a:rPr lang="en-US" sz="2400" dirty="0"/>
@@ -15844,7 +16100,7 @@
             </a:br>
             <a:r>
               <a:rPr lang="en-US" sz="2400" dirty="0" smtClean="0"/>
-              <a:t>	Mode</a:t>
+              <a:t>	Mean</a:t>
             </a:r>
             <a:r>
               <a:rPr lang="en-US" sz="2400" dirty="0"/>
@@ -15855,7 +16111,7 @@
             </a:br>
             <a:r>
               <a:rPr lang="en-US" sz="2400" dirty="0" smtClean="0"/>
-              <a:t>	Variance</a:t>
+              <a:t>	Standard Deviation</a:t>
             </a:r>
             <a:endParaRPr lang="en-US" sz="2400" dirty="0"/>
           </a:p>
@@ -15892,7 +16148,7 @@
             </a:r>
             <a:r>
               <a:rPr lang="en-US" sz="2400" b="1" dirty="0" smtClean="0"/>
-              <a:t>	Variance</a:t>
+              <a:t>	SD</a:t>
             </a:r>
             <a:endParaRPr lang="en-US" sz="2400" dirty="0" smtClean="0"/>
           </a:p>
@@ -15975,7 +16231,7 @@
     </p:spTree>
     <p:extLst>
       <p:ext uri="{BB962C8B-B14F-4D97-AF65-F5344CB8AC3E}">
-        <p14:creationId xmlns:p14="http://schemas.microsoft.com/office/powerpoint/2010/main" val="4087527125"/>
+        <p14:creationId xmlns:p14="http://schemas.microsoft.com/office/powerpoint/2010/main" val="1058238850"/>
       </p:ext>
     </p:extLst>
   </p:cSld>
@@ -16244,7 +16500,7 @@
         </p:nvSpPr>
         <p:spPr>
           <a:xfrm>
-            <a:off x="838200" y="1180689"/>
+            <a:off x="838200" y="401200"/>
             <a:ext cx="10515600" cy="850825"/>
           </a:xfrm>
         </p:spPr>
@@ -16265,58 +16521,6 @@
             <a:br>
               <a:rPr lang="en-US" sz="2400" b="1" dirty="0" smtClean="0"/>
             </a:br>
-            <a:r>
-              <a:rPr lang="en-US" sz="2400" b="1" dirty="0">
-                <a:solidFill>
-                  <a:srgbClr val="7030A0"/>
-                </a:solidFill>
-              </a:rPr>
-              <a:t>One of the most popular measures of variability in a data set or population is ______________.</a:t>
-            </a:r>
-            <a:r>
-              <a:rPr lang="en-US" sz="2400" dirty="0"/>
-              <a:t/>
-            </a:r>
-            <a:br>
-              <a:rPr lang="en-US" sz="2400" dirty="0"/>
-            </a:br>
-            <a:r>
-              <a:rPr lang="en-US" sz="2400" dirty="0" smtClean="0"/>
-              <a:t>	Dispersion</a:t>
-            </a:r>
-            <a:r>
-              <a:rPr lang="en-US" sz="2400" dirty="0"/>
-              <a:t/>
-            </a:r>
-            <a:br>
-              <a:rPr lang="en-US" sz="2400" dirty="0"/>
-            </a:br>
-            <a:r>
-              <a:rPr lang="en-US" sz="2400" dirty="0" smtClean="0"/>
-              <a:t>	Variation</a:t>
-            </a:r>
-            <a:r>
-              <a:rPr lang="en-US" sz="2400" dirty="0"/>
-              <a:t/>
-            </a:r>
-            <a:br>
-              <a:rPr lang="en-US" sz="2400" dirty="0"/>
-            </a:br>
-            <a:r>
-              <a:rPr lang="en-US" sz="2400" dirty="0" smtClean="0"/>
-              <a:t>	Mean</a:t>
-            </a:r>
-            <a:r>
-              <a:rPr lang="en-US" sz="2400" dirty="0"/>
-              <a:t/>
-            </a:r>
-            <a:br>
-              <a:rPr lang="en-US" sz="2400" dirty="0"/>
-            </a:br>
-            <a:r>
-              <a:rPr lang="en-US" sz="2400" dirty="0" smtClean="0"/>
-              <a:t>	Standard Deviation</a:t>
-            </a:r>
             <a:endParaRPr lang="en-US" sz="2400" dirty="0"/>
           </a:p>
         </p:txBody>
@@ -16352,7 +16556,7 @@
             </a:r>
             <a:r>
               <a:rPr lang="en-US" sz="2400" b="1" dirty="0" smtClean="0"/>
-              <a:t>	SD</a:t>
+              <a:t>	</a:t>
             </a:r>
             <a:endParaRPr lang="en-US" sz="2400" dirty="0" smtClean="0"/>
           </a:p>
@@ -16435,7 +16639,7 @@
     </p:spTree>
     <p:extLst>
       <p:ext uri="{BB962C8B-B14F-4D97-AF65-F5344CB8AC3E}">
-        <p14:creationId xmlns:p14="http://schemas.microsoft.com/office/powerpoint/2010/main" val="1058238850"/>
+        <p14:creationId xmlns:p14="http://schemas.microsoft.com/office/powerpoint/2010/main" val="298618865"/>
       </p:ext>
     </p:extLst>
   </p:cSld>
@@ -16704,7 +16908,7 @@
         </p:nvSpPr>
         <p:spPr>
           <a:xfrm>
-            <a:off x="838200" y="401200"/>
+            <a:off x="838200" y="1195679"/>
             <a:ext cx="10515600" cy="850825"/>
           </a:xfrm>
         </p:spPr>
@@ -16725,6 +16929,58 @@
             <a:br>
               <a:rPr lang="en-US" sz="2400" b="1" dirty="0" smtClean="0"/>
             </a:br>
+            <a:r>
+              <a:rPr lang="en-US" sz="2400" b="1" dirty="0">
+                <a:solidFill>
+                  <a:srgbClr val="7030A0"/>
+                </a:solidFill>
+              </a:rPr>
+              <a:t>___________________determines the nature of relationship which would help us to make predictions.</a:t>
+            </a:r>
+            <a:r>
+              <a:rPr lang="en-US" sz="2400" dirty="0"/>
+              <a:t/>
+            </a:r>
+            <a:br>
+              <a:rPr lang="en-US" sz="2400" dirty="0"/>
+            </a:br>
+            <a:r>
+              <a:rPr lang="en-US" sz="2400" dirty="0" smtClean="0"/>
+              <a:t>	Correlation </a:t>
+            </a:r>
+            <a:r>
+              <a:rPr lang="en-US" sz="2400" dirty="0"/>
+              <a:t>Analysis</a:t>
+            </a:r>
+            <a:br>
+              <a:rPr lang="en-US" sz="2400" dirty="0"/>
+            </a:br>
+            <a:r>
+              <a:rPr lang="en-US" sz="2400" dirty="0" smtClean="0"/>
+              <a:t>	Regression </a:t>
+            </a:r>
+            <a:r>
+              <a:rPr lang="en-US" sz="2400" dirty="0"/>
+              <a:t>Analysis</a:t>
+            </a:r>
+            <a:br>
+              <a:rPr lang="en-US" sz="2400" dirty="0"/>
+            </a:br>
+            <a:r>
+              <a:rPr lang="en-US" sz="2400" dirty="0" smtClean="0"/>
+              <a:t>	Stability </a:t>
+            </a:r>
+            <a:r>
+              <a:rPr lang="en-US" sz="2400" dirty="0"/>
+              <a:t>Analysis</a:t>
+            </a:r>
+            <a:br>
+              <a:rPr lang="en-US" sz="2400" dirty="0"/>
+            </a:br>
+            <a:r>
+              <a:rPr lang="en-US" sz="2400" dirty="0" smtClean="0"/>
+              <a:t>	Capability Analysis</a:t>
+            </a:r>
             <a:endParaRPr lang="en-US" sz="2400" dirty="0"/>
           </a:p>
         </p:txBody>
@@ -16760,7 +17016,7 @@
             </a:r>
             <a:r>
               <a:rPr lang="en-US" sz="2400" b="1" dirty="0" smtClean="0"/>
-              <a:t>	</a:t>
+              <a:t>	Regression</a:t>
             </a:r>
             <a:endParaRPr lang="en-US" sz="2400" dirty="0" smtClean="0"/>
           </a:p>
@@ -16843,7 +17099,7 @@
     </p:spTree>
     <p:extLst>
       <p:ext uri="{BB962C8B-B14F-4D97-AF65-F5344CB8AC3E}">
-        <p14:creationId xmlns:p14="http://schemas.microsoft.com/office/powerpoint/2010/main" val="298618865"/>
+        <p14:creationId xmlns:p14="http://schemas.microsoft.com/office/powerpoint/2010/main" val="3763796217"/>
       </p:ext>
     </p:extLst>
   </p:cSld>
@@ -17112,7 +17368,7 @@
         </p:nvSpPr>
         <p:spPr>
           <a:xfrm>
-            <a:off x="838200" y="401200"/>
+            <a:off x="838200" y="506131"/>
             <a:ext cx="10515600" cy="2349304"/>
           </a:xfrm>
         </p:spPr>
@@ -17127,12 +17383,60 @@
               <a:t>Question: </a:t>
             </a:r>
             <a:r>
-              <a:rPr lang="en-US" sz="2800" b="1" smtClean="0"/>
+              <a:rPr lang="en-US" sz="2800" b="1" dirty="0" smtClean="0"/>
               <a:t/>
             </a:r>
             <a:br>
-              <a:rPr lang="en-US" sz="2800" b="1" smtClean="0"/>
+              <a:rPr lang="en-US" sz="2800" b="1" dirty="0" smtClean="0"/>
             </a:br>
+            <a:r>
+              <a:rPr lang="en-US" sz="2800" b="1" dirty="0">
+                <a:solidFill>
+                  <a:srgbClr val="7030A0"/>
+                </a:solidFill>
+              </a:rPr>
+              <a:t>Quality and the Critical-to-Quality (CTQ's) are both subjective terms that are defined by the _______________.</a:t>
+            </a:r>
+            <a:br>
+              <a:rPr lang="en-US" sz="2800" b="1" dirty="0">
+                <a:solidFill>
+                  <a:srgbClr val="7030A0"/>
+                </a:solidFill>
+              </a:rPr>
+            </a:br>
+            <a:r>
+              <a:rPr lang="en-US" sz="2800" b="1" dirty="0" smtClean="0">
+                <a:solidFill>
+                  <a:srgbClr val="7030A0"/>
+                </a:solidFill>
+              </a:rPr>
+              <a:t>	</a:t>
+            </a:r>
+            <a:r>
+              <a:rPr lang="en-US" sz="2800" dirty="0" smtClean="0"/>
+              <a:t>Management team</a:t>
+            </a:r>
+            <a:br>
+              <a:rPr lang="en-US" sz="2800" dirty="0" smtClean="0"/>
+            </a:br>
+            <a:r>
+              <a:rPr lang="en-US" sz="2800" dirty="0" smtClean="0"/>
+              <a:t>	Line Supervisor</a:t>
+            </a:r>
+            <a:br>
+              <a:rPr lang="en-US" sz="2800" dirty="0" smtClean="0"/>
+            </a:br>
+            <a:r>
+              <a:rPr lang="en-US" sz="2800" dirty="0" smtClean="0"/>
+              <a:t>	Customer</a:t>
+            </a:r>
+            <a:br>
+              <a:rPr lang="en-US" sz="2800" dirty="0" smtClean="0"/>
+            </a:br>
+            <a:r>
+              <a:rPr lang="en-US" sz="2800" dirty="0" smtClean="0"/>
+              <a:t>	Design team</a:t>
+            </a:r>
             <a:endParaRPr lang="en-US" sz="2800" dirty="0"/>
           </a:p>
         </p:txBody>
@@ -17168,9 +17472,12 @@
             </a:r>
             <a:r>
               <a:rPr lang="en-US" sz="2400" b="1" dirty="0" smtClean="0"/>
-              <a:t> 	</a:t>
-            </a:r>
-            <a:endParaRPr lang="en-US" sz="2400" dirty="0" smtClean="0"/>
+              <a:t> </a:t>
+            </a:r>
+            <a:r>
+              <a:rPr lang="en-US" sz="2400" dirty="0" smtClean="0"/>
+              <a:t>3</a:t>
+            </a:r>
           </a:p>
           <a:p>
             <a:pPr marL="0" indent="0">
@@ -17251,7 +17558,7 @@
     </p:spTree>
     <p:extLst>
       <p:ext uri="{BB962C8B-B14F-4D97-AF65-F5344CB8AC3E}">
-        <p14:creationId xmlns:p14="http://schemas.microsoft.com/office/powerpoint/2010/main" val="229265952"/>
+        <p14:creationId xmlns:p14="http://schemas.microsoft.com/office/powerpoint/2010/main" val="439946020"/>
       </p:ext>
     </p:extLst>
   </p:cSld>
@@ -17261,9 +17568,157 @@
   <p:timing>
     <p:tnLst>
       <p:par>
-        <p:cTn id="1" dur="indefinite" restart="never" nodeType="tmRoot"/>
+        <p:cTn id="1" dur="indefinite" restart="never" nodeType="tmRoot">
+          <p:childTnLst>
+            <p:seq concurrent="1" nextAc="seek">
+              <p:cTn id="2" dur="indefinite" nodeType="mainSeq">
+                <p:childTnLst>
+                  <p:par>
+                    <p:cTn id="3" fill="hold">
+                      <p:stCondLst>
+                        <p:cond delay="indefinite"/>
+                      </p:stCondLst>
+                      <p:childTnLst>
+                        <p:par>
+                          <p:cTn id="4" fill="hold">
+                            <p:stCondLst>
+                              <p:cond delay="0"/>
+                            </p:stCondLst>
+                            <p:childTnLst>
+                              <p:par>
+                                <p:cTn id="5" presetID="22" presetClass="entr" presetSubtype="4" fill="hold" grpId="0" nodeType="clickEffect">
+                                  <p:stCondLst>
+                                    <p:cond delay="0"/>
+                                  </p:stCondLst>
+                                  <p:childTnLst>
+                                    <p:set>
+                                      <p:cBhvr>
+                                        <p:cTn id="6" dur="1" fill="hold">
+                                          <p:stCondLst>
+                                            <p:cond delay="0"/>
+                                          </p:stCondLst>
+                                        </p:cTn>
+                                        <p:tgtEl>
+                                          <p:spTgt spid="3">
+                                            <p:txEl>
+                                              <p:pRg st="0" end="0"/>
+                                            </p:txEl>
+                                          </p:spTgt>
+                                        </p:tgtEl>
+                                        <p:attrNameLst>
+                                          <p:attrName>style.visibility</p:attrName>
+                                        </p:attrNameLst>
+                                      </p:cBhvr>
+                                      <p:to>
+                                        <p:strVal val="visible"/>
+                                      </p:to>
+                                    </p:set>
+                                    <p:animEffect transition="in" filter="wipe(down)">
+                                      <p:cBhvr>
+                                        <p:cTn id="7" dur="500"/>
+                                        <p:tgtEl>
+                                          <p:spTgt spid="3">
+                                            <p:txEl>
+                                              <p:pRg st="0" end="0"/>
+                                            </p:txEl>
+                                          </p:spTgt>
+                                        </p:tgtEl>
+                                      </p:cBhvr>
+                                    </p:animEffect>
+                                  </p:childTnLst>
+                                </p:cTn>
+                              </p:par>
+                            </p:childTnLst>
+                          </p:cTn>
+                        </p:par>
+                      </p:childTnLst>
+                    </p:cTn>
+                  </p:par>
+                  <p:par>
+                    <p:cTn id="8" fill="hold">
+                      <p:stCondLst>
+                        <p:cond delay="indefinite"/>
+                      </p:stCondLst>
+                      <p:childTnLst>
+                        <p:par>
+                          <p:cTn id="9" fill="hold">
+                            <p:stCondLst>
+                              <p:cond delay="0"/>
+                            </p:stCondLst>
+                            <p:childTnLst>
+                              <p:par>
+                                <p:cTn id="10" presetID="22" presetClass="entr" presetSubtype="4" fill="hold" grpId="0" nodeType="clickEffect">
+                                  <p:stCondLst>
+                                    <p:cond delay="0"/>
+                                  </p:stCondLst>
+                                  <p:childTnLst>
+                                    <p:set>
+                                      <p:cBhvr>
+                                        <p:cTn id="11" dur="1" fill="hold">
+                                          <p:stCondLst>
+                                            <p:cond delay="0"/>
+                                          </p:stCondLst>
+                                        </p:cTn>
+                                        <p:tgtEl>
+                                          <p:spTgt spid="3">
+                                            <p:txEl>
+                                              <p:pRg st="1" end="1"/>
+                                            </p:txEl>
+                                          </p:spTgt>
+                                        </p:tgtEl>
+                                        <p:attrNameLst>
+                                          <p:attrName>style.visibility</p:attrName>
+                                        </p:attrNameLst>
+                                      </p:cBhvr>
+                                      <p:to>
+                                        <p:strVal val="visible"/>
+                                      </p:to>
+                                    </p:set>
+                                    <p:animEffect transition="in" filter="wipe(down)">
+                                      <p:cBhvr>
+                                        <p:cTn id="12" dur="500"/>
+                                        <p:tgtEl>
+                                          <p:spTgt spid="3">
+                                            <p:txEl>
+                                              <p:pRg st="1" end="1"/>
+                                            </p:txEl>
+                                          </p:spTgt>
+                                        </p:tgtEl>
+                                      </p:cBhvr>
+                                    </p:animEffect>
+                                  </p:childTnLst>
+                                </p:cTn>
+                              </p:par>
+                            </p:childTnLst>
+                          </p:cTn>
+                        </p:par>
+                      </p:childTnLst>
+                    </p:cTn>
+                  </p:par>
+                </p:childTnLst>
+              </p:cTn>
+              <p:prevCondLst>
+                <p:cond evt="onPrev" delay="0">
+                  <p:tgtEl>
+                    <p:sldTgt/>
+                  </p:tgtEl>
+                </p:cond>
+              </p:prevCondLst>
+              <p:nextCondLst>
+                <p:cond evt="onNext" delay="0">
+                  <p:tgtEl>
+                    <p:sldTgt/>
+                  </p:tgtEl>
+                </p:cond>
+              </p:nextCondLst>
+            </p:seq>
+          </p:childTnLst>
+        </p:cTn>
       </p:par>
     </p:tnLst>
+    <p:bldLst>
+      <p:bldP spid="3" grpId="0" build="p"/>
+    </p:bldLst>
   </p:timing>
 </p:sld>
 </file>
@@ -17297,8 +17752,8 @@
         </p:nvSpPr>
         <p:spPr>
           <a:xfrm>
-            <a:off x="838200" y="1195679"/>
-            <a:ext cx="10515600" cy="850825"/>
+            <a:off x="838200" y="703386"/>
+            <a:ext cx="10515600" cy="2047118"/>
           </a:xfrm>
         </p:spPr>
         <p:txBody>
@@ -17324,51 +17779,75 @@
                   <a:srgbClr val="7030A0"/>
                 </a:solidFill>
               </a:rPr>
-              <a:t>___________________determines the nature of relationship which would help us to make predictions.</a:t>
+              <a:t>A software development process has UAT Defect density as Y, percent review effectiveness as X1 and percent design phase effort as X2. Indicate the type of  regression model </a:t>
+            </a:r>
+            <a:r>
+              <a:rPr lang="en-US" sz="2400" b="1" dirty="0">
+                <a:solidFill>
+                  <a:srgbClr val="FF0000"/>
+                </a:solidFill>
+              </a:rPr>
+              <a:t>Y= -0.1320 X1 + 0.16 X2 + 23.200</a:t>
+            </a:r>
+            <a:r>
+              <a:rPr lang="en-US" sz="2400" dirty="0">
+                <a:solidFill>
+                  <a:srgbClr val="FF0000"/>
+                </a:solidFill>
+              </a:rPr>
+              <a:t/>
+            </a:r>
+            <a:br>
+              <a:rPr lang="en-US" sz="2400" dirty="0">
+                <a:solidFill>
+                  <a:srgbClr val="FF0000"/>
+                </a:solidFill>
+              </a:rPr>
+            </a:br>
+            <a:r>
+              <a:rPr lang="en-US" sz="2400" dirty="0" smtClean="0">
+                <a:solidFill>
+                  <a:srgbClr val="7030A0"/>
+                </a:solidFill>
+              </a:rPr>
+              <a:t>	</a:t>
+            </a:r>
+            <a:r>
+              <a:rPr lang="en-US" sz="2400" dirty="0" smtClean="0"/>
+              <a:t>Single </a:t>
             </a:r>
             <a:r>
               <a:rPr lang="en-US" sz="2400" dirty="0"/>
-              <a:t/>
+              <a:t>Linear Regression</a:t>
             </a:r>
             <a:br>
               <a:rPr lang="en-US" sz="2400" dirty="0"/>
             </a:br>
             <a:r>
               <a:rPr lang="en-US" sz="2400" dirty="0" smtClean="0"/>
-              <a:t>	Correlation </a:t>
+              <a:t>	Dummy </a:t>
             </a:r>
             <a:r>
               <a:rPr lang="en-US" sz="2400" dirty="0"/>
-              <a:t>Analysis</a:t>
+              <a:t>Variable Regression</a:t>
             </a:r>
             <a:br>
               <a:rPr lang="en-US" sz="2400" dirty="0"/>
             </a:br>
             <a:r>
               <a:rPr lang="en-US" sz="2400" dirty="0" smtClean="0"/>
-              <a:t>	Regression </a:t>
+              <a:t>	Multi </a:t>
             </a:r>
             <a:r>
               <a:rPr lang="en-US" sz="2400" dirty="0"/>
-              <a:t>Analysis</a:t>
+              <a:t>Linear Regression</a:t>
             </a:r>
             <a:br>
               <a:rPr lang="en-US" sz="2400" dirty="0"/>
             </a:br>
             <a:r>
               <a:rPr lang="en-US" sz="2400" dirty="0" smtClean="0"/>
-              <a:t>	Stability </a:t>
-            </a:r>
-            <a:r>
-              <a:rPr lang="en-US" sz="2400" dirty="0"/>
-              <a:t>Analysis</a:t>
-            </a:r>
-            <a:br>
-              <a:rPr lang="en-US" sz="2400" dirty="0"/>
-            </a:br>
-            <a:r>
-              <a:rPr lang="en-US" sz="2400" dirty="0" smtClean="0"/>
-              <a:t>	Capability Analysis</a:t>
+              <a:t>	Logistic Regression</a:t>
             </a:r>
             <a:endParaRPr lang="en-US" sz="2400" dirty="0"/>
           </a:p>
@@ -17386,7 +17865,7 @@
         </p:nvSpPr>
         <p:spPr>
           <a:xfrm>
-            <a:off x="838200" y="3052689"/>
+            <a:off x="838200" y="3335322"/>
             <a:ext cx="10515600" cy="2335237"/>
           </a:xfrm>
         </p:spPr>
@@ -17405,9 +17884,12 @@
             </a:r>
             <a:r>
               <a:rPr lang="en-US" sz="2400" b="1" dirty="0" smtClean="0"/>
-              <a:t>	Regression</a:t>
-            </a:r>
-            <a:endParaRPr lang="en-US" sz="2400" dirty="0" smtClean="0"/>
+              <a:t>	</a:t>
+            </a:r>
+            <a:r>
+              <a:rPr lang="en-US" sz="2400" dirty="0" smtClean="0"/>
+              <a:t> Multi Linear Regression</a:t>
+            </a:r>
           </a:p>
           <a:p>
             <a:pPr marL="0" indent="0">
@@ -17470,7 +17952,7 @@
                   </a:outerShdw>
                 </a:effectLst>
               </a:rPr>
-              <a:t>Basic Statistics</a:t>
+              <a:t>Regression</a:t>
             </a:r>
             <a:endParaRPr lang="en-US" sz="3600" dirty="0">
               <a:ln w="0"/>
@@ -17488,7 +17970,7 @@
     </p:spTree>
     <p:extLst>
       <p:ext uri="{BB962C8B-B14F-4D97-AF65-F5344CB8AC3E}">
-        <p14:creationId xmlns:p14="http://schemas.microsoft.com/office/powerpoint/2010/main" val="3763796217"/>
+        <p14:creationId xmlns:p14="http://schemas.microsoft.com/office/powerpoint/2010/main" val="669298900"/>
       </p:ext>
     </p:extLst>
   </p:cSld>
@@ -17757,8 +18239,8 @@
         </p:nvSpPr>
         <p:spPr>
           <a:xfrm>
-            <a:off x="838200" y="703386"/>
-            <a:ext cx="10515600" cy="2047118"/>
+            <a:off x="838200" y="1105738"/>
+            <a:ext cx="10515600" cy="850825"/>
           </a:xfrm>
         </p:spPr>
         <p:txBody>
@@ -17784,7 +18266,7 @@
                   <a:srgbClr val="7030A0"/>
                 </a:solidFill>
               </a:rPr>
-              <a:t>A software development process has UAT Defect density as Y, percent review effectiveness as X1 and percent design phase effort as X2. Indicate the type of  regression model Y= -0.1320 X1 + 0.16 X2 + 23.200</a:t>
+              <a:t>Which of the below statistical tests helps in decision making based on data inferences?</a:t>
             </a:r>
             <a:r>
               <a:rPr lang="en-US" sz="2400" dirty="0">
@@ -17811,40 +18293,44 @@
             </a:r>
             <a:r>
               <a:rPr lang="en-US" sz="2400" dirty="0" smtClean="0"/>
-              <a:t>Single </a:t>
+              <a:t>Mode</a:t>
             </a:r>
             <a:r>
               <a:rPr lang="en-US" sz="2400" dirty="0"/>
-              <a:t>Linear Regression</a:t>
+              <a:t/>
             </a:r>
             <a:br>
               <a:rPr lang="en-US" sz="2400" dirty="0"/>
             </a:br>
             <a:r>
               <a:rPr lang="en-US" sz="2400" dirty="0" smtClean="0"/>
-              <a:t>	Dummy </a:t>
+              <a:t>	Hypothesis </a:t>
             </a:r>
             <a:r>
               <a:rPr lang="en-US" sz="2400" dirty="0"/>
-              <a:t>Variable Regression</a:t>
+              <a:t>Test</a:t>
             </a:r>
             <a:br>
               <a:rPr lang="en-US" sz="2400" dirty="0"/>
             </a:br>
             <a:r>
               <a:rPr lang="en-US" sz="2400" dirty="0" smtClean="0"/>
-              <a:t>	Multi </a:t>
+              <a:t>	</a:t>
+            </a:r>
+            <a:r>
+              <a:rPr lang="en-US" sz="2400" dirty="0" err="1" smtClean="0"/>
+              <a:t>Skewness</a:t>
             </a:r>
             <a:r>
               <a:rPr lang="en-US" sz="2400" dirty="0"/>
-              <a:t>Linear Regression</a:t>
+              <a:t/>
             </a:r>
             <a:br>
               <a:rPr lang="en-US" sz="2400" dirty="0"/>
             </a:br>
             <a:r>
               <a:rPr lang="en-US" sz="2400" dirty="0" smtClean="0"/>
-              <a:t>	Logistic Regression</a:t>
+              <a:t>	Stability Test</a:t>
             </a:r>
             <a:endParaRPr lang="en-US" sz="2400" dirty="0"/>
           </a:p>
@@ -17862,7 +18348,7 @@
         </p:nvSpPr>
         <p:spPr>
           <a:xfrm>
-            <a:off x="838200" y="3335322"/>
+            <a:off x="838200" y="3052689"/>
             <a:ext cx="10515600" cy="2335237"/>
           </a:xfrm>
         </p:spPr>
@@ -17881,12 +18367,9 @@
             </a:r>
             <a:r>
               <a:rPr lang="en-US" sz="2400" b="1" dirty="0" smtClean="0"/>
-              <a:t>	</a:t>
-            </a:r>
-            <a:r>
-              <a:rPr lang="en-US" sz="2400" dirty="0" smtClean="0"/>
-              <a:t> Multi Linear Regression</a:t>
-            </a:r>
+              <a:t>	2</a:t>
+            </a:r>
+            <a:endParaRPr lang="en-US" sz="2400" dirty="0" smtClean="0"/>
           </a:p>
           <a:p>
             <a:pPr marL="0" indent="0">
@@ -17949,7 +18432,7 @@
                   </a:outerShdw>
                 </a:effectLst>
               </a:rPr>
-              <a:t>Regression</a:t>
+              <a:t>Analyze Phase: Hypothesis</a:t>
             </a:r>
             <a:endParaRPr lang="en-US" sz="3600" dirty="0">
               <a:ln w="0"/>
@@ -17967,7 +18450,7 @@
     </p:spTree>
     <p:extLst>
       <p:ext uri="{BB962C8B-B14F-4D97-AF65-F5344CB8AC3E}">
-        <p14:creationId xmlns:p14="http://schemas.microsoft.com/office/powerpoint/2010/main" val="669298900"/>
+        <p14:creationId xmlns:p14="http://schemas.microsoft.com/office/powerpoint/2010/main" val="3940965328"/>
       </p:ext>
     </p:extLst>
   </p:cSld>
@@ -18236,7 +18719,7 @@
         </p:nvSpPr>
         <p:spPr>
           <a:xfrm>
-            <a:off x="838200" y="1105738"/>
+            <a:off x="838200" y="985816"/>
             <a:ext cx="10515600" cy="850825"/>
           </a:xfrm>
         </p:spPr>
@@ -18263,7 +18746,23 @@
                   <a:srgbClr val="7030A0"/>
                 </a:solidFill>
               </a:rPr>
-              <a:t>Which of the below statistical tests helps in decision making based on data inferences?</a:t>
+              <a:t>What is the </a:t>
+            </a:r>
+            <a:r>
+              <a:rPr lang="en-US" sz="2400" b="1" dirty="0" smtClean="0">
+                <a:solidFill>
+                  <a:srgbClr val="7030A0"/>
+                </a:solidFill>
+              </a:rPr>
+              <a:t>outcome </a:t>
+            </a:r>
+            <a:r>
+              <a:rPr lang="en-US" sz="2400" b="1" dirty="0">
+                <a:solidFill>
+                  <a:srgbClr val="7030A0"/>
+                </a:solidFill>
+              </a:rPr>
+              <a:t>of Hypothesis Testing, where P Value &gt; = 0.05 ?</a:t>
             </a:r>
             <a:r>
               <a:rPr lang="en-US" sz="2400" dirty="0">
@@ -18290,44 +18789,48 @@
             </a:r>
             <a:r>
               <a:rPr lang="en-US" sz="2400" dirty="0" smtClean="0"/>
-              <a:t>Mode</a:t>
+              <a:t>Accept </a:t>
             </a:r>
             <a:r>
               <a:rPr lang="en-US" sz="2400" dirty="0"/>
-              <a:t/>
+              <a:t>Alternate Hypothesis</a:t>
             </a:r>
             <a:br>
               <a:rPr lang="en-US" sz="2400" dirty="0"/>
             </a:br>
             <a:r>
               <a:rPr lang="en-US" sz="2400" dirty="0" smtClean="0"/>
-              <a:t>	Hypothesis </a:t>
+              <a:t>	Reject </a:t>
             </a:r>
             <a:r>
               <a:rPr lang="en-US" sz="2400" dirty="0"/>
-              <a:t>Test</a:t>
+              <a:t>Null</a:t>
             </a:r>
             <a:br>
               <a:rPr lang="en-US" sz="2400" dirty="0"/>
             </a:br>
             <a:r>
               <a:rPr lang="en-US" sz="2400" dirty="0" smtClean="0"/>
-              <a:t>	</a:t>
-            </a:r>
-            <a:r>
-              <a:rPr lang="en-US" sz="2400" dirty="0" err="1" smtClean="0"/>
-              <a:t>Skewness</a:t>
+              <a:t>	Accept </a:t>
             </a:r>
             <a:r>
               <a:rPr lang="en-US" sz="2400" dirty="0"/>
-              <a:t/>
+              <a:t>Null Hypothesis</a:t>
             </a:r>
             <a:br>
               <a:rPr lang="en-US" sz="2400" dirty="0"/>
             </a:br>
             <a:r>
               <a:rPr lang="en-US" sz="2400" dirty="0" smtClean="0"/>
-              <a:t>	Stability Test</a:t>
+              <a:t>	Data </a:t>
+            </a:r>
+            <a:r>
+              <a:rPr lang="en-US" sz="2400" dirty="0"/>
+              <a:t>is </a:t>
+            </a:r>
+            <a:r>
+              <a:rPr lang="en-US" sz="2400" dirty="0" smtClean="0"/>
+              <a:t>normal</a:t>
             </a:r>
             <a:endParaRPr lang="en-US" sz="2400" dirty="0"/>
           </a:p>
@@ -18364,7 +18867,7 @@
             </a:r>
             <a:r>
               <a:rPr lang="en-US" sz="2400" b="1" dirty="0" smtClean="0"/>
-              <a:t>	2</a:t>
+              <a:t>	</a:t>
             </a:r>
             <a:endParaRPr lang="en-US" sz="2400" dirty="0" smtClean="0"/>
           </a:p>
@@ -18447,7 +18950,7 @@
     </p:spTree>
     <p:extLst>
       <p:ext uri="{BB962C8B-B14F-4D97-AF65-F5344CB8AC3E}">
-        <p14:creationId xmlns:p14="http://schemas.microsoft.com/office/powerpoint/2010/main" val="3940965328"/>
+        <p14:creationId xmlns:p14="http://schemas.microsoft.com/office/powerpoint/2010/main" val="1893744509"/>
       </p:ext>
     </p:extLst>
   </p:cSld>
@@ -18688,506 +19191,6 @@
 </file>
 
 <file path=ppt/slides/slide33.xml><?xml version="1.0" encoding="utf-8"?>
-<p:sld xmlns:a="http://schemas.openxmlformats.org/drawingml/2006/main" xmlns:r="http://schemas.openxmlformats.org/officeDocument/2006/relationships" xmlns:p="http://schemas.openxmlformats.org/presentationml/2006/main">
-  <p:cSld>
-    <p:spTree>
-      <p:nvGrpSpPr>
-        <p:cNvPr id="1" name=""/>
-        <p:cNvGrpSpPr/>
-        <p:nvPr/>
-      </p:nvGrpSpPr>
-      <p:grpSpPr>
-        <a:xfrm>
-          <a:off x="0" y="0"/>
-          <a:ext cx="0" cy="0"/>
-          <a:chOff x="0" y="0"/>
-          <a:chExt cx="0" cy="0"/>
-        </a:xfrm>
-      </p:grpSpPr>
-      <p:sp>
-        <p:nvSpPr>
-          <p:cNvPr id="2" name="Title 1"/>
-          <p:cNvSpPr>
-            <a:spLocks noGrp="1"/>
-          </p:cNvSpPr>
-          <p:nvPr>
-            <p:ph type="title"/>
-          </p:nvPr>
-        </p:nvSpPr>
-        <p:spPr>
-          <a:xfrm>
-            <a:off x="838200" y="985816"/>
-            <a:ext cx="10515600" cy="850825"/>
-          </a:xfrm>
-        </p:spPr>
-        <p:txBody>
-          <a:bodyPr>
-            <a:noAutofit/>
-          </a:bodyPr>
-          <a:lstStyle/>
-          <a:p>
-            <a:r>
-              <a:rPr lang="en-US" sz="2400" b="1" u="sng" dirty="0" smtClean="0"/>
-              <a:t>Question: </a:t>
-            </a:r>
-            <a:r>
-              <a:rPr lang="en-US" sz="2400" b="1" dirty="0" smtClean="0"/>
-              <a:t/>
-            </a:r>
-            <a:br>
-              <a:rPr lang="en-US" sz="2400" b="1" dirty="0" smtClean="0"/>
-            </a:br>
-            <a:r>
-              <a:rPr lang="en-US" sz="2400" b="1" dirty="0">
-                <a:solidFill>
-                  <a:srgbClr val="7030A0"/>
-                </a:solidFill>
-              </a:rPr>
-              <a:t>What is the </a:t>
-            </a:r>
-            <a:r>
-              <a:rPr lang="en-US" sz="2400" b="1" dirty="0" smtClean="0">
-                <a:solidFill>
-                  <a:srgbClr val="7030A0"/>
-                </a:solidFill>
-              </a:rPr>
-              <a:t>outcome </a:t>
-            </a:r>
-            <a:r>
-              <a:rPr lang="en-US" sz="2400" b="1" dirty="0">
-                <a:solidFill>
-                  <a:srgbClr val="7030A0"/>
-                </a:solidFill>
-              </a:rPr>
-              <a:t>of Hypothesis Testing, where P Value &gt; = 0.05 ?</a:t>
-            </a:r>
-            <a:r>
-              <a:rPr lang="en-US" sz="2400" dirty="0">
-                <a:solidFill>
-                  <a:srgbClr val="7030A0"/>
-                </a:solidFill>
-              </a:rPr>
-              <a:t/>
-            </a:r>
-            <a:br>
-              <a:rPr lang="en-US" sz="2400" dirty="0">
-                <a:solidFill>
-                  <a:srgbClr val="7030A0"/>
-                </a:solidFill>
-              </a:rPr>
-            </a:br>
-            <a:r>
-              <a:rPr lang="en-US" sz="2400" dirty="0" smtClean="0">
-                <a:solidFill>
-                  <a:srgbClr val="7030A0"/>
-                </a:solidFill>
-              </a:rPr>
-              <a:t>	</a:t>
-            </a:r>
-            <a:r>
-              <a:rPr lang="en-US" sz="2400" dirty="0" smtClean="0"/>
-              <a:t>Accept </a:t>
-            </a:r>
-            <a:r>
-              <a:rPr lang="en-US" sz="2400" dirty="0"/>
-              <a:t>Alternate Hypothesis</a:t>
-            </a:r>
-            <a:br>
-              <a:rPr lang="en-US" sz="2400" dirty="0"/>
-            </a:br>
-            <a:r>
-              <a:rPr lang="en-US" sz="2400" dirty="0" smtClean="0"/>
-              <a:t>	Reject </a:t>
-            </a:r>
-            <a:r>
-              <a:rPr lang="en-US" sz="2400" dirty="0"/>
-              <a:t>Null</a:t>
-            </a:r>
-            <a:br>
-              <a:rPr lang="en-US" sz="2400" dirty="0"/>
-            </a:br>
-            <a:r>
-              <a:rPr lang="en-US" sz="2400" dirty="0" smtClean="0"/>
-              <a:t>	Accept </a:t>
-            </a:r>
-            <a:r>
-              <a:rPr lang="en-US" sz="2400" dirty="0"/>
-              <a:t>Null Hypothesis</a:t>
-            </a:r>
-            <a:br>
-              <a:rPr lang="en-US" sz="2400" dirty="0"/>
-            </a:br>
-            <a:r>
-              <a:rPr lang="en-US" sz="2400" dirty="0" smtClean="0"/>
-              <a:t>	Data </a:t>
-            </a:r>
-            <a:r>
-              <a:rPr lang="en-US" sz="2400" dirty="0"/>
-              <a:t>is </a:t>
-            </a:r>
-            <a:r>
-              <a:rPr lang="en-US" sz="2400" dirty="0" smtClean="0"/>
-              <a:t>normal</a:t>
-            </a:r>
-            <a:endParaRPr lang="en-US" sz="2400" dirty="0"/>
-          </a:p>
-        </p:txBody>
-      </p:sp>
-      <p:sp>
-        <p:nvSpPr>
-          <p:cNvPr id="3" name="Content Placeholder 2"/>
-          <p:cNvSpPr>
-            <a:spLocks noGrp="1"/>
-          </p:cNvSpPr>
-          <p:nvPr>
-            <p:ph idx="1"/>
-          </p:nvPr>
-        </p:nvSpPr>
-        <p:spPr>
-          <a:xfrm>
-            <a:off x="838200" y="3052689"/>
-            <a:ext cx="10515600" cy="2335237"/>
-          </a:xfrm>
-        </p:spPr>
-        <p:txBody>
-          <a:bodyPr>
-            <a:normAutofit/>
-          </a:bodyPr>
-          <a:lstStyle/>
-          <a:p>
-            <a:pPr marL="0" indent="0">
-              <a:buNone/>
-            </a:pPr>
-            <a:r>
-              <a:rPr lang="en-US" sz="2400" b="1" u="sng" dirty="0" smtClean="0"/>
-              <a:t>Answer:</a:t>
-            </a:r>
-            <a:r>
-              <a:rPr lang="en-US" sz="2400" b="1" dirty="0" smtClean="0"/>
-              <a:t>	</a:t>
-            </a:r>
-            <a:endParaRPr lang="en-US" sz="2400" dirty="0" smtClean="0"/>
-          </a:p>
-          <a:p>
-            <a:pPr marL="0" indent="0">
-              <a:buNone/>
-            </a:pPr>
-            <a:r>
-              <a:rPr lang="en-US" sz="2400" b="1" u="sng" dirty="0" smtClean="0"/>
-              <a:t>Explanation: </a:t>
-            </a:r>
-          </a:p>
-          <a:p>
-            <a:pPr marL="0" indent="0">
-              <a:buNone/>
-            </a:pPr>
-            <a:endParaRPr lang="en-US" sz="2400" dirty="0"/>
-          </a:p>
-        </p:txBody>
-      </p:sp>
-      <p:sp>
-        <p:nvSpPr>
-          <p:cNvPr id="4" name="Rectangle 3"/>
-          <p:cNvSpPr/>
-          <p:nvPr/>
-        </p:nvSpPr>
-        <p:spPr>
-          <a:xfrm>
-            <a:off x="838200" y="5992297"/>
-            <a:ext cx="10515600" cy="646331"/>
-          </a:xfrm>
-          <a:prstGeom prst="rect">
-            <a:avLst/>
-          </a:prstGeom>
-          <a:blipFill>
-            <a:blip r:embed="rId3"/>
-            <a:tile tx="0" ty="0" sx="100000" sy="100000" flip="none" algn="tl"/>
-          </a:blipFill>
-          <a:effectLst>
-            <a:outerShdw blurRad="50800" dist="38100" dir="13500000" algn="br" rotWithShape="0">
-              <a:prstClr val="black">
-                <a:alpha val="40000"/>
-              </a:prstClr>
-            </a:outerShdw>
-          </a:effectLst>
-        </p:spPr>
-        <p:txBody>
-          <a:bodyPr wrap="square">
-            <a:spAutoFit/>
-          </a:bodyPr>
-          <a:lstStyle/>
-          <a:p>
-            <a:pPr algn="ctr"/>
-            <a:r>
-              <a:rPr lang="en-US" sz="3600" dirty="0" smtClean="0">
-                <a:ln w="0"/>
-                <a:effectLst>
-                  <a:outerShdw blurRad="38100" dist="19050" dir="2700000" algn="tl" rotWithShape="0">
-                    <a:schemeClr val="dk1">
-                      <a:alpha val="40000"/>
-                    </a:schemeClr>
-                  </a:outerShdw>
-                </a:effectLst>
-              </a:rPr>
-              <a:t>Analyze Phase: Hypothesis</a:t>
-            </a:r>
-            <a:endParaRPr lang="en-US" sz="3600" dirty="0">
-              <a:ln w="0"/>
-              <a:effectLst>
-                <a:outerShdw blurRad="38100" dist="19050" dir="2700000" algn="tl" rotWithShape="0">
-                  <a:schemeClr val="dk1">
-                    <a:alpha val="40000"/>
-                  </a:schemeClr>
-                </a:outerShdw>
-              </a:effectLst>
-            </a:endParaRPr>
-          </a:p>
-        </p:txBody>
-      </p:sp>
-    </p:spTree>
-    <p:extLst>
-      <p:ext uri="{BB962C8B-B14F-4D97-AF65-F5344CB8AC3E}">
-        <p14:creationId xmlns:p14="http://schemas.microsoft.com/office/powerpoint/2010/main" val="1893744509"/>
-      </p:ext>
-    </p:extLst>
-  </p:cSld>
-  <p:clrMapOvr>
-    <a:masterClrMapping/>
-  </p:clrMapOvr>
-  <p:timing>
-    <p:tnLst>
-      <p:par>
-        <p:cTn id="1" dur="indefinite" restart="never" nodeType="tmRoot">
-          <p:childTnLst>
-            <p:seq concurrent="1" nextAc="seek">
-              <p:cTn id="2" dur="indefinite" nodeType="mainSeq">
-                <p:childTnLst>
-                  <p:par>
-                    <p:cTn id="3" fill="hold">
-                      <p:stCondLst>
-                        <p:cond delay="indefinite"/>
-                        <p:cond evt="onBegin" delay="0">
-                          <p:tn val="2"/>
-                        </p:cond>
-                      </p:stCondLst>
-                      <p:childTnLst>
-                        <p:par>
-                          <p:cTn id="4" fill="hold">
-                            <p:stCondLst>
-                              <p:cond delay="0"/>
-                            </p:stCondLst>
-                            <p:childTnLst>
-                              <p:par>
-                                <p:cTn id="5" presetID="22" presetClass="entr" presetSubtype="4" fill="hold" grpId="0" nodeType="withEffect">
-                                  <p:stCondLst>
-                                    <p:cond delay="0"/>
-                                  </p:stCondLst>
-                                  <p:childTnLst>
-                                    <p:set>
-                                      <p:cBhvr>
-                                        <p:cTn id="6" dur="1" fill="hold">
-                                          <p:stCondLst>
-                                            <p:cond delay="0"/>
-                                          </p:stCondLst>
-                                        </p:cTn>
-                                        <p:tgtEl>
-                                          <p:spTgt spid="4"/>
-                                        </p:tgtEl>
-                                        <p:attrNameLst>
-                                          <p:attrName>style.visibility</p:attrName>
-                                        </p:attrNameLst>
-                                      </p:cBhvr>
-                                      <p:to>
-                                        <p:strVal val="visible"/>
-                                      </p:to>
-                                    </p:set>
-                                    <p:animEffect transition="in" filter="wipe(down)">
-                                      <p:cBhvr>
-                                        <p:cTn id="7" dur="500"/>
-                                        <p:tgtEl>
-                                          <p:spTgt spid="4"/>
-                                        </p:tgtEl>
-                                      </p:cBhvr>
-                                    </p:animEffect>
-                                  </p:childTnLst>
-                                </p:cTn>
-                              </p:par>
-                              <p:par>
-                                <p:cTn id="8" presetID="10" presetClass="entr" presetSubtype="0" fill="hold" grpId="0" nodeType="withEffect">
-                                  <p:stCondLst>
-                                    <p:cond delay="0"/>
-                                  </p:stCondLst>
-                                  <p:childTnLst>
-                                    <p:set>
-                                      <p:cBhvr>
-                                        <p:cTn id="9" dur="1" fill="hold">
-                                          <p:stCondLst>
-                                            <p:cond delay="0"/>
-                                          </p:stCondLst>
-                                        </p:cTn>
-                                        <p:tgtEl>
-                                          <p:spTgt spid="2"/>
-                                        </p:tgtEl>
-                                        <p:attrNameLst>
-                                          <p:attrName>style.visibility</p:attrName>
-                                        </p:attrNameLst>
-                                      </p:cBhvr>
-                                      <p:to>
-                                        <p:strVal val="visible"/>
-                                      </p:to>
-                                    </p:set>
-                                    <p:animEffect transition="in" filter="fade">
-                                      <p:cBhvr>
-                                        <p:cTn id="10" dur="500"/>
-                                        <p:tgtEl>
-                                          <p:spTgt spid="2"/>
-                                        </p:tgtEl>
-                                      </p:cBhvr>
-                                    </p:animEffect>
-                                  </p:childTnLst>
-                                </p:cTn>
-                              </p:par>
-                            </p:childTnLst>
-                          </p:cTn>
-                        </p:par>
-                      </p:childTnLst>
-                    </p:cTn>
-                  </p:par>
-                  <p:par>
-                    <p:cTn id="11" fill="hold">
-                      <p:stCondLst>
-                        <p:cond delay="indefinite"/>
-                      </p:stCondLst>
-                      <p:childTnLst>
-                        <p:par>
-                          <p:cTn id="12" fill="hold">
-                            <p:stCondLst>
-                              <p:cond delay="0"/>
-                            </p:stCondLst>
-                            <p:childTnLst>
-                              <p:par>
-                                <p:cTn id="13" presetID="22" presetClass="entr" presetSubtype="8" fill="hold" grpId="0" nodeType="clickEffect">
-                                  <p:stCondLst>
-                                    <p:cond delay="0"/>
-                                  </p:stCondLst>
-                                  <p:childTnLst>
-                                    <p:set>
-                                      <p:cBhvr>
-                                        <p:cTn id="14" dur="1" fill="hold">
-                                          <p:stCondLst>
-                                            <p:cond delay="0"/>
-                                          </p:stCondLst>
-                                        </p:cTn>
-                                        <p:tgtEl>
-                                          <p:spTgt spid="3">
-                                            <p:txEl>
-                                              <p:pRg st="0" end="0"/>
-                                            </p:txEl>
-                                          </p:spTgt>
-                                        </p:tgtEl>
-                                        <p:attrNameLst>
-                                          <p:attrName>style.visibility</p:attrName>
-                                        </p:attrNameLst>
-                                      </p:cBhvr>
-                                      <p:to>
-                                        <p:strVal val="visible"/>
-                                      </p:to>
-                                    </p:set>
-                                    <p:animEffect transition="in" filter="wipe(left)">
-                                      <p:cBhvr>
-                                        <p:cTn id="15" dur="500"/>
-                                        <p:tgtEl>
-                                          <p:spTgt spid="3">
-                                            <p:txEl>
-                                              <p:pRg st="0" end="0"/>
-                                            </p:txEl>
-                                          </p:spTgt>
-                                        </p:tgtEl>
-                                      </p:cBhvr>
-                                    </p:animEffect>
-                                  </p:childTnLst>
-                                </p:cTn>
-                              </p:par>
-                              <p:par>
-                                <p:cTn id="16" presetID="22" presetClass="entr" presetSubtype="8" fill="hold" grpId="0" nodeType="withEffect">
-                                  <p:stCondLst>
-                                    <p:cond delay="0"/>
-                                  </p:stCondLst>
-                                  <p:childTnLst>
-                                    <p:set>
-                                      <p:cBhvr>
-                                        <p:cTn id="17" dur="1" fill="hold">
-                                          <p:stCondLst>
-                                            <p:cond delay="0"/>
-                                          </p:stCondLst>
-                                        </p:cTn>
-                                        <p:tgtEl>
-                                          <p:spTgt spid="3">
-                                            <p:txEl>
-                                              <p:pRg st="1" end="1"/>
-                                            </p:txEl>
-                                          </p:spTgt>
-                                        </p:tgtEl>
-                                        <p:attrNameLst>
-                                          <p:attrName>style.visibility</p:attrName>
-                                        </p:attrNameLst>
-                                      </p:cBhvr>
-                                      <p:to>
-                                        <p:strVal val="visible"/>
-                                      </p:to>
-                                    </p:set>
-                                    <p:animEffect transition="in" filter="wipe(left)">
-                                      <p:cBhvr>
-                                        <p:cTn id="18" dur="500"/>
-                                        <p:tgtEl>
-                                          <p:spTgt spid="3">
-                                            <p:txEl>
-                                              <p:pRg st="1" end="1"/>
-                                            </p:txEl>
-                                          </p:spTgt>
-                                        </p:tgtEl>
-                                      </p:cBhvr>
-                                    </p:animEffect>
-                                  </p:childTnLst>
-                                </p:cTn>
-                              </p:par>
-                            </p:childTnLst>
-                          </p:cTn>
-                        </p:par>
-                      </p:childTnLst>
-                    </p:cTn>
-                  </p:par>
-                </p:childTnLst>
-              </p:cTn>
-              <p:prevCondLst>
-                <p:cond evt="onPrev" delay="0">
-                  <p:tgtEl>
-                    <p:sldTgt/>
-                  </p:tgtEl>
-                </p:cond>
-              </p:prevCondLst>
-              <p:nextCondLst>
-                <p:cond evt="onNext" delay="0">
-                  <p:tgtEl>
-                    <p:sldTgt/>
-                  </p:tgtEl>
-                </p:cond>
-              </p:nextCondLst>
-            </p:seq>
-          </p:childTnLst>
-        </p:cTn>
-      </p:par>
-    </p:tnLst>
-    <p:bldLst>
-      <p:bldP spid="2" grpId="0"/>
-      <p:bldP spid="3" grpId="0" build="p"/>
-      <p:bldP spid="4" grpId="0" animBg="1"/>
-    </p:bldLst>
-  </p:timing>
-</p:sld>
-</file>
-
-<file path=ppt/slides/slide34.xml><?xml version="1.0" encoding="utf-8"?>
 <p:sld xmlns:a="http://schemas.openxmlformats.org/drawingml/2006/main" xmlns:r="http://schemas.openxmlformats.org/officeDocument/2006/relationships" xmlns:p="http://schemas.openxmlformats.org/presentationml/2006/main">
   <p:cSld>
     <p:spTree>
@@ -20514,7 +20517,7 @@
       </p:sp>
       <p:pic>
         <p:nvPicPr>
-          <p:cNvPr id="6" name="Picture 5"/>
+          <p:cNvPr id="5" name="Picture 4"/>
           <p:cNvPicPr>
             <a:picLocks noChangeAspect="1"/>
           </p:cNvPicPr>
@@ -20528,8 +20531,8 @@
         </p:blipFill>
         <p:spPr>
           <a:xfrm>
-            <a:off x="5320145" y="2280421"/>
-            <a:ext cx="6871855" cy="4577579"/>
+            <a:off x="7648575" y="2276475"/>
+            <a:ext cx="4543425" cy="4581525"/>
           </a:xfrm>
           <a:prstGeom prst="rect">
             <a:avLst/>
@@ -20658,7 +20661,7 @@
                             </p:stCondLst>
                             <p:childTnLst>
                               <p:par>
-                                <p:cTn id="13" presetID="10" presetClass="entr" presetSubtype="0" fill="hold" grpId="0" nodeType="clickEffect">
+                                <p:cTn id="13" presetID="10" presetClass="entr" presetSubtype="0" fill="hold" nodeType="clickEffect">
                                   <p:stCondLst>
                                     <p:cond delay="0"/>
                                   </p:stCondLst>
@@ -20671,11 +20674,7 @@
                                           </p:stCondLst>
                                         </p:cTn>
                                         <p:tgtEl>
-                                          <p:spTgt spid="3">
-                                            <p:txEl>
-                                              <p:pRg st="0" end="0"/>
-                                            </p:txEl>
-                                          </p:spTgt>
+                                          <p:spTgt spid="5"/>
                                         </p:tgtEl>
                                         <p:attrNameLst>
                                           <p:attrName>style.visibility</p:attrName>
@@ -20689,11 +20688,7 @@
                                       <p:cBhvr>
                                         <p:cTn id="15" dur="500"/>
                                         <p:tgtEl>
-                                          <p:spTgt spid="3">
-                                            <p:txEl>
-                                              <p:pRg st="0" end="0"/>
-                                            </p:txEl>
-                                          </p:spTgt>
+                                          <p:spTgt spid="5"/>
                                         </p:tgtEl>
                                       </p:cBhvr>
                                     </p:animEffect>
@@ -20734,7 +20729,7 @@
                                         <p:tgtEl>
                                           <p:spTgt spid="3">
                                             <p:txEl>
-                                              <p:pRg st="1" end="1"/>
+                                              <p:pRg st="0" end="0"/>
                                             </p:txEl>
                                           </p:spTgt>
                                         </p:tgtEl>
@@ -20752,7 +20747,7 @@
                                         <p:tgtEl>
                                           <p:spTgt spid="3">
                                             <p:txEl>
-                                              <p:pRg st="1" end="1"/>
+                                              <p:pRg st="0" end="0"/>
                                             </p:txEl>
                                           </p:spTgt>
                                         </p:tgtEl>
@@ -20780,7 +20775,7 @@
                             </p:stCondLst>
                             <p:childTnLst>
                               <p:par>
-                                <p:cTn id="23" presetID="10" presetClass="entr" presetSubtype="0" fill="hold" nodeType="clickEffect">
+                                <p:cTn id="23" presetID="10" presetClass="entr" presetSubtype="0" fill="hold" grpId="0" nodeType="clickEffect">
                                   <p:stCondLst>
                                     <p:cond delay="0"/>
                                   </p:stCondLst>
@@ -20793,7 +20788,11 @@
                                           </p:stCondLst>
                                         </p:cTn>
                                         <p:tgtEl>
-                                          <p:spTgt spid="6"/>
+                                          <p:spTgt spid="3">
+                                            <p:txEl>
+                                              <p:pRg st="1" end="1"/>
+                                            </p:txEl>
+                                          </p:spTgt>
                                         </p:tgtEl>
                                         <p:attrNameLst>
                                           <p:attrName>style.visibility</p:attrName>
@@ -20807,7 +20806,11 @@
                                       <p:cBhvr>
                                         <p:cTn id="25" dur="500"/>
                                         <p:tgtEl>
-                                          <p:spTgt spid="6"/>
+                                          <p:spTgt spid="3">
+                                            <p:txEl>
+                                              <p:pRg st="1" end="1"/>
+                                            </p:txEl>
+                                          </p:spTgt>
                                         </p:tgtEl>
                                       </p:cBhvr>
                                     </p:animEffect>
@@ -21382,15 +21385,7 @@
                   <a:srgbClr val="7030A0"/>
                 </a:solidFill>
               </a:rPr>
-              <a:t>(NO </a:t>
-            </a:r>
-            <a:r>
-              <a:rPr lang="en-US" sz="2400" b="1" dirty="0" smtClean="0">
-                <a:solidFill>
-                  <a:srgbClr val="7030A0"/>
-                </a:solidFill>
-              </a:rPr>
-              <a:t>assumption) distribution </a:t>
+              <a:t>(NO assumption) distribution </a:t>
             </a:r>
             <a:r>
               <a:rPr lang="en-US" sz="2400" b="1" dirty="0">
@@ -22277,7 +22272,23 @@
                   <a:srgbClr val="7030A0"/>
                 </a:solidFill>
               </a:rPr>
-              <a:t>The Pareto Graph is used to represent ____________ scale of measurement.</a:t>
+              <a:t>The Pareto Graph is used to represent </a:t>
+            </a:r>
+            <a:r>
+              <a:rPr lang="en-US" sz="2400" b="1" dirty="0">
+                <a:solidFill>
+                  <a:srgbClr val="FF0000"/>
+                </a:solidFill>
+              </a:rPr>
+              <a:t>____________ scale of measurement</a:t>
+            </a:r>
+            <a:r>
+              <a:rPr lang="en-US" sz="2400" b="1" dirty="0">
+                <a:solidFill>
+                  <a:srgbClr val="7030A0"/>
+                </a:solidFill>
+              </a:rPr>
+              <a:t>.</a:t>
             </a:r>
             <a:r>
               <a:rPr lang="en-US" sz="2400" dirty="0">
@@ -22361,7 +22372,7 @@
         </p:spPr>
         <p:txBody>
           <a:bodyPr>
-            <a:normAutofit/>
+            <a:normAutofit fontScale="85000" lnSpcReduction="20000"/>
           </a:bodyPr>
           <a:lstStyle/>
           <a:p>
@@ -22391,6 +22402,104 @@
             <a:pPr marL="0" indent="0">
               <a:buNone/>
             </a:pPr>
+            <a:r>
+              <a:rPr lang="en-US" sz="2400" dirty="0" smtClean="0"/>
+              <a:t>Nominal (e.g. </a:t>
+            </a:r>
+            <a:r>
+              <a:rPr lang="en-US" sz="2400" b="1" dirty="0" smtClean="0"/>
+              <a:t>label</a:t>
+            </a:r>
+            <a:r>
+              <a:rPr lang="en-US" sz="2400" dirty="0" smtClean="0"/>
+              <a:t>, Roll Number), least exact info</a:t>
+            </a:r>
+          </a:p>
+          <a:p>
+            <a:pPr marL="0" indent="0">
+              <a:buNone/>
+            </a:pPr>
+            <a:r>
+              <a:rPr lang="en-US" sz="2400" dirty="0" smtClean="0"/>
+              <a:t>Ordinal (e.g. </a:t>
+            </a:r>
+            <a:r>
+              <a:rPr lang="en-US" sz="2400" b="1" dirty="0" smtClean="0"/>
+              <a:t>rank</a:t>
+            </a:r>
+            <a:r>
+              <a:rPr lang="en-US" sz="2400" dirty="0" smtClean="0"/>
+              <a:t>, 1</a:t>
+            </a:r>
+            <a:r>
+              <a:rPr lang="en-US" sz="2400" baseline="30000" dirty="0" smtClean="0"/>
+              <a:t>st</a:t>
+            </a:r>
+            <a:r>
+              <a:rPr lang="en-US" sz="2400" dirty="0" smtClean="0"/>
+              <a:t> / 2</a:t>
+            </a:r>
+            <a:r>
+              <a:rPr lang="en-US" sz="2400" baseline="30000" dirty="0" smtClean="0"/>
+              <a:t>nd</a:t>
+            </a:r>
+            <a:r>
+              <a:rPr lang="en-US" sz="2400" dirty="0" smtClean="0"/>
+              <a:t> boy in the class)</a:t>
+            </a:r>
+          </a:p>
+          <a:p>
+            <a:pPr marL="0" indent="0">
+              <a:buNone/>
+            </a:pPr>
+            <a:r>
+              <a:rPr lang="en-US" sz="2400" dirty="0" smtClean="0"/>
+              <a:t>Interval (</a:t>
+            </a:r>
+            <a:r>
+              <a:rPr lang="en-US" sz="2400" dirty="0"/>
+              <a:t>e.g. </a:t>
+            </a:r>
+            <a:r>
+              <a:rPr lang="en-US" sz="2400" b="1" dirty="0"/>
+              <a:t>g</a:t>
+            </a:r>
+            <a:r>
+              <a:rPr lang="en-US" sz="2400" b="1" dirty="0" smtClean="0"/>
+              <a:t>rading</a:t>
+            </a:r>
+            <a:r>
+              <a:rPr lang="en-US" sz="2400" dirty="0" smtClean="0"/>
+              <a:t> in the exam( 81 or 83 is the same)</a:t>
+            </a:r>
+          </a:p>
+          <a:p>
+            <a:pPr marL="0" indent="0">
+              <a:buNone/>
+            </a:pPr>
+            <a:r>
+              <a:rPr lang="en-US" sz="2400" dirty="0" smtClean="0"/>
+              <a:t>Ratio</a:t>
+            </a:r>
+            <a:r>
+              <a:rPr lang="en-US" sz="2400" dirty="0"/>
+              <a:t> (e.g. </a:t>
+            </a:r>
+            <a:r>
+              <a:rPr lang="en-US" sz="2400" b="1" dirty="0" smtClean="0"/>
+              <a:t>mark</a:t>
+            </a:r>
+            <a:r>
+              <a:rPr lang="en-US" sz="2400" dirty="0" smtClean="0"/>
+              <a:t> in the exam), more exact</a:t>
+            </a:r>
+            <a:r>
+              <a:rPr lang="en-US" sz="2400" dirty="0"/>
+              <a:t/>
+            </a:r>
+            <a:br>
+              <a:rPr lang="en-US" sz="2400" dirty="0"/>
+            </a:br>
             <a:endParaRPr lang="en-US" sz="2400" dirty="0"/>
           </a:p>
         </p:txBody>
@@ -22470,8 +22579,8 @@
         </p:blipFill>
         <p:spPr>
           <a:xfrm>
-            <a:off x="4123113" y="1483037"/>
-            <a:ext cx="8068887" cy="5374963"/>
+            <a:off x="5536276" y="1745673"/>
+            <a:ext cx="6655724" cy="5112327"/>
           </a:xfrm>
           <a:prstGeom prst="rect">
             <a:avLst/>
@@ -22704,7 +22813,7 @@
                             </p:stCondLst>
                             <p:childTnLst>
                               <p:par>
-                                <p:cTn id="21" presetID="22" presetClass="entr" presetSubtype="4" fill="hold" nodeType="clickEffect">
+                                <p:cTn id="21" presetID="22" presetClass="entr" presetSubtype="8" fill="hold" grpId="0" nodeType="clickEffect">
                                   <p:stCondLst>
                                     <p:cond delay="0"/>
                                   </p:stCondLst>
@@ -22717,6 +22826,250 @@
                                           </p:stCondLst>
                                         </p:cTn>
                                         <p:tgtEl>
+                                          <p:spTgt spid="3">
+                                            <p:txEl>
+                                              <p:pRg st="2" end="2"/>
+                                            </p:txEl>
+                                          </p:spTgt>
+                                        </p:tgtEl>
+                                        <p:attrNameLst>
+                                          <p:attrName>style.visibility</p:attrName>
+                                        </p:attrNameLst>
+                                      </p:cBhvr>
+                                      <p:to>
+                                        <p:strVal val="visible"/>
+                                      </p:to>
+                                    </p:set>
+                                    <p:animEffect transition="in" filter="wipe(left)">
+                                      <p:cBhvr>
+                                        <p:cTn id="23" dur="500"/>
+                                        <p:tgtEl>
+                                          <p:spTgt spid="3">
+                                            <p:txEl>
+                                              <p:pRg st="2" end="2"/>
+                                            </p:txEl>
+                                          </p:spTgt>
+                                        </p:tgtEl>
+                                      </p:cBhvr>
+                                    </p:animEffect>
+                                  </p:childTnLst>
+                                </p:cTn>
+                              </p:par>
+                            </p:childTnLst>
+                          </p:cTn>
+                        </p:par>
+                      </p:childTnLst>
+                    </p:cTn>
+                  </p:par>
+                  <p:par>
+                    <p:cTn id="24" fill="hold">
+                      <p:stCondLst>
+                        <p:cond delay="indefinite"/>
+                      </p:stCondLst>
+                      <p:childTnLst>
+                        <p:par>
+                          <p:cTn id="25" fill="hold">
+                            <p:stCondLst>
+                              <p:cond delay="0"/>
+                            </p:stCondLst>
+                            <p:childTnLst>
+                              <p:par>
+                                <p:cTn id="26" presetID="22" presetClass="entr" presetSubtype="8" fill="hold" grpId="0" nodeType="clickEffect">
+                                  <p:stCondLst>
+                                    <p:cond delay="0"/>
+                                  </p:stCondLst>
+                                  <p:childTnLst>
+                                    <p:set>
+                                      <p:cBhvr>
+                                        <p:cTn id="27" dur="1" fill="hold">
+                                          <p:stCondLst>
+                                            <p:cond delay="0"/>
+                                          </p:stCondLst>
+                                        </p:cTn>
+                                        <p:tgtEl>
+                                          <p:spTgt spid="3">
+                                            <p:txEl>
+                                              <p:pRg st="3" end="3"/>
+                                            </p:txEl>
+                                          </p:spTgt>
+                                        </p:tgtEl>
+                                        <p:attrNameLst>
+                                          <p:attrName>style.visibility</p:attrName>
+                                        </p:attrNameLst>
+                                      </p:cBhvr>
+                                      <p:to>
+                                        <p:strVal val="visible"/>
+                                      </p:to>
+                                    </p:set>
+                                    <p:animEffect transition="in" filter="wipe(left)">
+                                      <p:cBhvr>
+                                        <p:cTn id="28" dur="500"/>
+                                        <p:tgtEl>
+                                          <p:spTgt spid="3">
+                                            <p:txEl>
+                                              <p:pRg st="3" end="3"/>
+                                            </p:txEl>
+                                          </p:spTgt>
+                                        </p:tgtEl>
+                                      </p:cBhvr>
+                                    </p:animEffect>
+                                  </p:childTnLst>
+                                </p:cTn>
+                              </p:par>
+                            </p:childTnLst>
+                          </p:cTn>
+                        </p:par>
+                      </p:childTnLst>
+                    </p:cTn>
+                  </p:par>
+                  <p:par>
+                    <p:cTn id="29" fill="hold">
+                      <p:stCondLst>
+                        <p:cond delay="indefinite"/>
+                      </p:stCondLst>
+                      <p:childTnLst>
+                        <p:par>
+                          <p:cTn id="30" fill="hold">
+                            <p:stCondLst>
+                              <p:cond delay="0"/>
+                            </p:stCondLst>
+                            <p:childTnLst>
+                              <p:par>
+                                <p:cTn id="31" presetID="22" presetClass="entr" presetSubtype="8" fill="hold" grpId="0" nodeType="clickEffect">
+                                  <p:stCondLst>
+                                    <p:cond delay="0"/>
+                                  </p:stCondLst>
+                                  <p:childTnLst>
+                                    <p:set>
+                                      <p:cBhvr>
+                                        <p:cTn id="32" dur="1" fill="hold">
+                                          <p:stCondLst>
+                                            <p:cond delay="0"/>
+                                          </p:stCondLst>
+                                        </p:cTn>
+                                        <p:tgtEl>
+                                          <p:spTgt spid="3">
+                                            <p:txEl>
+                                              <p:pRg st="4" end="4"/>
+                                            </p:txEl>
+                                          </p:spTgt>
+                                        </p:tgtEl>
+                                        <p:attrNameLst>
+                                          <p:attrName>style.visibility</p:attrName>
+                                        </p:attrNameLst>
+                                      </p:cBhvr>
+                                      <p:to>
+                                        <p:strVal val="visible"/>
+                                      </p:to>
+                                    </p:set>
+                                    <p:animEffect transition="in" filter="wipe(left)">
+                                      <p:cBhvr>
+                                        <p:cTn id="33" dur="500"/>
+                                        <p:tgtEl>
+                                          <p:spTgt spid="3">
+                                            <p:txEl>
+                                              <p:pRg st="4" end="4"/>
+                                            </p:txEl>
+                                          </p:spTgt>
+                                        </p:tgtEl>
+                                      </p:cBhvr>
+                                    </p:animEffect>
+                                  </p:childTnLst>
+                                </p:cTn>
+                              </p:par>
+                            </p:childTnLst>
+                          </p:cTn>
+                        </p:par>
+                      </p:childTnLst>
+                    </p:cTn>
+                  </p:par>
+                  <p:par>
+                    <p:cTn id="34" fill="hold">
+                      <p:stCondLst>
+                        <p:cond delay="indefinite"/>
+                      </p:stCondLst>
+                      <p:childTnLst>
+                        <p:par>
+                          <p:cTn id="35" fill="hold">
+                            <p:stCondLst>
+                              <p:cond delay="0"/>
+                            </p:stCondLst>
+                            <p:childTnLst>
+                              <p:par>
+                                <p:cTn id="36" presetID="22" presetClass="entr" presetSubtype="8" fill="hold" grpId="0" nodeType="clickEffect">
+                                  <p:stCondLst>
+                                    <p:cond delay="0"/>
+                                  </p:stCondLst>
+                                  <p:childTnLst>
+                                    <p:set>
+                                      <p:cBhvr>
+                                        <p:cTn id="37" dur="1" fill="hold">
+                                          <p:stCondLst>
+                                            <p:cond delay="0"/>
+                                          </p:stCondLst>
+                                        </p:cTn>
+                                        <p:tgtEl>
+                                          <p:spTgt spid="3">
+                                            <p:txEl>
+                                              <p:pRg st="5" end="5"/>
+                                            </p:txEl>
+                                          </p:spTgt>
+                                        </p:tgtEl>
+                                        <p:attrNameLst>
+                                          <p:attrName>style.visibility</p:attrName>
+                                        </p:attrNameLst>
+                                      </p:cBhvr>
+                                      <p:to>
+                                        <p:strVal val="visible"/>
+                                      </p:to>
+                                    </p:set>
+                                    <p:animEffect transition="in" filter="wipe(left)">
+                                      <p:cBhvr>
+                                        <p:cTn id="38" dur="500"/>
+                                        <p:tgtEl>
+                                          <p:spTgt spid="3">
+                                            <p:txEl>
+                                              <p:pRg st="5" end="5"/>
+                                            </p:txEl>
+                                          </p:spTgt>
+                                        </p:tgtEl>
+                                      </p:cBhvr>
+                                    </p:animEffect>
+                                  </p:childTnLst>
+                                </p:cTn>
+                              </p:par>
+                            </p:childTnLst>
+                          </p:cTn>
+                        </p:par>
+                      </p:childTnLst>
+                    </p:cTn>
+                  </p:par>
+                  <p:par>
+                    <p:cTn id="39" fill="hold">
+                      <p:stCondLst>
+                        <p:cond delay="indefinite"/>
+                      </p:stCondLst>
+                      <p:childTnLst>
+                        <p:par>
+                          <p:cTn id="40" fill="hold">
+                            <p:stCondLst>
+                              <p:cond delay="0"/>
+                            </p:stCondLst>
+                            <p:childTnLst>
+                              <p:par>
+                                <p:cTn id="41" presetID="22" presetClass="entr" presetSubtype="4" fill="hold" nodeType="clickEffect">
+                                  <p:stCondLst>
+                                    <p:cond delay="0"/>
+                                  </p:stCondLst>
+                                  <p:childTnLst>
+                                    <p:set>
+                                      <p:cBhvr>
+                                        <p:cTn id="42" dur="1" fill="hold">
+                                          <p:stCondLst>
+                                            <p:cond delay="0"/>
+                                          </p:stCondLst>
+                                        </p:cTn>
+                                        <p:tgtEl>
                                           <p:spTgt spid="5"/>
                                         </p:tgtEl>
                                         <p:attrNameLst>
@@ -22729,7 +23082,7 @@
                                     </p:set>
                                     <p:animEffect transition="in" filter="wipe(down)">
                                       <p:cBhvr>
-                                        <p:cTn id="23" dur="500"/>
+                                        <p:cTn id="43" dur="500"/>
                                         <p:tgtEl>
                                           <p:spTgt spid="5"/>
                                         </p:tgtEl>
